--- a/Game_Presentation.pptx
+++ b/Game_Presentation.pptx
@@ -7,20 +7,21 @@
   <p:sldIdLst>
     <p:sldId id="256" r:id="rId2"/>
     <p:sldId id="257" r:id="rId3"/>
-    <p:sldId id="259" r:id="rId4"/>
-    <p:sldId id="260" r:id="rId5"/>
-    <p:sldId id="258" r:id="rId6"/>
-    <p:sldId id="264" r:id="rId7"/>
-    <p:sldId id="261" r:id="rId8"/>
-    <p:sldId id="262" r:id="rId9"/>
-    <p:sldId id="263" r:id="rId10"/>
-    <p:sldId id="266" r:id="rId11"/>
-    <p:sldId id="265" r:id="rId12"/>
-    <p:sldId id="267" r:id="rId13"/>
-    <p:sldId id="268" r:id="rId14"/>
-    <p:sldId id="269" r:id="rId15"/>
-    <p:sldId id="270" r:id="rId16"/>
-    <p:sldId id="271" r:id="rId17"/>
+    <p:sldId id="260" r:id="rId4"/>
+    <p:sldId id="272" r:id="rId5"/>
+    <p:sldId id="259" r:id="rId6"/>
+    <p:sldId id="258" r:id="rId7"/>
+    <p:sldId id="264" r:id="rId8"/>
+    <p:sldId id="261" r:id="rId9"/>
+    <p:sldId id="262" r:id="rId10"/>
+    <p:sldId id="263" r:id="rId11"/>
+    <p:sldId id="266" r:id="rId12"/>
+    <p:sldId id="265" r:id="rId13"/>
+    <p:sldId id="267" r:id="rId14"/>
+    <p:sldId id="268" r:id="rId15"/>
+    <p:sldId id="269" r:id="rId16"/>
+    <p:sldId id="270" r:id="rId17"/>
+    <p:sldId id="271" r:id="rId18"/>
   </p:sldIdLst>
   <p:sldSz cx="12192000" cy="6858000"/>
   <p:notesSz cx="6858000" cy="9144000"/>
@@ -119,6 +120,11 @@
       </a:defRPr>
     </a:lvl9pPr>
   </p:defaultTextStyle>
+  <p:extLst>
+    <p:ext uri="{EFAFB233-063F-42B5-8137-9DF3F51BA10A}">
+      <p15:sldGuideLst xmlns:p15="http://schemas.microsoft.com/office/powerpoint/2012/main"/>
+    </p:ext>
+  </p:extLst>
 </p:presentation>
 </file>
 
@@ -269,7 +275,7 @@
           <a:p>
             <a:fld id="{41701606-39CB-47F1-BABE-E009127DA732}" type="datetimeFigureOut">
               <a:rPr lang="en-US" smtClean="0"/>
-              <a:t>11/9/2021</a:t>
+              <a:t>11/10/2021</a:t>
             </a:fld>
             <a:endParaRPr lang="en-US"/>
           </a:p>
@@ -467,7 +473,7 @@
           <a:p>
             <a:fld id="{41701606-39CB-47F1-BABE-E009127DA732}" type="datetimeFigureOut">
               <a:rPr lang="en-US" smtClean="0"/>
-              <a:t>11/9/2021</a:t>
+              <a:t>11/10/2021</a:t>
             </a:fld>
             <a:endParaRPr lang="en-US"/>
           </a:p>
@@ -675,7 +681,7 @@
           <a:p>
             <a:fld id="{41701606-39CB-47F1-BABE-E009127DA732}" type="datetimeFigureOut">
               <a:rPr lang="en-US" smtClean="0"/>
-              <a:t>11/9/2021</a:t>
+              <a:t>11/10/2021</a:t>
             </a:fld>
             <a:endParaRPr lang="en-US"/>
           </a:p>
@@ -873,7 +879,7 @@
           <a:p>
             <a:fld id="{41701606-39CB-47F1-BABE-E009127DA732}" type="datetimeFigureOut">
               <a:rPr lang="en-US" smtClean="0"/>
-              <a:t>11/9/2021</a:t>
+              <a:t>11/10/2021</a:t>
             </a:fld>
             <a:endParaRPr lang="en-US"/>
           </a:p>
@@ -1148,7 +1154,7 @@
           <a:p>
             <a:fld id="{41701606-39CB-47F1-BABE-E009127DA732}" type="datetimeFigureOut">
               <a:rPr lang="en-US" smtClean="0"/>
-              <a:t>11/9/2021</a:t>
+              <a:t>11/10/2021</a:t>
             </a:fld>
             <a:endParaRPr lang="en-US"/>
           </a:p>
@@ -1413,7 +1419,7 @@
           <a:p>
             <a:fld id="{41701606-39CB-47F1-BABE-E009127DA732}" type="datetimeFigureOut">
               <a:rPr lang="en-US" smtClean="0"/>
-              <a:t>11/9/2021</a:t>
+              <a:t>11/10/2021</a:t>
             </a:fld>
             <a:endParaRPr lang="en-US"/>
           </a:p>
@@ -1825,7 +1831,7 @@
           <a:p>
             <a:fld id="{41701606-39CB-47F1-BABE-E009127DA732}" type="datetimeFigureOut">
               <a:rPr lang="en-US" smtClean="0"/>
-              <a:t>11/9/2021</a:t>
+              <a:t>11/10/2021</a:t>
             </a:fld>
             <a:endParaRPr lang="en-US"/>
           </a:p>
@@ -1966,7 +1972,7 @@
           <a:p>
             <a:fld id="{41701606-39CB-47F1-BABE-E009127DA732}" type="datetimeFigureOut">
               <a:rPr lang="en-US" smtClean="0"/>
-              <a:t>11/9/2021</a:t>
+              <a:t>11/10/2021</a:t>
             </a:fld>
             <a:endParaRPr lang="en-US"/>
           </a:p>
@@ -2079,7 +2085,7 @@
           <a:p>
             <a:fld id="{41701606-39CB-47F1-BABE-E009127DA732}" type="datetimeFigureOut">
               <a:rPr lang="en-US" smtClean="0"/>
-              <a:t>11/9/2021</a:t>
+              <a:t>11/10/2021</a:t>
             </a:fld>
             <a:endParaRPr lang="en-US"/>
           </a:p>
@@ -2390,7 +2396,7 @@
           <a:p>
             <a:fld id="{41701606-39CB-47F1-BABE-E009127DA732}" type="datetimeFigureOut">
               <a:rPr lang="en-US" smtClean="0"/>
-              <a:t>11/9/2021</a:t>
+              <a:t>11/10/2021</a:t>
             </a:fld>
             <a:endParaRPr lang="en-US"/>
           </a:p>
@@ -2678,7 +2684,7 @@
           <a:p>
             <a:fld id="{41701606-39CB-47F1-BABE-E009127DA732}" type="datetimeFigureOut">
               <a:rPr lang="en-US" smtClean="0"/>
-              <a:t>11/9/2021</a:t>
+              <a:t>11/10/2021</a:t>
             </a:fld>
             <a:endParaRPr lang="en-US"/>
           </a:p>
@@ -2919,7 +2925,7 @@
           <a:p>
             <a:fld id="{41701606-39CB-47F1-BABE-E009127DA732}" type="datetimeFigureOut">
               <a:rPr lang="en-US" smtClean="0"/>
-              <a:t>11/9/2021</a:t>
+              <a:t>11/10/2021</a:t>
             </a:fld>
             <a:endParaRPr lang="en-US"/>
           </a:p>
@@ -12564,13 +12570,13 @@
   <p:clrMapOvr>
     <a:masterClrMapping/>
   </p:clrMapOvr>
-  <mc:AlternateContent xmlns:mc="http://schemas.openxmlformats.org/markup-compatibility/2006">
-    <mc:Choice xmlns:p159="http://schemas.microsoft.com/office/powerpoint/2015/09/main" Requires="p159">
+  <mc:AlternateContent xmlns:mc="http://schemas.openxmlformats.org/markup-compatibility/2006" xmlns:p159="http://schemas.microsoft.com/office/powerpoint/2015/09/main">
+    <mc:Choice Requires="p159">
       <p:transition xmlns:p14="http://schemas.microsoft.com/office/powerpoint/2010/main" spd="slow" p14:dur="2000">
         <p159:morph option="byObject"/>
       </p:transition>
     </mc:Choice>
-    <mc:Fallback>
+    <mc:Fallback xmlns="">
       <p:transition spd="slow">
         <p:fade/>
       </p:transition>
@@ -13076,6 +13082,720 @@
       </p:grpSpPr>
       <p:sp>
         <p:nvSpPr>
+          <p:cNvPr id="16" name="Rectangle 7">
+            <a:extLst>
+              <a:ext uri="{FF2B5EF4-FFF2-40B4-BE49-F238E27FC236}">
+                <a16:creationId xmlns:a16="http://schemas.microsoft.com/office/drawing/2014/main" id="{E8A8EAB8-D2FF-444D-B34B-7D32F106AD0E}"/>
+              </a:ext>
+              <a:ext uri="{C183D7F6-B498-43B3-948B-1728B52AA6E4}">
+                <adec:decorative xmlns:adec="http://schemas.microsoft.com/office/drawing/2017/decorative" val="1"/>
+              </a:ext>
+            </a:extLst>
+          </p:cNvPr>
+          <p:cNvSpPr>
+            <a:spLocks noGrp="1" noRot="1" noChangeAspect="1" noMove="1" noResize="1" noEditPoints="1" noAdjustHandles="1" noChangeArrowheads="1" noChangeShapeType="1" noTextEdit="1"/>
+          </p:cNvSpPr>
+          <p:nvPr>
+            <p:extLst>
+              <p:ext uri="{386F3935-93C4-4BCD-93E2-E3B085C9AB24}">
+                <p16:designElem xmlns:p16="http://schemas.microsoft.com/office/powerpoint/2015/main" val="1"/>
+              </p:ext>
+            </p:extLst>
+          </p:nvPr>
+        </p:nvSpPr>
+        <p:spPr>
+          <a:xfrm>
+            <a:off x="0" y="0"/>
+            <a:ext cx="12192000" cy="6858000"/>
+          </a:xfrm>
+          <a:prstGeom prst="rect">
+            <a:avLst/>
+          </a:prstGeom>
+          <a:solidFill>
+            <a:schemeClr val="tx1">
+              <a:lumMod val="95000"/>
+              <a:lumOff val="5000"/>
+            </a:schemeClr>
+          </a:solidFill>
+          <a:ln>
+            <a:noFill/>
+          </a:ln>
+        </p:spPr>
+        <p:style>
+          <a:lnRef idx="2">
+            <a:schemeClr val="accent1">
+              <a:shade val="50000"/>
+            </a:schemeClr>
+          </a:lnRef>
+          <a:fillRef idx="1">
+            <a:schemeClr val="accent1"/>
+          </a:fillRef>
+          <a:effectRef idx="0">
+            <a:schemeClr val="accent1"/>
+          </a:effectRef>
+          <a:fontRef idx="minor">
+            <a:schemeClr val="lt1"/>
+          </a:fontRef>
+        </p:style>
+        <p:txBody>
+          <a:bodyPr rtlCol="0" anchor="ctr"/>
+          <a:lstStyle/>
+          <a:p>
+            <a:pPr algn="ctr"/>
+            <a:endParaRPr lang="en-US" dirty="0">
+              <a:solidFill>
+                <a:schemeClr val="bg1"/>
+              </a:solidFill>
+            </a:endParaRPr>
+          </a:p>
+        </p:txBody>
+      </p:sp>
+      <p:sp>
+        <p:nvSpPr>
+          <p:cNvPr id="2" name="Title 1">
+            <a:extLst>
+              <a:ext uri="{FF2B5EF4-FFF2-40B4-BE49-F238E27FC236}">
+                <a16:creationId xmlns:a16="http://schemas.microsoft.com/office/drawing/2014/main" id="{4743CF5C-DB45-48CC-818D-6F2A0A05369C}"/>
+              </a:ext>
+            </a:extLst>
+          </p:cNvPr>
+          <p:cNvSpPr>
+            <a:spLocks noGrp="1"/>
+          </p:cNvSpPr>
+          <p:nvPr>
+            <p:ph type="title"/>
+          </p:nvPr>
+        </p:nvSpPr>
+        <p:spPr>
+          <a:xfrm>
+            <a:off x="1014141" y="1450655"/>
+            <a:ext cx="3932030" cy="3956690"/>
+          </a:xfrm>
+        </p:spPr>
+        <p:txBody>
+          <a:bodyPr anchor="ctr">
+            <a:normAutofit/>
+          </a:bodyPr>
+          <a:lstStyle/>
+          <a:p>
+            <a:r>
+              <a:rPr lang="en-US" sz="8000" dirty="0">
+                <a:solidFill>
+                  <a:schemeClr val="bg1"/>
+                </a:solidFill>
+                <a:latin typeface="Bembo" panose="02020502050201020203" pitchFamily="18" charset="0"/>
+              </a:rPr>
+              <a:t>Unity</a:t>
+            </a:r>
+          </a:p>
+        </p:txBody>
+      </p:sp>
+      <p:cxnSp>
+        <p:nvCxnSpPr>
+          <p:cNvPr id="17" name="Straight Connector 9">
+            <a:extLst>
+              <a:ext uri="{FF2B5EF4-FFF2-40B4-BE49-F238E27FC236}">
+                <a16:creationId xmlns:a16="http://schemas.microsoft.com/office/drawing/2014/main" id="{067633D1-6EE6-4118-B9F0-B363477BEE7A}"/>
+              </a:ext>
+              <a:ext uri="{C183D7F6-B498-43B3-948B-1728B52AA6E4}">
+                <adec:decorative xmlns:adec="http://schemas.microsoft.com/office/drawing/2017/decorative" val="1"/>
+              </a:ext>
+            </a:extLst>
+          </p:cNvPr>
+          <p:cNvCxnSpPr>
+            <a:cxnSpLocks noGrp="1" noRot="1" noChangeAspect="1" noMove="1" noResize="1" noEditPoints="1" noAdjustHandles="1" noChangeArrowheads="1" noChangeShapeType="1"/>
+          </p:cNvCxnSpPr>
+          <p:nvPr>
+            <p:extLst>
+              <p:ext uri="{386F3935-93C4-4BCD-93E2-E3B085C9AB24}">
+                <p16:designElem xmlns:p16="http://schemas.microsoft.com/office/powerpoint/2015/main" val="1"/>
+              </p:ext>
+            </p:extLst>
+          </p:nvPr>
+        </p:nvCxnSpPr>
+        <p:spPr>
+          <a:xfrm flipH="1">
+            <a:off x="1014141" y="1450655"/>
+            <a:ext cx="3932030" cy="0"/>
+          </a:xfrm>
+          <a:prstGeom prst="line">
+            <a:avLst/>
+          </a:prstGeom>
+          <a:ln w="12700">
+            <a:solidFill>
+              <a:schemeClr val="accent2"/>
+            </a:solidFill>
+          </a:ln>
+        </p:spPr>
+        <p:style>
+          <a:lnRef idx="1">
+            <a:schemeClr val="accent1"/>
+          </a:lnRef>
+          <a:fillRef idx="0">
+            <a:schemeClr val="accent1"/>
+          </a:fillRef>
+          <a:effectRef idx="0">
+            <a:schemeClr val="accent1"/>
+          </a:effectRef>
+          <a:fontRef idx="minor">
+            <a:schemeClr val="tx1"/>
+          </a:fontRef>
+        </p:style>
+      </p:cxnSp>
+      <p:cxnSp>
+        <p:nvCxnSpPr>
+          <p:cNvPr id="12" name="Straight Connector 11">
+            <a:extLst>
+              <a:ext uri="{FF2B5EF4-FFF2-40B4-BE49-F238E27FC236}">
+                <a16:creationId xmlns:a16="http://schemas.microsoft.com/office/drawing/2014/main" id="{4AD7FFC6-42A9-49CB-B5E9-B3F6B038331B}"/>
+              </a:ext>
+              <a:ext uri="{C183D7F6-B498-43B3-948B-1728B52AA6E4}">
+                <adec:decorative xmlns:adec="http://schemas.microsoft.com/office/drawing/2017/decorative" val="1"/>
+              </a:ext>
+            </a:extLst>
+          </p:cNvPr>
+          <p:cNvCxnSpPr>
+            <a:cxnSpLocks noGrp="1" noRot="1" noChangeAspect="1" noMove="1" noResize="1" noEditPoints="1" noAdjustHandles="1" noChangeArrowheads="1" noChangeShapeType="1"/>
+          </p:cNvCxnSpPr>
+          <p:nvPr>
+            <p:extLst>
+              <p:ext uri="{386F3935-93C4-4BCD-93E2-E3B085C9AB24}">
+                <p16:designElem xmlns:p16="http://schemas.microsoft.com/office/powerpoint/2015/main" val="1"/>
+              </p:ext>
+            </p:extLst>
+          </p:nvPr>
+        </p:nvCxnSpPr>
+        <p:spPr>
+          <a:xfrm flipH="1">
+            <a:off x="1014141" y="5408571"/>
+            <a:ext cx="3932030" cy="0"/>
+          </a:xfrm>
+          <a:prstGeom prst="line">
+            <a:avLst/>
+          </a:prstGeom>
+          <a:ln w="12700">
+            <a:solidFill>
+              <a:schemeClr val="accent2"/>
+            </a:solidFill>
+          </a:ln>
+        </p:spPr>
+        <p:style>
+          <a:lnRef idx="1">
+            <a:schemeClr val="accent1"/>
+          </a:lnRef>
+          <a:fillRef idx="0">
+            <a:schemeClr val="accent1"/>
+          </a:fillRef>
+          <a:effectRef idx="0">
+            <a:schemeClr val="accent1"/>
+          </a:effectRef>
+          <a:fontRef idx="minor">
+            <a:schemeClr val="tx1"/>
+          </a:fontRef>
+        </p:style>
+      </p:cxnSp>
+      <p:sp>
+        <p:nvSpPr>
+          <p:cNvPr id="3" name="Content Placeholder 2">
+            <a:extLst>
+              <a:ext uri="{FF2B5EF4-FFF2-40B4-BE49-F238E27FC236}">
+                <a16:creationId xmlns:a16="http://schemas.microsoft.com/office/drawing/2014/main" id="{931A757B-5A5D-4C19-8CD8-BB5F92C8F132}"/>
+              </a:ext>
+            </a:extLst>
+          </p:cNvPr>
+          <p:cNvSpPr>
+            <a:spLocks noGrp="1"/>
+          </p:cNvSpPr>
+          <p:nvPr>
+            <p:ph idx="1"/>
+          </p:nvPr>
+        </p:nvSpPr>
+        <p:spPr>
+          <a:xfrm>
+            <a:off x="6096000" y="1108061"/>
+            <a:ext cx="5008901" cy="4571972"/>
+          </a:xfrm>
+        </p:spPr>
+        <p:txBody>
+          <a:bodyPr anchor="ctr">
+            <a:normAutofit/>
+          </a:bodyPr>
+          <a:lstStyle/>
+          <a:p>
+            <a:r>
+              <a:rPr lang="en-US" sz="2000" dirty="0">
+                <a:solidFill>
+                  <a:schemeClr val="bg1"/>
+                </a:solidFill>
+                <a:latin typeface="Bembo" panose="02020502050201020203" pitchFamily="18" charset="0"/>
+              </a:rPr>
+              <a:t>The game aspect of the project was created using the Unity Engine</a:t>
+            </a:r>
+          </a:p>
+          <a:p>
+            <a:r>
+              <a:rPr lang="en-US" sz="2000" dirty="0">
+                <a:solidFill>
+                  <a:schemeClr val="bg1"/>
+                </a:solidFill>
+                <a:latin typeface="Bembo" panose="02020502050201020203" pitchFamily="18" charset="0"/>
+              </a:rPr>
+              <a:t>It was developed using C#</a:t>
+            </a:r>
+          </a:p>
+          <a:p>
+            <a:r>
+              <a:rPr lang="en-US" sz="2000" dirty="0">
+                <a:solidFill>
+                  <a:schemeClr val="bg1"/>
+                </a:solidFill>
+                <a:latin typeface="Bembo" panose="02020502050201020203" pitchFamily="18" charset="0"/>
+              </a:rPr>
+              <a:t>The project is embedded in the android application</a:t>
+            </a:r>
+          </a:p>
+          <a:p>
+            <a:r>
+              <a:rPr lang="en-US" sz="2000" dirty="0">
+                <a:solidFill>
+                  <a:schemeClr val="bg1"/>
+                </a:solidFill>
+                <a:latin typeface="Bembo" panose="02020502050201020203" pitchFamily="18" charset="0"/>
+              </a:rPr>
+              <a:t>It communicates with the JS server using the Socket IO library</a:t>
+            </a:r>
+          </a:p>
+        </p:txBody>
+      </p:sp>
+    </p:spTree>
+    <p:extLst>
+      <p:ext uri="{BB962C8B-B14F-4D97-AF65-F5344CB8AC3E}">
+        <p14:creationId xmlns:p14="http://schemas.microsoft.com/office/powerpoint/2010/main" val="3138818677"/>
+      </p:ext>
+    </p:extLst>
+  </p:cSld>
+  <p:clrMapOvr>
+    <a:masterClrMapping/>
+  </p:clrMapOvr>
+  <mc:AlternateContent xmlns:mc="http://schemas.openxmlformats.org/markup-compatibility/2006" xmlns:p159="http://schemas.microsoft.com/office/powerpoint/2015/09/main">
+    <mc:Choice Requires="p159">
+      <p:transition xmlns:p14="http://schemas.microsoft.com/office/powerpoint/2010/main" spd="slow" p14:dur="2000">
+        <p159:morph option="byObject"/>
+      </p:transition>
+    </mc:Choice>
+    <mc:Fallback xmlns="">
+      <p:transition spd="slow">
+        <p:fade/>
+      </p:transition>
+    </mc:Fallback>
+  </mc:AlternateContent>
+  <p:timing>
+    <p:tnLst>
+      <p:par>
+        <p:cTn id="1" dur="indefinite" restart="never" nodeType="tmRoot">
+          <p:childTnLst>
+            <p:seq concurrent="1" nextAc="seek">
+              <p:cTn id="2" dur="indefinite" nodeType="mainSeq">
+                <p:childTnLst>
+                  <p:par>
+                    <p:cTn id="3" fill="hold">
+                      <p:stCondLst>
+                        <p:cond delay="indefinite"/>
+                      </p:stCondLst>
+                      <p:childTnLst>
+                        <p:par>
+                          <p:cTn id="4" fill="hold">
+                            <p:stCondLst>
+                              <p:cond delay="0"/>
+                            </p:stCondLst>
+                            <p:childTnLst>
+                              <p:par>
+                                <p:cTn id="5" presetID="42" presetClass="entr" presetSubtype="0" fill="hold" grpId="0" nodeType="clickEffect">
+                                  <p:stCondLst>
+                                    <p:cond delay="0"/>
+                                  </p:stCondLst>
+                                  <p:childTnLst>
+                                    <p:set>
+                                      <p:cBhvr>
+                                        <p:cTn id="6" dur="1" fill="hold">
+                                          <p:stCondLst>
+                                            <p:cond delay="0"/>
+                                          </p:stCondLst>
+                                        </p:cTn>
+                                        <p:tgtEl>
+                                          <p:spTgt spid="2"/>
+                                        </p:tgtEl>
+                                        <p:attrNameLst>
+                                          <p:attrName>style.visibility</p:attrName>
+                                        </p:attrNameLst>
+                                      </p:cBhvr>
+                                      <p:to>
+                                        <p:strVal val="visible"/>
+                                      </p:to>
+                                    </p:set>
+                                    <p:animEffect transition="in" filter="fade">
+                                      <p:cBhvr>
+                                        <p:cTn id="7" dur="1000"/>
+                                        <p:tgtEl>
+                                          <p:spTgt spid="2"/>
+                                        </p:tgtEl>
+                                      </p:cBhvr>
+                                    </p:animEffect>
+                                    <p:anim calcmode="lin" valueType="num">
+                                      <p:cBhvr>
+                                        <p:cTn id="8" dur="1000" fill="hold"/>
+                                        <p:tgtEl>
+                                          <p:spTgt spid="2"/>
+                                        </p:tgtEl>
+                                        <p:attrNameLst>
+                                          <p:attrName>ppt_x</p:attrName>
+                                        </p:attrNameLst>
+                                      </p:cBhvr>
+                                      <p:tavLst>
+                                        <p:tav tm="0">
+                                          <p:val>
+                                            <p:strVal val="#ppt_x"/>
+                                          </p:val>
+                                        </p:tav>
+                                        <p:tav tm="100000">
+                                          <p:val>
+                                            <p:strVal val="#ppt_x"/>
+                                          </p:val>
+                                        </p:tav>
+                                      </p:tavLst>
+                                    </p:anim>
+                                    <p:anim calcmode="lin" valueType="num">
+                                      <p:cBhvr>
+                                        <p:cTn id="9" dur="1000" fill="hold"/>
+                                        <p:tgtEl>
+                                          <p:spTgt spid="2"/>
+                                        </p:tgtEl>
+                                        <p:attrNameLst>
+                                          <p:attrName>ppt_y</p:attrName>
+                                        </p:attrNameLst>
+                                      </p:cBhvr>
+                                      <p:tavLst>
+                                        <p:tav tm="0">
+                                          <p:val>
+                                            <p:strVal val="#ppt_y+.1"/>
+                                          </p:val>
+                                        </p:tav>
+                                        <p:tav tm="100000">
+                                          <p:val>
+                                            <p:strVal val="#ppt_y"/>
+                                          </p:val>
+                                        </p:tav>
+                                      </p:tavLst>
+                                    </p:anim>
+                                  </p:childTnLst>
+                                </p:cTn>
+                              </p:par>
+                            </p:childTnLst>
+                          </p:cTn>
+                        </p:par>
+                      </p:childTnLst>
+                    </p:cTn>
+                  </p:par>
+                  <p:par>
+                    <p:cTn id="10" fill="hold">
+                      <p:stCondLst>
+                        <p:cond delay="indefinite"/>
+                      </p:stCondLst>
+                      <p:childTnLst>
+                        <p:par>
+                          <p:cTn id="11" fill="hold">
+                            <p:stCondLst>
+                              <p:cond delay="0"/>
+                            </p:stCondLst>
+                            <p:childTnLst>
+                              <p:par>
+                                <p:cTn id="12" presetID="22" presetClass="entr" presetSubtype="4" fill="hold" grpId="0" nodeType="clickEffect">
+                                  <p:stCondLst>
+                                    <p:cond delay="0"/>
+                                  </p:stCondLst>
+                                  <p:childTnLst>
+                                    <p:set>
+                                      <p:cBhvr>
+                                        <p:cTn id="13" dur="1" fill="hold">
+                                          <p:stCondLst>
+                                            <p:cond delay="0"/>
+                                          </p:stCondLst>
+                                        </p:cTn>
+                                        <p:tgtEl>
+                                          <p:spTgt spid="3">
+                                            <p:txEl>
+                                              <p:pRg st="0" end="0"/>
+                                            </p:txEl>
+                                          </p:spTgt>
+                                        </p:tgtEl>
+                                        <p:attrNameLst>
+                                          <p:attrName>style.visibility</p:attrName>
+                                        </p:attrNameLst>
+                                      </p:cBhvr>
+                                      <p:to>
+                                        <p:strVal val="visible"/>
+                                      </p:to>
+                                    </p:set>
+                                    <p:animEffect transition="in" filter="wipe(down)">
+                                      <p:cBhvr>
+                                        <p:cTn id="14" dur="500"/>
+                                        <p:tgtEl>
+                                          <p:spTgt spid="3">
+                                            <p:txEl>
+                                              <p:pRg st="0" end="0"/>
+                                            </p:txEl>
+                                          </p:spTgt>
+                                        </p:tgtEl>
+                                      </p:cBhvr>
+                                    </p:animEffect>
+                                  </p:childTnLst>
+                                </p:cTn>
+                              </p:par>
+                            </p:childTnLst>
+                          </p:cTn>
+                        </p:par>
+                      </p:childTnLst>
+                    </p:cTn>
+                  </p:par>
+                  <p:par>
+                    <p:cTn id="15" fill="hold">
+                      <p:stCondLst>
+                        <p:cond delay="indefinite"/>
+                      </p:stCondLst>
+                      <p:childTnLst>
+                        <p:par>
+                          <p:cTn id="16" fill="hold">
+                            <p:stCondLst>
+                              <p:cond delay="0"/>
+                            </p:stCondLst>
+                            <p:childTnLst>
+                              <p:par>
+                                <p:cTn id="17" presetID="22" presetClass="entr" presetSubtype="4" fill="hold" grpId="0" nodeType="clickEffect">
+                                  <p:stCondLst>
+                                    <p:cond delay="0"/>
+                                  </p:stCondLst>
+                                  <p:childTnLst>
+                                    <p:set>
+                                      <p:cBhvr>
+                                        <p:cTn id="18" dur="1" fill="hold">
+                                          <p:stCondLst>
+                                            <p:cond delay="0"/>
+                                          </p:stCondLst>
+                                        </p:cTn>
+                                        <p:tgtEl>
+                                          <p:spTgt spid="3">
+                                            <p:txEl>
+                                              <p:pRg st="1" end="1"/>
+                                            </p:txEl>
+                                          </p:spTgt>
+                                        </p:tgtEl>
+                                        <p:attrNameLst>
+                                          <p:attrName>style.visibility</p:attrName>
+                                        </p:attrNameLst>
+                                      </p:cBhvr>
+                                      <p:to>
+                                        <p:strVal val="visible"/>
+                                      </p:to>
+                                    </p:set>
+                                    <p:animEffect transition="in" filter="wipe(down)">
+                                      <p:cBhvr>
+                                        <p:cTn id="19" dur="500"/>
+                                        <p:tgtEl>
+                                          <p:spTgt spid="3">
+                                            <p:txEl>
+                                              <p:pRg st="1" end="1"/>
+                                            </p:txEl>
+                                          </p:spTgt>
+                                        </p:tgtEl>
+                                      </p:cBhvr>
+                                    </p:animEffect>
+                                  </p:childTnLst>
+                                </p:cTn>
+                              </p:par>
+                            </p:childTnLst>
+                          </p:cTn>
+                        </p:par>
+                      </p:childTnLst>
+                    </p:cTn>
+                  </p:par>
+                  <p:par>
+                    <p:cTn id="20" fill="hold">
+                      <p:stCondLst>
+                        <p:cond delay="indefinite"/>
+                      </p:stCondLst>
+                      <p:childTnLst>
+                        <p:par>
+                          <p:cTn id="21" fill="hold">
+                            <p:stCondLst>
+                              <p:cond delay="0"/>
+                            </p:stCondLst>
+                            <p:childTnLst>
+                              <p:par>
+                                <p:cTn id="22" presetID="22" presetClass="entr" presetSubtype="4" fill="hold" grpId="0" nodeType="clickEffect">
+                                  <p:stCondLst>
+                                    <p:cond delay="0"/>
+                                  </p:stCondLst>
+                                  <p:childTnLst>
+                                    <p:set>
+                                      <p:cBhvr>
+                                        <p:cTn id="23" dur="1" fill="hold">
+                                          <p:stCondLst>
+                                            <p:cond delay="0"/>
+                                          </p:stCondLst>
+                                        </p:cTn>
+                                        <p:tgtEl>
+                                          <p:spTgt spid="3">
+                                            <p:txEl>
+                                              <p:pRg st="2" end="2"/>
+                                            </p:txEl>
+                                          </p:spTgt>
+                                        </p:tgtEl>
+                                        <p:attrNameLst>
+                                          <p:attrName>style.visibility</p:attrName>
+                                        </p:attrNameLst>
+                                      </p:cBhvr>
+                                      <p:to>
+                                        <p:strVal val="visible"/>
+                                      </p:to>
+                                    </p:set>
+                                    <p:animEffect transition="in" filter="wipe(down)">
+                                      <p:cBhvr>
+                                        <p:cTn id="24" dur="500"/>
+                                        <p:tgtEl>
+                                          <p:spTgt spid="3">
+                                            <p:txEl>
+                                              <p:pRg st="2" end="2"/>
+                                            </p:txEl>
+                                          </p:spTgt>
+                                        </p:tgtEl>
+                                      </p:cBhvr>
+                                    </p:animEffect>
+                                  </p:childTnLst>
+                                </p:cTn>
+                              </p:par>
+                            </p:childTnLst>
+                          </p:cTn>
+                        </p:par>
+                      </p:childTnLst>
+                    </p:cTn>
+                  </p:par>
+                  <p:par>
+                    <p:cTn id="25" fill="hold">
+                      <p:stCondLst>
+                        <p:cond delay="indefinite"/>
+                      </p:stCondLst>
+                      <p:childTnLst>
+                        <p:par>
+                          <p:cTn id="26" fill="hold">
+                            <p:stCondLst>
+                              <p:cond delay="0"/>
+                            </p:stCondLst>
+                            <p:childTnLst>
+                              <p:par>
+                                <p:cTn id="27" presetID="22" presetClass="entr" presetSubtype="4" fill="hold" grpId="0" nodeType="clickEffect">
+                                  <p:stCondLst>
+                                    <p:cond delay="0"/>
+                                  </p:stCondLst>
+                                  <p:childTnLst>
+                                    <p:set>
+                                      <p:cBhvr>
+                                        <p:cTn id="28" dur="1" fill="hold">
+                                          <p:stCondLst>
+                                            <p:cond delay="0"/>
+                                          </p:stCondLst>
+                                        </p:cTn>
+                                        <p:tgtEl>
+                                          <p:spTgt spid="3">
+                                            <p:txEl>
+                                              <p:pRg st="3" end="3"/>
+                                            </p:txEl>
+                                          </p:spTgt>
+                                        </p:tgtEl>
+                                        <p:attrNameLst>
+                                          <p:attrName>style.visibility</p:attrName>
+                                        </p:attrNameLst>
+                                      </p:cBhvr>
+                                      <p:to>
+                                        <p:strVal val="visible"/>
+                                      </p:to>
+                                    </p:set>
+                                    <p:animEffect transition="in" filter="wipe(down)">
+                                      <p:cBhvr>
+                                        <p:cTn id="29" dur="500"/>
+                                        <p:tgtEl>
+                                          <p:spTgt spid="3">
+                                            <p:txEl>
+                                              <p:pRg st="3" end="3"/>
+                                            </p:txEl>
+                                          </p:spTgt>
+                                        </p:tgtEl>
+                                      </p:cBhvr>
+                                    </p:animEffect>
+                                  </p:childTnLst>
+                                </p:cTn>
+                              </p:par>
+                            </p:childTnLst>
+                          </p:cTn>
+                        </p:par>
+                      </p:childTnLst>
+                    </p:cTn>
+                  </p:par>
+                </p:childTnLst>
+              </p:cTn>
+              <p:prevCondLst>
+                <p:cond evt="onPrev" delay="0">
+                  <p:tgtEl>
+                    <p:sldTgt/>
+                  </p:tgtEl>
+                </p:cond>
+              </p:prevCondLst>
+              <p:nextCondLst>
+                <p:cond evt="onNext" delay="0">
+                  <p:tgtEl>
+                    <p:sldTgt/>
+                  </p:tgtEl>
+                </p:cond>
+              </p:nextCondLst>
+            </p:seq>
+          </p:childTnLst>
+        </p:cTn>
+      </p:par>
+    </p:tnLst>
+    <p:bldLst>
+      <p:bldP spid="2" grpId="0"/>
+      <p:bldP spid="3" grpId="0" build="p"/>
+    </p:bldLst>
+  </p:timing>
+</p:sld>
+</file>
+
+<file path=ppt/slides/slide11.xml><?xml version="1.0" encoding="utf-8"?>
+<p:sld xmlns:a="http://schemas.openxmlformats.org/drawingml/2006/main" xmlns:r="http://schemas.openxmlformats.org/officeDocument/2006/relationships" xmlns:p="http://schemas.openxmlformats.org/presentationml/2006/main">
+  <p:cSld>
+    <p:bg>
+      <p:bgPr>
+        <a:solidFill>
+          <a:schemeClr val="bg1"/>
+        </a:solidFill>
+        <a:effectLst/>
+      </p:bgPr>
+    </p:bg>
+    <p:spTree>
+      <p:nvGrpSpPr>
+        <p:cNvPr id="1" name=""/>
+        <p:cNvGrpSpPr/>
+        <p:nvPr/>
+      </p:nvGrpSpPr>
+      <p:grpSpPr>
+        <a:xfrm>
+          <a:off x="0" y="0"/>
+          <a:ext cx="0" cy="0"/>
+          <a:chOff x="0" y="0"/>
+          <a:chExt cx="0" cy="0"/>
+        </a:xfrm>
+      </p:grpSpPr>
+      <p:sp>
+        <p:nvSpPr>
           <p:cNvPr id="66" name="Rectangle 65">
             <a:extLst>
               <a:ext uri="{FF2B5EF4-FFF2-40B4-BE49-F238E27FC236}">
@@ -13172,9 +13892,7 @@
                 <a:solidFill>
                   <a:srgbClr val="FFFFFF"/>
                 </a:solidFill>
-                <a:latin typeface="+mj-lt"/>
-                <a:ea typeface="+mj-ea"/>
-                <a:cs typeface="+mj-cs"/>
+                <a:latin typeface="Bembo" panose="02020502050201020203" pitchFamily="18" charset="0"/>
               </a:rPr>
               <a:t>		Screenshots</a:t>
             </a:r>
@@ -13385,13 +14103,13 @@
   <p:clrMapOvr>
     <a:masterClrMapping/>
   </p:clrMapOvr>
-  <mc:AlternateContent xmlns:mc="http://schemas.openxmlformats.org/markup-compatibility/2006">
-    <mc:Choice xmlns:p159="http://schemas.microsoft.com/office/powerpoint/2015/09/main" Requires="p159">
+  <mc:AlternateContent xmlns:mc="http://schemas.openxmlformats.org/markup-compatibility/2006" xmlns:p159="http://schemas.microsoft.com/office/powerpoint/2015/09/main">
+    <mc:Choice Requires="p159">
       <p:transition xmlns:p14="http://schemas.microsoft.com/office/powerpoint/2010/main" spd="slow" p14:dur="2000">
         <p159:morph option="byObject"/>
       </p:transition>
     </mc:Choice>
-    <mc:Fallback>
+    <mc:Fallback xmlns="">
       <p:transition spd="slow">
         <p:fade/>
       </p:transition>
@@ -13400,7 +14118,7 @@
 </p:sld>
 </file>
 
-<file path=ppt/slides/slide11.xml><?xml version="1.0" encoding="utf-8"?>
+<file path=ppt/slides/slide12.xml><?xml version="1.0" encoding="utf-8"?>
 <p:sld xmlns:a="http://schemas.openxmlformats.org/drawingml/2006/main" xmlns:r="http://schemas.openxmlformats.org/officeDocument/2006/relationships" xmlns:p="http://schemas.openxmlformats.org/presentationml/2006/main">
   <p:cSld>
     <p:bg>
@@ -13528,6 +14246,7 @@
                 <a:solidFill>
                   <a:schemeClr val="bg1"/>
                 </a:solidFill>
+                <a:latin typeface="Bembo" panose="02020502050201020203" pitchFamily="18" charset="0"/>
               </a:rPr>
               <a:t>Android Application</a:t>
             </a:r>
@@ -13671,6 +14390,7 @@
                 <a:solidFill>
                   <a:schemeClr val="bg1"/>
                 </a:solidFill>
+                <a:latin typeface="Bembo" panose="02020502050201020203" pitchFamily="18" charset="0"/>
               </a:rPr>
               <a:t>This aspect of the project is developed using Android Studio</a:t>
             </a:r>
@@ -13681,6 +14401,7 @@
                 <a:solidFill>
                   <a:schemeClr val="bg1"/>
                 </a:solidFill>
+                <a:latin typeface="Bembo" panose="02020502050201020203" pitchFamily="18" charset="0"/>
               </a:rPr>
               <a:t>It is written in Java</a:t>
             </a:r>
@@ -13691,6 +14412,7 @@
                 <a:solidFill>
                   <a:schemeClr val="bg1"/>
                 </a:solidFill>
+                <a:latin typeface="Bembo" panose="02020502050201020203" pitchFamily="18" charset="0"/>
               </a:rPr>
               <a:t>The app offers a log in screen for the user</a:t>
             </a:r>
@@ -13701,6 +14423,7 @@
                 <a:solidFill>
                   <a:schemeClr val="bg1"/>
                 </a:solidFill>
+                <a:latin typeface="Bembo" panose="02020502050201020203" pitchFamily="18" charset="0"/>
               </a:rPr>
               <a:t>It sends to the Java server the information needed to connect to the user’s wallet  </a:t>
             </a:r>
@@ -13710,6 +14433,7 @@
               <a:solidFill>
                 <a:schemeClr val="bg1"/>
               </a:solidFill>
+              <a:latin typeface="Bembo" panose="02020502050201020203" pitchFamily="18" charset="0"/>
             </a:endParaRPr>
           </a:p>
         </p:txBody>
@@ -13724,13 +14448,13 @@
   <p:clrMapOvr>
     <a:masterClrMapping/>
   </p:clrMapOvr>
-  <mc:AlternateContent xmlns:mc="http://schemas.openxmlformats.org/markup-compatibility/2006">
-    <mc:Choice xmlns:p159="http://schemas.microsoft.com/office/powerpoint/2015/09/main" Requires="p159">
+  <mc:AlternateContent xmlns:mc="http://schemas.openxmlformats.org/markup-compatibility/2006" xmlns:p159="http://schemas.microsoft.com/office/powerpoint/2015/09/main">
+    <mc:Choice Requires="p159">
       <p:transition xmlns:p14="http://schemas.microsoft.com/office/powerpoint/2010/main" spd="slow" p14:dur="2000">
         <p159:morph option="byObject"/>
       </p:transition>
     </mc:Choice>
-    <mc:Fallback>
+    <mc:Fallback xmlns="">
       <p:transition spd="slow">
         <p:fade/>
       </p:transition>
@@ -13856,7 +14580,7 @@
                             </p:stCondLst>
                             <p:childTnLst>
                               <p:par>
-                                <p:cTn id="12" presetID="42" presetClass="entr" presetSubtype="0" fill="hold" grpId="0" nodeType="clickEffect">
+                                <p:cTn id="12" presetID="22" presetClass="entr" presetSubtype="4" fill="hold" grpId="0" nodeType="clickEffect">
                                   <p:stCondLst>
                                     <p:cond delay="0"/>
                                   </p:stCondLst>
@@ -13883,9 +14607,9 @@
                                         <p:strVal val="visible"/>
                                       </p:to>
                                     </p:set>
-                                    <p:animEffect transition="in" filter="fade">
+                                    <p:animEffect transition="in" filter="wipe(down)">
                                       <p:cBhvr>
-                                        <p:cTn id="14" dur="1000"/>
+                                        <p:cTn id="14" dur="500"/>
                                         <p:tgtEl>
                                           <p:spTgt spid="3">
                                             <p:txEl>
@@ -13895,60 +14619,6 @@
                                         </p:tgtEl>
                                       </p:cBhvr>
                                     </p:animEffect>
-                                    <p:anim calcmode="lin" valueType="num">
-                                      <p:cBhvr>
-                                        <p:cTn id="15" dur="1000" fill="hold"/>
-                                        <p:tgtEl>
-                                          <p:spTgt spid="3">
-                                            <p:txEl>
-                                              <p:pRg st="0" end="0"/>
-                                            </p:txEl>
-                                          </p:spTgt>
-                                        </p:tgtEl>
-                                        <p:attrNameLst>
-                                          <p:attrName>ppt_x</p:attrName>
-                                        </p:attrNameLst>
-                                      </p:cBhvr>
-                                      <p:tavLst>
-                                        <p:tav tm="0">
-                                          <p:val>
-                                            <p:strVal val="#ppt_x"/>
-                                          </p:val>
-                                        </p:tav>
-                                        <p:tav tm="100000">
-                                          <p:val>
-                                            <p:strVal val="#ppt_x"/>
-                                          </p:val>
-                                        </p:tav>
-                                      </p:tavLst>
-                                    </p:anim>
-                                    <p:anim calcmode="lin" valueType="num">
-                                      <p:cBhvr>
-                                        <p:cTn id="16" dur="1000" fill="hold"/>
-                                        <p:tgtEl>
-                                          <p:spTgt spid="3">
-                                            <p:txEl>
-                                              <p:pRg st="0" end="0"/>
-                                            </p:txEl>
-                                          </p:spTgt>
-                                        </p:tgtEl>
-                                        <p:attrNameLst>
-                                          <p:attrName>ppt_y</p:attrName>
-                                        </p:attrNameLst>
-                                      </p:cBhvr>
-                                      <p:tavLst>
-                                        <p:tav tm="0">
-                                          <p:val>
-                                            <p:strVal val="#ppt_y+.1"/>
-                                          </p:val>
-                                        </p:tav>
-                                        <p:tav tm="100000">
-                                          <p:val>
-                                            <p:strVal val="#ppt_y"/>
-                                          </p:val>
-                                        </p:tav>
-                                      </p:tavLst>
-                                    </p:anim>
                                   </p:childTnLst>
                                 </p:cTn>
                               </p:par>
@@ -13959,26 +14629,26 @@
                     </p:cTn>
                   </p:par>
                   <p:par>
-                    <p:cTn id="17" fill="hold">
+                    <p:cTn id="15" fill="hold">
                       <p:stCondLst>
                         <p:cond delay="indefinite"/>
                       </p:stCondLst>
                       <p:childTnLst>
                         <p:par>
-                          <p:cTn id="18" fill="hold">
+                          <p:cTn id="16" fill="hold">
                             <p:stCondLst>
                               <p:cond delay="0"/>
                             </p:stCondLst>
                             <p:childTnLst>
                               <p:par>
-                                <p:cTn id="19" presetID="42" presetClass="entr" presetSubtype="0" fill="hold" grpId="0" nodeType="clickEffect">
+                                <p:cTn id="17" presetID="22" presetClass="entr" presetSubtype="4" fill="hold" grpId="0" nodeType="clickEffect">
                                   <p:stCondLst>
                                     <p:cond delay="0"/>
                                   </p:stCondLst>
                                   <p:childTnLst>
                                     <p:set>
                                       <p:cBhvr>
-                                        <p:cTn id="20" dur="1" fill="hold">
+                                        <p:cTn id="18" dur="1" fill="hold">
                                           <p:stCondLst>
                                             <p:cond delay="0"/>
                                           </p:stCondLst>
@@ -13998,9 +14668,9 @@
                                         <p:strVal val="visible"/>
                                       </p:to>
                                     </p:set>
-                                    <p:animEffect transition="in" filter="fade">
+                                    <p:animEffect transition="in" filter="wipe(down)">
                                       <p:cBhvr>
-                                        <p:cTn id="21" dur="1000"/>
+                                        <p:cTn id="19" dur="500"/>
                                         <p:tgtEl>
                                           <p:spTgt spid="3">
                                             <p:txEl>
@@ -14010,60 +14680,6 @@
                                         </p:tgtEl>
                                       </p:cBhvr>
                                     </p:animEffect>
-                                    <p:anim calcmode="lin" valueType="num">
-                                      <p:cBhvr>
-                                        <p:cTn id="22" dur="1000" fill="hold"/>
-                                        <p:tgtEl>
-                                          <p:spTgt spid="3">
-                                            <p:txEl>
-                                              <p:pRg st="1" end="1"/>
-                                            </p:txEl>
-                                          </p:spTgt>
-                                        </p:tgtEl>
-                                        <p:attrNameLst>
-                                          <p:attrName>ppt_x</p:attrName>
-                                        </p:attrNameLst>
-                                      </p:cBhvr>
-                                      <p:tavLst>
-                                        <p:tav tm="0">
-                                          <p:val>
-                                            <p:strVal val="#ppt_x"/>
-                                          </p:val>
-                                        </p:tav>
-                                        <p:tav tm="100000">
-                                          <p:val>
-                                            <p:strVal val="#ppt_x"/>
-                                          </p:val>
-                                        </p:tav>
-                                      </p:tavLst>
-                                    </p:anim>
-                                    <p:anim calcmode="lin" valueType="num">
-                                      <p:cBhvr>
-                                        <p:cTn id="23" dur="1000" fill="hold"/>
-                                        <p:tgtEl>
-                                          <p:spTgt spid="3">
-                                            <p:txEl>
-                                              <p:pRg st="1" end="1"/>
-                                            </p:txEl>
-                                          </p:spTgt>
-                                        </p:tgtEl>
-                                        <p:attrNameLst>
-                                          <p:attrName>ppt_y</p:attrName>
-                                        </p:attrNameLst>
-                                      </p:cBhvr>
-                                      <p:tavLst>
-                                        <p:tav tm="0">
-                                          <p:val>
-                                            <p:strVal val="#ppt_y+.1"/>
-                                          </p:val>
-                                        </p:tav>
-                                        <p:tav tm="100000">
-                                          <p:val>
-                                            <p:strVal val="#ppt_y"/>
-                                          </p:val>
-                                        </p:tav>
-                                      </p:tavLst>
-                                    </p:anim>
                                   </p:childTnLst>
                                 </p:cTn>
                               </p:par>
@@ -14074,26 +14690,26 @@
                     </p:cTn>
                   </p:par>
                   <p:par>
-                    <p:cTn id="24" fill="hold">
+                    <p:cTn id="20" fill="hold">
                       <p:stCondLst>
                         <p:cond delay="indefinite"/>
                       </p:stCondLst>
                       <p:childTnLst>
                         <p:par>
-                          <p:cTn id="25" fill="hold">
+                          <p:cTn id="21" fill="hold">
                             <p:stCondLst>
                               <p:cond delay="0"/>
                             </p:stCondLst>
                             <p:childTnLst>
                               <p:par>
-                                <p:cTn id="26" presetID="42" presetClass="entr" presetSubtype="0" fill="hold" grpId="0" nodeType="clickEffect">
+                                <p:cTn id="22" presetID="22" presetClass="entr" presetSubtype="4" fill="hold" grpId="0" nodeType="clickEffect">
                                   <p:stCondLst>
                                     <p:cond delay="0"/>
                                   </p:stCondLst>
                                   <p:childTnLst>
                                     <p:set>
                                       <p:cBhvr>
-                                        <p:cTn id="27" dur="1" fill="hold">
+                                        <p:cTn id="23" dur="1" fill="hold">
                                           <p:stCondLst>
                                             <p:cond delay="0"/>
                                           </p:stCondLst>
@@ -14113,9 +14729,9 @@
                                         <p:strVal val="visible"/>
                                       </p:to>
                                     </p:set>
-                                    <p:animEffect transition="in" filter="fade">
+                                    <p:animEffect transition="in" filter="wipe(down)">
                                       <p:cBhvr>
-                                        <p:cTn id="28" dur="1000"/>
+                                        <p:cTn id="24" dur="500"/>
                                         <p:tgtEl>
                                           <p:spTgt spid="3">
                                             <p:txEl>
@@ -14125,60 +14741,6 @@
                                         </p:tgtEl>
                                       </p:cBhvr>
                                     </p:animEffect>
-                                    <p:anim calcmode="lin" valueType="num">
-                                      <p:cBhvr>
-                                        <p:cTn id="29" dur="1000" fill="hold"/>
-                                        <p:tgtEl>
-                                          <p:spTgt spid="3">
-                                            <p:txEl>
-                                              <p:pRg st="2" end="2"/>
-                                            </p:txEl>
-                                          </p:spTgt>
-                                        </p:tgtEl>
-                                        <p:attrNameLst>
-                                          <p:attrName>ppt_x</p:attrName>
-                                        </p:attrNameLst>
-                                      </p:cBhvr>
-                                      <p:tavLst>
-                                        <p:tav tm="0">
-                                          <p:val>
-                                            <p:strVal val="#ppt_x"/>
-                                          </p:val>
-                                        </p:tav>
-                                        <p:tav tm="100000">
-                                          <p:val>
-                                            <p:strVal val="#ppt_x"/>
-                                          </p:val>
-                                        </p:tav>
-                                      </p:tavLst>
-                                    </p:anim>
-                                    <p:anim calcmode="lin" valueType="num">
-                                      <p:cBhvr>
-                                        <p:cTn id="30" dur="1000" fill="hold"/>
-                                        <p:tgtEl>
-                                          <p:spTgt spid="3">
-                                            <p:txEl>
-                                              <p:pRg st="2" end="2"/>
-                                            </p:txEl>
-                                          </p:spTgt>
-                                        </p:tgtEl>
-                                        <p:attrNameLst>
-                                          <p:attrName>ppt_y</p:attrName>
-                                        </p:attrNameLst>
-                                      </p:cBhvr>
-                                      <p:tavLst>
-                                        <p:tav tm="0">
-                                          <p:val>
-                                            <p:strVal val="#ppt_y+.1"/>
-                                          </p:val>
-                                        </p:tav>
-                                        <p:tav tm="100000">
-                                          <p:val>
-                                            <p:strVal val="#ppt_y"/>
-                                          </p:val>
-                                        </p:tav>
-                                      </p:tavLst>
-                                    </p:anim>
                                   </p:childTnLst>
                                 </p:cTn>
                               </p:par>
@@ -14189,26 +14751,26 @@
                     </p:cTn>
                   </p:par>
                   <p:par>
-                    <p:cTn id="31" fill="hold">
+                    <p:cTn id="25" fill="hold">
                       <p:stCondLst>
                         <p:cond delay="indefinite"/>
                       </p:stCondLst>
                       <p:childTnLst>
                         <p:par>
-                          <p:cTn id="32" fill="hold">
+                          <p:cTn id="26" fill="hold">
                             <p:stCondLst>
                               <p:cond delay="0"/>
                             </p:stCondLst>
                             <p:childTnLst>
                               <p:par>
-                                <p:cTn id="33" presetID="42" presetClass="entr" presetSubtype="0" fill="hold" grpId="0" nodeType="clickEffect">
+                                <p:cTn id="27" presetID="22" presetClass="entr" presetSubtype="4" fill="hold" grpId="0" nodeType="clickEffect">
                                   <p:stCondLst>
                                     <p:cond delay="0"/>
                                   </p:stCondLst>
                                   <p:childTnLst>
                                     <p:set>
                                       <p:cBhvr>
-                                        <p:cTn id="34" dur="1" fill="hold">
+                                        <p:cTn id="28" dur="1" fill="hold">
                                           <p:stCondLst>
                                             <p:cond delay="0"/>
                                           </p:stCondLst>
@@ -14228,9 +14790,9 @@
                                         <p:strVal val="visible"/>
                                       </p:to>
                                     </p:set>
-                                    <p:animEffect transition="in" filter="fade">
+                                    <p:animEffect transition="in" filter="wipe(down)">
                                       <p:cBhvr>
-                                        <p:cTn id="35" dur="1000"/>
+                                        <p:cTn id="29" dur="500"/>
                                         <p:tgtEl>
                                           <p:spTgt spid="3">
                                             <p:txEl>
@@ -14240,60 +14802,6 @@
                                         </p:tgtEl>
                                       </p:cBhvr>
                                     </p:animEffect>
-                                    <p:anim calcmode="lin" valueType="num">
-                                      <p:cBhvr>
-                                        <p:cTn id="36" dur="1000" fill="hold"/>
-                                        <p:tgtEl>
-                                          <p:spTgt spid="3">
-                                            <p:txEl>
-                                              <p:pRg st="3" end="3"/>
-                                            </p:txEl>
-                                          </p:spTgt>
-                                        </p:tgtEl>
-                                        <p:attrNameLst>
-                                          <p:attrName>ppt_x</p:attrName>
-                                        </p:attrNameLst>
-                                      </p:cBhvr>
-                                      <p:tavLst>
-                                        <p:tav tm="0">
-                                          <p:val>
-                                            <p:strVal val="#ppt_x"/>
-                                          </p:val>
-                                        </p:tav>
-                                        <p:tav tm="100000">
-                                          <p:val>
-                                            <p:strVal val="#ppt_x"/>
-                                          </p:val>
-                                        </p:tav>
-                                      </p:tavLst>
-                                    </p:anim>
-                                    <p:anim calcmode="lin" valueType="num">
-                                      <p:cBhvr>
-                                        <p:cTn id="37" dur="1000" fill="hold"/>
-                                        <p:tgtEl>
-                                          <p:spTgt spid="3">
-                                            <p:txEl>
-                                              <p:pRg st="3" end="3"/>
-                                            </p:txEl>
-                                          </p:spTgt>
-                                        </p:tgtEl>
-                                        <p:attrNameLst>
-                                          <p:attrName>ppt_y</p:attrName>
-                                        </p:attrNameLst>
-                                      </p:cBhvr>
-                                      <p:tavLst>
-                                        <p:tav tm="0">
-                                          <p:val>
-                                            <p:strVal val="#ppt_y+.1"/>
-                                          </p:val>
-                                        </p:tav>
-                                        <p:tav tm="100000">
-                                          <p:val>
-                                            <p:strVal val="#ppt_y"/>
-                                          </p:val>
-                                        </p:tav>
-                                      </p:tavLst>
-                                    </p:anim>
                                   </p:childTnLst>
                                 </p:cTn>
                               </p:par>
@@ -14332,7 +14840,7 @@
 </p:sld>
 </file>
 
-<file path=ppt/slides/slide12.xml><?xml version="1.0" encoding="utf-8"?>
+<file path=ppt/slides/slide13.xml><?xml version="1.0" encoding="utf-8"?>
 <p:sld xmlns:a="http://schemas.openxmlformats.org/drawingml/2006/main" xmlns:r="http://schemas.openxmlformats.org/officeDocument/2006/relationships" xmlns:p="http://schemas.openxmlformats.org/presentationml/2006/main">
   <p:cSld>
     <p:bg>
@@ -14456,6 +14964,7 @@
                 <a:solidFill>
                   <a:srgbClr val="FFFFFF"/>
                 </a:solidFill>
+                <a:latin typeface="Bembo" panose="02020502050201020203" pitchFamily="18" charset="0"/>
               </a:rPr>
               <a:t>Screenshots</a:t>
             </a:r>
@@ -14638,13 +15147,13 @@
   <p:clrMapOvr>
     <a:masterClrMapping/>
   </p:clrMapOvr>
-  <mc:AlternateContent xmlns:mc="http://schemas.openxmlformats.org/markup-compatibility/2006">
-    <mc:Choice xmlns:p159="http://schemas.microsoft.com/office/powerpoint/2015/09/main" Requires="p159">
+  <mc:AlternateContent xmlns:mc="http://schemas.openxmlformats.org/markup-compatibility/2006" xmlns:p159="http://schemas.microsoft.com/office/powerpoint/2015/09/main">
+    <mc:Choice Requires="p159">
       <p:transition xmlns:p14="http://schemas.microsoft.com/office/powerpoint/2010/main" spd="slow" p14:dur="2000">
         <p159:morph option="byObject"/>
       </p:transition>
     </mc:Choice>
-    <mc:Fallback>
+    <mc:Fallback xmlns="">
       <p:transition spd="slow">
         <p:fade/>
       </p:transition>
@@ -14785,7 +15294,7 @@
 </p:sld>
 </file>
 
-<file path=ppt/slides/slide13.xml><?xml version="1.0" encoding="utf-8"?>
+<file path=ppt/slides/slide14.xml><?xml version="1.0" encoding="utf-8"?>
 <p:sld xmlns:a="http://schemas.openxmlformats.org/drawingml/2006/main" xmlns:r="http://schemas.openxmlformats.org/officeDocument/2006/relationships" xmlns:p="http://schemas.openxmlformats.org/presentationml/2006/main">
   <p:cSld>
     <p:bg>
@@ -14913,6 +15422,7 @@
                 <a:solidFill>
                   <a:schemeClr val="bg1"/>
                 </a:solidFill>
+                <a:latin typeface="Bembo" panose="02020502050201020203" pitchFamily="18" charset="0"/>
               </a:rPr>
               <a:t>Servers</a:t>
             </a:r>
@@ -15056,6 +15566,7 @@
                 <a:solidFill>
                   <a:schemeClr val="bg1"/>
                 </a:solidFill>
+                <a:latin typeface="Bembo" panose="02020502050201020203" pitchFamily="18" charset="0"/>
               </a:rPr>
               <a:t>The Java server forwards the user information to the JS server</a:t>
             </a:r>
@@ -15066,6 +15577,7 @@
                 <a:solidFill>
                   <a:schemeClr val="bg1"/>
                 </a:solidFill>
+                <a:latin typeface="Bembo" panose="02020502050201020203" pitchFamily="18" charset="0"/>
               </a:rPr>
               <a:t>The JS server has two functions:  </a:t>
             </a:r>
@@ -15080,6 +15592,7 @@
                 <a:solidFill>
                   <a:schemeClr val="bg1"/>
                 </a:solidFill>
+                <a:latin typeface="Bembo" panose="02020502050201020203" pitchFamily="18" charset="0"/>
               </a:rPr>
               <a:t>To establish a connection with the Ethereum Blockchain and retrieve information from it</a:t>
             </a:r>
@@ -15094,6 +15607,7 @@
                 <a:solidFill>
                   <a:schemeClr val="bg1"/>
                 </a:solidFill>
+                <a:latin typeface="Bembo" panose="02020502050201020203" pitchFamily="18" charset="0"/>
               </a:rPr>
               <a:t>To send the information retrieved to the game </a:t>
             </a:r>
@@ -15107,6 +15621,7 @@
               <a:solidFill>
                 <a:schemeClr val="bg1"/>
               </a:solidFill>
+              <a:latin typeface="Bembo" panose="02020502050201020203" pitchFamily="18" charset="0"/>
             </a:endParaRPr>
           </a:p>
         </p:txBody>
@@ -15121,13 +15636,13 @@
   <p:clrMapOvr>
     <a:masterClrMapping/>
   </p:clrMapOvr>
-  <mc:AlternateContent xmlns:mc="http://schemas.openxmlformats.org/markup-compatibility/2006">
-    <mc:Choice xmlns:p159="http://schemas.microsoft.com/office/powerpoint/2015/09/main" Requires="p159">
+  <mc:AlternateContent xmlns:mc="http://schemas.openxmlformats.org/markup-compatibility/2006" xmlns:p159="http://schemas.microsoft.com/office/powerpoint/2015/09/main">
+    <mc:Choice Requires="p159">
       <p:transition xmlns:p14="http://schemas.microsoft.com/office/powerpoint/2010/main" spd="slow" p14:dur="2000">
         <p159:morph option="byObject"/>
       </p:transition>
     </mc:Choice>
-    <mc:Fallback>
+    <mc:Fallback xmlns="">
       <p:transition spd="slow">
         <p:fade/>
       </p:transition>
@@ -15253,7 +15768,7 @@
                             </p:stCondLst>
                             <p:childTnLst>
                               <p:par>
-                                <p:cTn id="12" presetID="42" presetClass="entr" presetSubtype="0" fill="hold" grpId="0" nodeType="clickEffect">
+                                <p:cTn id="12" presetID="22" presetClass="entr" presetSubtype="4" fill="hold" grpId="0" nodeType="clickEffect">
                                   <p:stCondLst>
                                     <p:cond delay="0"/>
                                   </p:stCondLst>
@@ -15280,9 +15795,9 @@
                                         <p:strVal val="visible"/>
                                       </p:to>
                                     </p:set>
-                                    <p:animEffect transition="in" filter="fade">
+                                    <p:animEffect transition="in" filter="wipe(down)">
                                       <p:cBhvr>
-                                        <p:cTn id="14" dur="1000"/>
+                                        <p:cTn id="14" dur="500"/>
                                         <p:tgtEl>
                                           <p:spTgt spid="3">
                                             <p:txEl>
@@ -15292,60 +15807,6 @@
                                         </p:tgtEl>
                                       </p:cBhvr>
                                     </p:animEffect>
-                                    <p:anim calcmode="lin" valueType="num">
-                                      <p:cBhvr>
-                                        <p:cTn id="15" dur="1000" fill="hold"/>
-                                        <p:tgtEl>
-                                          <p:spTgt spid="3">
-                                            <p:txEl>
-                                              <p:pRg st="0" end="0"/>
-                                            </p:txEl>
-                                          </p:spTgt>
-                                        </p:tgtEl>
-                                        <p:attrNameLst>
-                                          <p:attrName>ppt_x</p:attrName>
-                                        </p:attrNameLst>
-                                      </p:cBhvr>
-                                      <p:tavLst>
-                                        <p:tav tm="0">
-                                          <p:val>
-                                            <p:strVal val="#ppt_x"/>
-                                          </p:val>
-                                        </p:tav>
-                                        <p:tav tm="100000">
-                                          <p:val>
-                                            <p:strVal val="#ppt_x"/>
-                                          </p:val>
-                                        </p:tav>
-                                      </p:tavLst>
-                                    </p:anim>
-                                    <p:anim calcmode="lin" valueType="num">
-                                      <p:cBhvr>
-                                        <p:cTn id="16" dur="1000" fill="hold"/>
-                                        <p:tgtEl>
-                                          <p:spTgt spid="3">
-                                            <p:txEl>
-                                              <p:pRg st="0" end="0"/>
-                                            </p:txEl>
-                                          </p:spTgt>
-                                        </p:tgtEl>
-                                        <p:attrNameLst>
-                                          <p:attrName>ppt_y</p:attrName>
-                                        </p:attrNameLst>
-                                      </p:cBhvr>
-                                      <p:tavLst>
-                                        <p:tav tm="0">
-                                          <p:val>
-                                            <p:strVal val="#ppt_y+.1"/>
-                                          </p:val>
-                                        </p:tav>
-                                        <p:tav tm="100000">
-                                          <p:val>
-                                            <p:strVal val="#ppt_y"/>
-                                          </p:val>
-                                        </p:tav>
-                                      </p:tavLst>
-                                    </p:anim>
                                   </p:childTnLst>
                                 </p:cTn>
                               </p:par>
@@ -15356,26 +15817,26 @@
                     </p:cTn>
                   </p:par>
                   <p:par>
-                    <p:cTn id="17" fill="hold">
+                    <p:cTn id="15" fill="hold">
                       <p:stCondLst>
                         <p:cond delay="indefinite"/>
                       </p:stCondLst>
                       <p:childTnLst>
                         <p:par>
-                          <p:cTn id="18" fill="hold">
+                          <p:cTn id="16" fill="hold">
                             <p:stCondLst>
                               <p:cond delay="0"/>
                             </p:stCondLst>
                             <p:childTnLst>
                               <p:par>
-                                <p:cTn id="19" presetID="42" presetClass="entr" presetSubtype="0" fill="hold" grpId="0" nodeType="clickEffect">
+                                <p:cTn id="17" presetID="22" presetClass="entr" presetSubtype="4" fill="hold" grpId="0" nodeType="clickEffect">
                                   <p:stCondLst>
                                     <p:cond delay="0"/>
                                   </p:stCondLst>
                                   <p:childTnLst>
                                     <p:set>
                                       <p:cBhvr>
-                                        <p:cTn id="20" dur="1" fill="hold">
+                                        <p:cTn id="18" dur="1" fill="hold">
                                           <p:stCondLst>
                                             <p:cond delay="0"/>
                                           </p:stCondLst>
@@ -15395,9 +15856,9 @@
                                         <p:strVal val="visible"/>
                                       </p:to>
                                     </p:set>
-                                    <p:animEffect transition="in" filter="fade">
+                                    <p:animEffect transition="in" filter="wipe(down)">
                                       <p:cBhvr>
-                                        <p:cTn id="21" dur="1000"/>
+                                        <p:cTn id="19" dur="500"/>
                                         <p:tgtEl>
                                           <p:spTgt spid="3">
                                             <p:txEl>
@@ -15407,72 +15868,18 @@
                                         </p:tgtEl>
                                       </p:cBhvr>
                                     </p:animEffect>
-                                    <p:anim calcmode="lin" valueType="num">
-                                      <p:cBhvr>
-                                        <p:cTn id="22" dur="1000" fill="hold"/>
-                                        <p:tgtEl>
-                                          <p:spTgt spid="3">
-                                            <p:txEl>
-                                              <p:pRg st="1" end="1"/>
-                                            </p:txEl>
-                                          </p:spTgt>
-                                        </p:tgtEl>
-                                        <p:attrNameLst>
-                                          <p:attrName>ppt_x</p:attrName>
-                                        </p:attrNameLst>
-                                      </p:cBhvr>
-                                      <p:tavLst>
-                                        <p:tav tm="0">
-                                          <p:val>
-                                            <p:strVal val="#ppt_x"/>
-                                          </p:val>
-                                        </p:tav>
-                                        <p:tav tm="100000">
-                                          <p:val>
-                                            <p:strVal val="#ppt_x"/>
-                                          </p:val>
-                                        </p:tav>
-                                      </p:tavLst>
-                                    </p:anim>
-                                    <p:anim calcmode="lin" valueType="num">
-                                      <p:cBhvr>
-                                        <p:cTn id="23" dur="1000" fill="hold"/>
-                                        <p:tgtEl>
-                                          <p:spTgt spid="3">
-                                            <p:txEl>
-                                              <p:pRg st="1" end="1"/>
-                                            </p:txEl>
-                                          </p:spTgt>
-                                        </p:tgtEl>
-                                        <p:attrNameLst>
-                                          <p:attrName>ppt_y</p:attrName>
-                                        </p:attrNameLst>
-                                      </p:cBhvr>
-                                      <p:tavLst>
-                                        <p:tav tm="0">
-                                          <p:val>
-                                            <p:strVal val="#ppt_y+.1"/>
-                                          </p:val>
-                                        </p:tav>
-                                        <p:tav tm="100000">
-                                          <p:val>
-                                            <p:strVal val="#ppt_y"/>
-                                          </p:val>
-                                        </p:tav>
-                                      </p:tavLst>
-                                    </p:anim>
                                   </p:childTnLst>
                                 </p:cTn>
                               </p:par>
                               <p:par>
-                                <p:cTn id="24" presetID="42" presetClass="entr" presetSubtype="0" fill="hold" grpId="0" nodeType="withEffect">
+                                <p:cTn id="20" presetID="22" presetClass="entr" presetSubtype="4" fill="hold" grpId="0" nodeType="withEffect">
                                   <p:stCondLst>
                                     <p:cond delay="0"/>
                                   </p:stCondLst>
                                   <p:childTnLst>
                                     <p:set>
                                       <p:cBhvr>
-                                        <p:cTn id="25" dur="1" fill="hold">
+                                        <p:cTn id="21" dur="1" fill="hold">
                                           <p:stCondLst>
                                             <p:cond delay="0"/>
                                           </p:stCondLst>
@@ -15492,9 +15899,9 @@
                                         <p:strVal val="visible"/>
                                       </p:to>
                                     </p:set>
-                                    <p:animEffect transition="in" filter="fade">
+                                    <p:animEffect transition="in" filter="wipe(down)">
                                       <p:cBhvr>
-                                        <p:cTn id="26" dur="1000"/>
+                                        <p:cTn id="22" dur="500"/>
                                         <p:tgtEl>
                                           <p:spTgt spid="3">
                                             <p:txEl>
@@ -15504,72 +15911,18 @@
                                         </p:tgtEl>
                                       </p:cBhvr>
                                     </p:animEffect>
-                                    <p:anim calcmode="lin" valueType="num">
-                                      <p:cBhvr>
-                                        <p:cTn id="27" dur="1000" fill="hold"/>
-                                        <p:tgtEl>
-                                          <p:spTgt spid="3">
-                                            <p:txEl>
-                                              <p:pRg st="2" end="2"/>
-                                            </p:txEl>
-                                          </p:spTgt>
-                                        </p:tgtEl>
-                                        <p:attrNameLst>
-                                          <p:attrName>ppt_x</p:attrName>
-                                        </p:attrNameLst>
-                                      </p:cBhvr>
-                                      <p:tavLst>
-                                        <p:tav tm="0">
-                                          <p:val>
-                                            <p:strVal val="#ppt_x"/>
-                                          </p:val>
-                                        </p:tav>
-                                        <p:tav tm="100000">
-                                          <p:val>
-                                            <p:strVal val="#ppt_x"/>
-                                          </p:val>
-                                        </p:tav>
-                                      </p:tavLst>
-                                    </p:anim>
-                                    <p:anim calcmode="lin" valueType="num">
-                                      <p:cBhvr>
-                                        <p:cTn id="28" dur="1000" fill="hold"/>
-                                        <p:tgtEl>
-                                          <p:spTgt spid="3">
-                                            <p:txEl>
-                                              <p:pRg st="2" end="2"/>
-                                            </p:txEl>
-                                          </p:spTgt>
-                                        </p:tgtEl>
-                                        <p:attrNameLst>
-                                          <p:attrName>ppt_y</p:attrName>
-                                        </p:attrNameLst>
-                                      </p:cBhvr>
-                                      <p:tavLst>
-                                        <p:tav tm="0">
-                                          <p:val>
-                                            <p:strVal val="#ppt_y+.1"/>
-                                          </p:val>
-                                        </p:tav>
-                                        <p:tav tm="100000">
-                                          <p:val>
-                                            <p:strVal val="#ppt_y"/>
-                                          </p:val>
-                                        </p:tav>
-                                      </p:tavLst>
-                                    </p:anim>
                                   </p:childTnLst>
                                 </p:cTn>
                               </p:par>
                               <p:par>
-                                <p:cTn id="29" presetID="42" presetClass="entr" presetSubtype="0" fill="hold" grpId="0" nodeType="withEffect">
+                                <p:cTn id="23" presetID="22" presetClass="entr" presetSubtype="4" fill="hold" grpId="0" nodeType="withEffect">
                                   <p:stCondLst>
                                     <p:cond delay="0"/>
                                   </p:stCondLst>
                                   <p:childTnLst>
                                     <p:set>
                                       <p:cBhvr>
-                                        <p:cTn id="30" dur="1" fill="hold">
+                                        <p:cTn id="24" dur="1" fill="hold">
                                           <p:stCondLst>
                                             <p:cond delay="0"/>
                                           </p:stCondLst>
@@ -15589,9 +15942,9 @@
                                         <p:strVal val="visible"/>
                                       </p:to>
                                     </p:set>
-                                    <p:animEffect transition="in" filter="fade">
+                                    <p:animEffect transition="in" filter="wipe(down)">
                                       <p:cBhvr>
-                                        <p:cTn id="31" dur="1000"/>
+                                        <p:cTn id="25" dur="500"/>
                                         <p:tgtEl>
                                           <p:spTgt spid="3">
                                             <p:txEl>
@@ -15601,60 +15954,6 @@
                                         </p:tgtEl>
                                       </p:cBhvr>
                                     </p:animEffect>
-                                    <p:anim calcmode="lin" valueType="num">
-                                      <p:cBhvr>
-                                        <p:cTn id="32" dur="1000" fill="hold"/>
-                                        <p:tgtEl>
-                                          <p:spTgt spid="3">
-                                            <p:txEl>
-                                              <p:pRg st="3" end="3"/>
-                                            </p:txEl>
-                                          </p:spTgt>
-                                        </p:tgtEl>
-                                        <p:attrNameLst>
-                                          <p:attrName>ppt_x</p:attrName>
-                                        </p:attrNameLst>
-                                      </p:cBhvr>
-                                      <p:tavLst>
-                                        <p:tav tm="0">
-                                          <p:val>
-                                            <p:strVal val="#ppt_x"/>
-                                          </p:val>
-                                        </p:tav>
-                                        <p:tav tm="100000">
-                                          <p:val>
-                                            <p:strVal val="#ppt_x"/>
-                                          </p:val>
-                                        </p:tav>
-                                      </p:tavLst>
-                                    </p:anim>
-                                    <p:anim calcmode="lin" valueType="num">
-                                      <p:cBhvr>
-                                        <p:cTn id="33" dur="1000" fill="hold"/>
-                                        <p:tgtEl>
-                                          <p:spTgt spid="3">
-                                            <p:txEl>
-                                              <p:pRg st="3" end="3"/>
-                                            </p:txEl>
-                                          </p:spTgt>
-                                        </p:tgtEl>
-                                        <p:attrNameLst>
-                                          <p:attrName>ppt_y</p:attrName>
-                                        </p:attrNameLst>
-                                      </p:cBhvr>
-                                      <p:tavLst>
-                                        <p:tav tm="0">
-                                          <p:val>
-                                            <p:strVal val="#ppt_y+.1"/>
-                                          </p:val>
-                                        </p:tav>
-                                        <p:tav tm="100000">
-                                          <p:val>
-                                            <p:strVal val="#ppt_y"/>
-                                          </p:val>
-                                        </p:tav>
-                                      </p:tavLst>
-                                    </p:anim>
                                   </p:childTnLst>
                                 </p:cTn>
                               </p:par>
@@ -15693,7 +15992,7 @@
 </p:sld>
 </file>
 
-<file path=ppt/slides/slide14.xml><?xml version="1.0" encoding="utf-8"?>
+<file path=ppt/slides/slide15.xml><?xml version="1.0" encoding="utf-8"?>
 <p:sld xmlns:a="http://schemas.openxmlformats.org/drawingml/2006/main" xmlns:r="http://schemas.openxmlformats.org/officeDocument/2006/relationships" xmlns:p="http://schemas.openxmlformats.org/presentationml/2006/main">
   <p:cSld>
     <p:bg>
@@ -15817,10 +16116,11 @@
           <a:lstStyle/>
           <a:p>
             <a:r>
-              <a:rPr lang="en-US" sz="6800" dirty="0">
+              <a:rPr lang="en-US" sz="6600" dirty="0">
                 <a:solidFill>
                   <a:schemeClr val="bg1"/>
                 </a:solidFill>
+                <a:latin typeface="Bembo" panose="02020502050201020203" pitchFamily="18" charset="0"/>
               </a:rPr>
               <a:t>Ethereum Blockchain</a:t>
             </a:r>
@@ -15964,6 +16264,7 @@
                 <a:solidFill>
                   <a:schemeClr val="bg1"/>
                 </a:solidFill>
+                <a:latin typeface="Bembo" panose="02020502050201020203" pitchFamily="18" charset="0"/>
               </a:rPr>
               <a:t>This aspect of the project was developed using solidity and the Remix IDE</a:t>
             </a:r>
@@ -15974,6 +16275,7 @@
                 <a:solidFill>
                   <a:schemeClr val="bg1"/>
                 </a:solidFill>
+                <a:latin typeface="Bembo" panose="02020502050201020203" pitchFamily="18" charset="0"/>
               </a:rPr>
               <a:t>As a wallet provider we use MetaMask</a:t>
             </a:r>
@@ -15984,6 +16286,7 @@
                 <a:solidFill>
                   <a:schemeClr val="bg1"/>
                 </a:solidFill>
+                <a:latin typeface="Bembo" panose="02020502050201020203" pitchFamily="18" charset="0"/>
               </a:rPr>
               <a:t>We use Infura and the Rinkeby network for testing</a:t>
             </a:r>
@@ -15994,6 +16297,7 @@
                 <a:solidFill>
                   <a:schemeClr val="bg1"/>
                 </a:solidFill>
+                <a:latin typeface="Bembo" panose="02020502050201020203" pitchFamily="18" charset="0"/>
               </a:rPr>
               <a:t>Each contract offers an API for the JS server to retrieve any information needed</a:t>
             </a:r>
@@ -16004,6 +16308,7 @@
                 <a:solidFill>
                   <a:schemeClr val="bg1"/>
                 </a:solidFill>
+                <a:latin typeface="Bembo" panose="02020502050201020203" pitchFamily="18" charset="0"/>
               </a:rPr>
               <a:t>There are two types of token standards that were used: ERC-20,    ERC-721</a:t>
             </a:r>
@@ -16020,13 +16325,13 @@
   <p:clrMapOvr>
     <a:masterClrMapping/>
   </p:clrMapOvr>
-  <mc:AlternateContent xmlns:mc="http://schemas.openxmlformats.org/markup-compatibility/2006">
-    <mc:Choice xmlns:p159="http://schemas.microsoft.com/office/powerpoint/2015/09/main" Requires="p159">
+  <mc:AlternateContent xmlns:mc="http://schemas.openxmlformats.org/markup-compatibility/2006" xmlns:p159="http://schemas.microsoft.com/office/powerpoint/2015/09/main">
+    <mc:Choice Requires="p159">
       <p:transition xmlns:p14="http://schemas.microsoft.com/office/powerpoint/2010/main" spd="slow" p14:dur="2000">
         <p159:morph option="byObject"/>
       </p:transition>
     </mc:Choice>
-    <mc:Fallback>
+    <mc:Fallback xmlns="">
       <p:transition spd="slow">
         <p:fade/>
       </p:transition>
@@ -16152,7 +16457,7 @@
                             </p:stCondLst>
                             <p:childTnLst>
                               <p:par>
-                                <p:cTn id="12" presetID="42" presetClass="entr" presetSubtype="0" fill="hold" grpId="0" nodeType="clickEffect">
+                                <p:cTn id="12" presetID="22" presetClass="entr" presetSubtype="4" fill="hold" grpId="0" nodeType="clickEffect">
                                   <p:stCondLst>
                                     <p:cond delay="0"/>
                                   </p:stCondLst>
@@ -16179,9 +16484,9 @@
                                         <p:strVal val="visible"/>
                                       </p:to>
                                     </p:set>
-                                    <p:animEffect transition="in" filter="fade">
+                                    <p:animEffect transition="in" filter="wipe(down)">
                                       <p:cBhvr>
-                                        <p:cTn id="14" dur="1000"/>
+                                        <p:cTn id="14" dur="500"/>
                                         <p:tgtEl>
                                           <p:spTgt spid="3">
                                             <p:txEl>
@@ -16191,60 +16496,6 @@
                                         </p:tgtEl>
                                       </p:cBhvr>
                                     </p:animEffect>
-                                    <p:anim calcmode="lin" valueType="num">
-                                      <p:cBhvr>
-                                        <p:cTn id="15" dur="1000" fill="hold"/>
-                                        <p:tgtEl>
-                                          <p:spTgt spid="3">
-                                            <p:txEl>
-                                              <p:pRg st="0" end="0"/>
-                                            </p:txEl>
-                                          </p:spTgt>
-                                        </p:tgtEl>
-                                        <p:attrNameLst>
-                                          <p:attrName>ppt_x</p:attrName>
-                                        </p:attrNameLst>
-                                      </p:cBhvr>
-                                      <p:tavLst>
-                                        <p:tav tm="0">
-                                          <p:val>
-                                            <p:strVal val="#ppt_x"/>
-                                          </p:val>
-                                        </p:tav>
-                                        <p:tav tm="100000">
-                                          <p:val>
-                                            <p:strVal val="#ppt_x"/>
-                                          </p:val>
-                                        </p:tav>
-                                      </p:tavLst>
-                                    </p:anim>
-                                    <p:anim calcmode="lin" valueType="num">
-                                      <p:cBhvr>
-                                        <p:cTn id="16" dur="1000" fill="hold"/>
-                                        <p:tgtEl>
-                                          <p:spTgt spid="3">
-                                            <p:txEl>
-                                              <p:pRg st="0" end="0"/>
-                                            </p:txEl>
-                                          </p:spTgt>
-                                        </p:tgtEl>
-                                        <p:attrNameLst>
-                                          <p:attrName>ppt_y</p:attrName>
-                                        </p:attrNameLst>
-                                      </p:cBhvr>
-                                      <p:tavLst>
-                                        <p:tav tm="0">
-                                          <p:val>
-                                            <p:strVal val="#ppt_y+.1"/>
-                                          </p:val>
-                                        </p:tav>
-                                        <p:tav tm="100000">
-                                          <p:val>
-                                            <p:strVal val="#ppt_y"/>
-                                          </p:val>
-                                        </p:tav>
-                                      </p:tavLst>
-                                    </p:anim>
                                   </p:childTnLst>
                                 </p:cTn>
                               </p:par>
@@ -16255,26 +16506,26 @@
                     </p:cTn>
                   </p:par>
                   <p:par>
-                    <p:cTn id="17" fill="hold">
+                    <p:cTn id="15" fill="hold">
                       <p:stCondLst>
                         <p:cond delay="indefinite"/>
                       </p:stCondLst>
                       <p:childTnLst>
                         <p:par>
-                          <p:cTn id="18" fill="hold">
+                          <p:cTn id="16" fill="hold">
                             <p:stCondLst>
                               <p:cond delay="0"/>
                             </p:stCondLst>
                             <p:childTnLst>
                               <p:par>
-                                <p:cTn id="19" presetID="42" presetClass="entr" presetSubtype="0" fill="hold" grpId="0" nodeType="clickEffect">
+                                <p:cTn id="17" presetID="22" presetClass="entr" presetSubtype="4" fill="hold" grpId="0" nodeType="clickEffect">
                                   <p:stCondLst>
                                     <p:cond delay="0"/>
                                   </p:stCondLst>
                                   <p:childTnLst>
                                     <p:set>
                                       <p:cBhvr>
-                                        <p:cTn id="20" dur="1" fill="hold">
+                                        <p:cTn id="18" dur="1" fill="hold">
                                           <p:stCondLst>
                                             <p:cond delay="0"/>
                                           </p:stCondLst>
@@ -16294,9 +16545,9 @@
                                         <p:strVal val="visible"/>
                                       </p:to>
                                     </p:set>
-                                    <p:animEffect transition="in" filter="fade">
+                                    <p:animEffect transition="in" filter="wipe(down)">
                                       <p:cBhvr>
-                                        <p:cTn id="21" dur="1000"/>
+                                        <p:cTn id="19" dur="500"/>
                                         <p:tgtEl>
                                           <p:spTgt spid="3">
                                             <p:txEl>
@@ -16306,60 +16557,6 @@
                                         </p:tgtEl>
                                       </p:cBhvr>
                                     </p:animEffect>
-                                    <p:anim calcmode="lin" valueType="num">
-                                      <p:cBhvr>
-                                        <p:cTn id="22" dur="1000" fill="hold"/>
-                                        <p:tgtEl>
-                                          <p:spTgt spid="3">
-                                            <p:txEl>
-                                              <p:pRg st="1" end="1"/>
-                                            </p:txEl>
-                                          </p:spTgt>
-                                        </p:tgtEl>
-                                        <p:attrNameLst>
-                                          <p:attrName>ppt_x</p:attrName>
-                                        </p:attrNameLst>
-                                      </p:cBhvr>
-                                      <p:tavLst>
-                                        <p:tav tm="0">
-                                          <p:val>
-                                            <p:strVal val="#ppt_x"/>
-                                          </p:val>
-                                        </p:tav>
-                                        <p:tav tm="100000">
-                                          <p:val>
-                                            <p:strVal val="#ppt_x"/>
-                                          </p:val>
-                                        </p:tav>
-                                      </p:tavLst>
-                                    </p:anim>
-                                    <p:anim calcmode="lin" valueType="num">
-                                      <p:cBhvr>
-                                        <p:cTn id="23" dur="1000" fill="hold"/>
-                                        <p:tgtEl>
-                                          <p:spTgt spid="3">
-                                            <p:txEl>
-                                              <p:pRg st="1" end="1"/>
-                                            </p:txEl>
-                                          </p:spTgt>
-                                        </p:tgtEl>
-                                        <p:attrNameLst>
-                                          <p:attrName>ppt_y</p:attrName>
-                                        </p:attrNameLst>
-                                      </p:cBhvr>
-                                      <p:tavLst>
-                                        <p:tav tm="0">
-                                          <p:val>
-                                            <p:strVal val="#ppt_y+.1"/>
-                                          </p:val>
-                                        </p:tav>
-                                        <p:tav tm="100000">
-                                          <p:val>
-                                            <p:strVal val="#ppt_y"/>
-                                          </p:val>
-                                        </p:tav>
-                                      </p:tavLst>
-                                    </p:anim>
                                   </p:childTnLst>
                                 </p:cTn>
                               </p:par>
@@ -16370,26 +16567,26 @@
                     </p:cTn>
                   </p:par>
                   <p:par>
-                    <p:cTn id="24" fill="hold">
+                    <p:cTn id="20" fill="hold">
                       <p:stCondLst>
                         <p:cond delay="indefinite"/>
                       </p:stCondLst>
                       <p:childTnLst>
                         <p:par>
-                          <p:cTn id="25" fill="hold">
+                          <p:cTn id="21" fill="hold">
                             <p:stCondLst>
                               <p:cond delay="0"/>
                             </p:stCondLst>
                             <p:childTnLst>
                               <p:par>
-                                <p:cTn id="26" presetID="42" presetClass="entr" presetSubtype="0" fill="hold" grpId="0" nodeType="clickEffect">
+                                <p:cTn id="22" presetID="22" presetClass="entr" presetSubtype="4" fill="hold" grpId="0" nodeType="clickEffect">
                                   <p:stCondLst>
                                     <p:cond delay="0"/>
                                   </p:stCondLst>
                                   <p:childTnLst>
                                     <p:set>
                                       <p:cBhvr>
-                                        <p:cTn id="27" dur="1" fill="hold">
+                                        <p:cTn id="23" dur="1" fill="hold">
                                           <p:stCondLst>
                                             <p:cond delay="0"/>
                                           </p:stCondLst>
@@ -16409,9 +16606,9 @@
                                         <p:strVal val="visible"/>
                                       </p:to>
                                     </p:set>
-                                    <p:animEffect transition="in" filter="fade">
+                                    <p:animEffect transition="in" filter="wipe(down)">
                                       <p:cBhvr>
-                                        <p:cTn id="28" dur="1000"/>
+                                        <p:cTn id="24" dur="500"/>
                                         <p:tgtEl>
                                           <p:spTgt spid="3">
                                             <p:txEl>
@@ -16421,60 +16618,6 @@
                                         </p:tgtEl>
                                       </p:cBhvr>
                                     </p:animEffect>
-                                    <p:anim calcmode="lin" valueType="num">
-                                      <p:cBhvr>
-                                        <p:cTn id="29" dur="1000" fill="hold"/>
-                                        <p:tgtEl>
-                                          <p:spTgt spid="3">
-                                            <p:txEl>
-                                              <p:pRg st="2" end="2"/>
-                                            </p:txEl>
-                                          </p:spTgt>
-                                        </p:tgtEl>
-                                        <p:attrNameLst>
-                                          <p:attrName>ppt_x</p:attrName>
-                                        </p:attrNameLst>
-                                      </p:cBhvr>
-                                      <p:tavLst>
-                                        <p:tav tm="0">
-                                          <p:val>
-                                            <p:strVal val="#ppt_x"/>
-                                          </p:val>
-                                        </p:tav>
-                                        <p:tav tm="100000">
-                                          <p:val>
-                                            <p:strVal val="#ppt_x"/>
-                                          </p:val>
-                                        </p:tav>
-                                      </p:tavLst>
-                                    </p:anim>
-                                    <p:anim calcmode="lin" valueType="num">
-                                      <p:cBhvr>
-                                        <p:cTn id="30" dur="1000" fill="hold"/>
-                                        <p:tgtEl>
-                                          <p:spTgt spid="3">
-                                            <p:txEl>
-                                              <p:pRg st="2" end="2"/>
-                                            </p:txEl>
-                                          </p:spTgt>
-                                        </p:tgtEl>
-                                        <p:attrNameLst>
-                                          <p:attrName>ppt_y</p:attrName>
-                                        </p:attrNameLst>
-                                      </p:cBhvr>
-                                      <p:tavLst>
-                                        <p:tav tm="0">
-                                          <p:val>
-                                            <p:strVal val="#ppt_y+.1"/>
-                                          </p:val>
-                                        </p:tav>
-                                        <p:tav tm="100000">
-                                          <p:val>
-                                            <p:strVal val="#ppt_y"/>
-                                          </p:val>
-                                        </p:tav>
-                                      </p:tavLst>
-                                    </p:anim>
                                   </p:childTnLst>
                                 </p:cTn>
                               </p:par>
@@ -16485,26 +16628,26 @@
                     </p:cTn>
                   </p:par>
                   <p:par>
-                    <p:cTn id="31" fill="hold">
+                    <p:cTn id="25" fill="hold">
                       <p:stCondLst>
                         <p:cond delay="indefinite"/>
                       </p:stCondLst>
                       <p:childTnLst>
                         <p:par>
-                          <p:cTn id="32" fill="hold">
+                          <p:cTn id="26" fill="hold">
                             <p:stCondLst>
                               <p:cond delay="0"/>
                             </p:stCondLst>
                             <p:childTnLst>
                               <p:par>
-                                <p:cTn id="33" presetID="42" presetClass="entr" presetSubtype="0" fill="hold" grpId="0" nodeType="clickEffect">
+                                <p:cTn id="27" presetID="22" presetClass="entr" presetSubtype="4" fill="hold" grpId="0" nodeType="clickEffect">
                                   <p:stCondLst>
                                     <p:cond delay="0"/>
                                   </p:stCondLst>
                                   <p:childTnLst>
                                     <p:set>
                                       <p:cBhvr>
-                                        <p:cTn id="34" dur="1" fill="hold">
+                                        <p:cTn id="28" dur="1" fill="hold">
                                           <p:stCondLst>
                                             <p:cond delay="0"/>
                                           </p:stCondLst>
@@ -16524,9 +16667,9 @@
                                         <p:strVal val="visible"/>
                                       </p:to>
                                     </p:set>
-                                    <p:animEffect transition="in" filter="fade">
+                                    <p:animEffect transition="in" filter="wipe(down)">
                                       <p:cBhvr>
-                                        <p:cTn id="35" dur="1000"/>
+                                        <p:cTn id="29" dur="500"/>
                                         <p:tgtEl>
                                           <p:spTgt spid="3">
                                             <p:txEl>
@@ -16536,60 +16679,6 @@
                                         </p:tgtEl>
                                       </p:cBhvr>
                                     </p:animEffect>
-                                    <p:anim calcmode="lin" valueType="num">
-                                      <p:cBhvr>
-                                        <p:cTn id="36" dur="1000" fill="hold"/>
-                                        <p:tgtEl>
-                                          <p:spTgt spid="3">
-                                            <p:txEl>
-                                              <p:pRg st="3" end="3"/>
-                                            </p:txEl>
-                                          </p:spTgt>
-                                        </p:tgtEl>
-                                        <p:attrNameLst>
-                                          <p:attrName>ppt_x</p:attrName>
-                                        </p:attrNameLst>
-                                      </p:cBhvr>
-                                      <p:tavLst>
-                                        <p:tav tm="0">
-                                          <p:val>
-                                            <p:strVal val="#ppt_x"/>
-                                          </p:val>
-                                        </p:tav>
-                                        <p:tav tm="100000">
-                                          <p:val>
-                                            <p:strVal val="#ppt_x"/>
-                                          </p:val>
-                                        </p:tav>
-                                      </p:tavLst>
-                                    </p:anim>
-                                    <p:anim calcmode="lin" valueType="num">
-                                      <p:cBhvr>
-                                        <p:cTn id="37" dur="1000" fill="hold"/>
-                                        <p:tgtEl>
-                                          <p:spTgt spid="3">
-                                            <p:txEl>
-                                              <p:pRg st="3" end="3"/>
-                                            </p:txEl>
-                                          </p:spTgt>
-                                        </p:tgtEl>
-                                        <p:attrNameLst>
-                                          <p:attrName>ppt_y</p:attrName>
-                                        </p:attrNameLst>
-                                      </p:cBhvr>
-                                      <p:tavLst>
-                                        <p:tav tm="0">
-                                          <p:val>
-                                            <p:strVal val="#ppt_y+.1"/>
-                                          </p:val>
-                                        </p:tav>
-                                        <p:tav tm="100000">
-                                          <p:val>
-                                            <p:strVal val="#ppt_y"/>
-                                          </p:val>
-                                        </p:tav>
-                                      </p:tavLst>
-                                    </p:anim>
                                   </p:childTnLst>
                                 </p:cTn>
                               </p:par>
@@ -16600,26 +16689,26 @@
                     </p:cTn>
                   </p:par>
                   <p:par>
-                    <p:cTn id="38" fill="hold">
+                    <p:cTn id="30" fill="hold">
                       <p:stCondLst>
                         <p:cond delay="indefinite"/>
                       </p:stCondLst>
                       <p:childTnLst>
                         <p:par>
-                          <p:cTn id="39" fill="hold">
+                          <p:cTn id="31" fill="hold">
                             <p:stCondLst>
                               <p:cond delay="0"/>
                             </p:stCondLst>
                             <p:childTnLst>
                               <p:par>
-                                <p:cTn id="40" presetID="42" presetClass="entr" presetSubtype="0" fill="hold" grpId="0" nodeType="clickEffect">
+                                <p:cTn id="32" presetID="22" presetClass="entr" presetSubtype="4" fill="hold" grpId="0" nodeType="clickEffect">
                                   <p:stCondLst>
                                     <p:cond delay="0"/>
                                   </p:stCondLst>
                                   <p:childTnLst>
                                     <p:set>
                                       <p:cBhvr>
-                                        <p:cTn id="41" dur="1" fill="hold">
+                                        <p:cTn id="33" dur="1" fill="hold">
                                           <p:stCondLst>
                                             <p:cond delay="0"/>
                                           </p:stCondLst>
@@ -16639,9 +16728,9 @@
                                         <p:strVal val="visible"/>
                                       </p:to>
                                     </p:set>
-                                    <p:animEffect transition="in" filter="fade">
+                                    <p:animEffect transition="in" filter="wipe(down)">
                                       <p:cBhvr>
-                                        <p:cTn id="42" dur="1000"/>
+                                        <p:cTn id="34" dur="500"/>
                                         <p:tgtEl>
                                           <p:spTgt spid="3">
                                             <p:txEl>
@@ -16651,60 +16740,6 @@
                                         </p:tgtEl>
                                       </p:cBhvr>
                                     </p:animEffect>
-                                    <p:anim calcmode="lin" valueType="num">
-                                      <p:cBhvr>
-                                        <p:cTn id="43" dur="1000" fill="hold"/>
-                                        <p:tgtEl>
-                                          <p:spTgt spid="3">
-                                            <p:txEl>
-                                              <p:pRg st="4" end="4"/>
-                                            </p:txEl>
-                                          </p:spTgt>
-                                        </p:tgtEl>
-                                        <p:attrNameLst>
-                                          <p:attrName>ppt_x</p:attrName>
-                                        </p:attrNameLst>
-                                      </p:cBhvr>
-                                      <p:tavLst>
-                                        <p:tav tm="0">
-                                          <p:val>
-                                            <p:strVal val="#ppt_x"/>
-                                          </p:val>
-                                        </p:tav>
-                                        <p:tav tm="100000">
-                                          <p:val>
-                                            <p:strVal val="#ppt_x"/>
-                                          </p:val>
-                                        </p:tav>
-                                      </p:tavLst>
-                                    </p:anim>
-                                    <p:anim calcmode="lin" valueType="num">
-                                      <p:cBhvr>
-                                        <p:cTn id="44" dur="1000" fill="hold"/>
-                                        <p:tgtEl>
-                                          <p:spTgt spid="3">
-                                            <p:txEl>
-                                              <p:pRg st="4" end="4"/>
-                                            </p:txEl>
-                                          </p:spTgt>
-                                        </p:tgtEl>
-                                        <p:attrNameLst>
-                                          <p:attrName>ppt_y</p:attrName>
-                                        </p:attrNameLst>
-                                      </p:cBhvr>
-                                      <p:tavLst>
-                                        <p:tav tm="0">
-                                          <p:val>
-                                            <p:strVal val="#ppt_y+.1"/>
-                                          </p:val>
-                                        </p:tav>
-                                        <p:tav tm="100000">
-                                          <p:val>
-                                            <p:strVal val="#ppt_y"/>
-                                          </p:val>
-                                        </p:tav>
-                                      </p:tavLst>
-                                    </p:anim>
                                   </p:childTnLst>
                                 </p:cTn>
                               </p:par>
@@ -16743,7 +16778,7 @@
 </p:sld>
 </file>
 
-<file path=ppt/slides/slide15.xml><?xml version="1.0" encoding="utf-8"?>
+<file path=ppt/slides/slide16.xml><?xml version="1.0" encoding="utf-8"?>
 <p:sld xmlns:a="http://schemas.openxmlformats.org/drawingml/2006/main" xmlns:r="http://schemas.openxmlformats.org/officeDocument/2006/relationships" xmlns:p="http://schemas.openxmlformats.org/presentationml/2006/main">
   <p:cSld>
     <p:bg>
@@ -16871,6 +16906,7 @@
                 <a:solidFill>
                   <a:schemeClr val="bg1"/>
                 </a:solidFill>
+                <a:latin typeface="Bembo" panose="02020502050201020203" pitchFamily="18" charset="0"/>
               </a:rPr>
               <a:t>Future Improvements</a:t>
             </a:r>
@@ -17014,6 +17050,7 @@
                 <a:solidFill>
                   <a:schemeClr val="bg1"/>
                 </a:solidFill>
+                <a:latin typeface="Bembo" panose="02020502050201020203" pitchFamily="18" charset="0"/>
               </a:rPr>
               <a:t>Multiplayer</a:t>
             </a:r>
@@ -17024,6 +17061,7 @@
                 <a:solidFill>
                   <a:schemeClr val="bg1"/>
                 </a:solidFill>
+                <a:latin typeface="Bembo" panose="02020502050201020203" pitchFamily="18" charset="0"/>
               </a:rPr>
               <a:t>New cards</a:t>
             </a:r>
@@ -17034,6 +17072,7 @@
                 <a:solidFill>
                   <a:schemeClr val="bg1"/>
                 </a:solidFill>
+                <a:latin typeface="Bembo" panose="02020502050201020203" pitchFamily="18" charset="0"/>
               </a:rPr>
               <a:t>User information Database</a:t>
             </a:r>
@@ -17044,6 +17083,7 @@
                 <a:solidFill>
                   <a:schemeClr val="bg1"/>
                 </a:solidFill>
+                <a:latin typeface="Bembo" panose="02020502050201020203" pitchFamily="18" charset="0"/>
               </a:rPr>
               <a:t>UI/UX improvements</a:t>
             </a:r>
@@ -17054,6 +17094,7 @@
                 <a:solidFill>
                   <a:schemeClr val="bg1"/>
                 </a:solidFill>
+                <a:latin typeface="Bembo" panose="02020502050201020203" pitchFamily="18" charset="0"/>
               </a:rPr>
               <a:t>New AI opponents</a:t>
             </a:r>
@@ -17064,6 +17105,7 @@
                 <a:solidFill>
                   <a:schemeClr val="bg1"/>
                 </a:solidFill>
+                <a:latin typeface="Bembo" panose="02020502050201020203" pitchFamily="18" charset="0"/>
               </a:rPr>
               <a:t>Reward System</a:t>
             </a:r>
@@ -17080,13 +17122,13 @@
   <p:clrMapOvr>
     <a:masterClrMapping/>
   </p:clrMapOvr>
-  <mc:AlternateContent xmlns:mc="http://schemas.openxmlformats.org/markup-compatibility/2006">
-    <mc:Choice xmlns:p159="http://schemas.microsoft.com/office/powerpoint/2015/09/main" Requires="p159">
+  <mc:AlternateContent xmlns:mc="http://schemas.openxmlformats.org/markup-compatibility/2006" xmlns:p159="http://schemas.microsoft.com/office/powerpoint/2015/09/main">
+    <mc:Choice Requires="p159">
       <p:transition xmlns:p14="http://schemas.microsoft.com/office/powerpoint/2010/main" spd="slow" p14:dur="2000">
         <p159:morph option="byObject"/>
       </p:transition>
     </mc:Choice>
-    <mc:Fallback>
+    <mc:Fallback xmlns="">
       <p:transition spd="slow">
         <p:fade/>
       </p:transition>
@@ -17212,7 +17254,7 @@
                             </p:stCondLst>
                             <p:childTnLst>
                               <p:par>
-                                <p:cTn id="12" presetID="42" presetClass="entr" presetSubtype="0" fill="hold" grpId="0" nodeType="clickEffect">
+                                <p:cTn id="12" presetID="22" presetClass="entr" presetSubtype="4" fill="hold" grpId="0" nodeType="clickEffect">
                                   <p:stCondLst>
                                     <p:cond delay="0"/>
                                   </p:stCondLst>
@@ -17239,9 +17281,9 @@
                                         <p:strVal val="visible"/>
                                       </p:to>
                                     </p:set>
-                                    <p:animEffect transition="in" filter="fade">
+                                    <p:animEffect transition="in" filter="wipe(down)">
                                       <p:cBhvr>
-                                        <p:cTn id="14" dur="1000"/>
+                                        <p:cTn id="14" dur="500"/>
                                         <p:tgtEl>
                                           <p:spTgt spid="7">
                                             <p:txEl>
@@ -17251,60 +17293,6 @@
                                         </p:tgtEl>
                                       </p:cBhvr>
                                     </p:animEffect>
-                                    <p:anim calcmode="lin" valueType="num">
-                                      <p:cBhvr>
-                                        <p:cTn id="15" dur="1000" fill="hold"/>
-                                        <p:tgtEl>
-                                          <p:spTgt spid="7">
-                                            <p:txEl>
-                                              <p:pRg st="0" end="0"/>
-                                            </p:txEl>
-                                          </p:spTgt>
-                                        </p:tgtEl>
-                                        <p:attrNameLst>
-                                          <p:attrName>ppt_x</p:attrName>
-                                        </p:attrNameLst>
-                                      </p:cBhvr>
-                                      <p:tavLst>
-                                        <p:tav tm="0">
-                                          <p:val>
-                                            <p:strVal val="#ppt_x"/>
-                                          </p:val>
-                                        </p:tav>
-                                        <p:tav tm="100000">
-                                          <p:val>
-                                            <p:strVal val="#ppt_x"/>
-                                          </p:val>
-                                        </p:tav>
-                                      </p:tavLst>
-                                    </p:anim>
-                                    <p:anim calcmode="lin" valueType="num">
-                                      <p:cBhvr>
-                                        <p:cTn id="16" dur="1000" fill="hold"/>
-                                        <p:tgtEl>
-                                          <p:spTgt spid="7">
-                                            <p:txEl>
-                                              <p:pRg st="0" end="0"/>
-                                            </p:txEl>
-                                          </p:spTgt>
-                                        </p:tgtEl>
-                                        <p:attrNameLst>
-                                          <p:attrName>ppt_y</p:attrName>
-                                        </p:attrNameLst>
-                                      </p:cBhvr>
-                                      <p:tavLst>
-                                        <p:tav tm="0">
-                                          <p:val>
-                                            <p:strVal val="#ppt_y+.1"/>
-                                          </p:val>
-                                        </p:tav>
-                                        <p:tav tm="100000">
-                                          <p:val>
-                                            <p:strVal val="#ppt_y"/>
-                                          </p:val>
-                                        </p:tav>
-                                      </p:tavLst>
-                                    </p:anim>
                                   </p:childTnLst>
                                 </p:cTn>
                               </p:par>
@@ -17315,26 +17303,26 @@
                     </p:cTn>
                   </p:par>
                   <p:par>
-                    <p:cTn id="17" fill="hold">
+                    <p:cTn id="15" fill="hold">
                       <p:stCondLst>
                         <p:cond delay="indefinite"/>
                       </p:stCondLst>
                       <p:childTnLst>
                         <p:par>
-                          <p:cTn id="18" fill="hold">
+                          <p:cTn id="16" fill="hold">
                             <p:stCondLst>
                               <p:cond delay="0"/>
                             </p:stCondLst>
                             <p:childTnLst>
                               <p:par>
-                                <p:cTn id="19" presetID="42" presetClass="entr" presetSubtype="0" fill="hold" grpId="0" nodeType="clickEffect">
+                                <p:cTn id="17" presetID="22" presetClass="entr" presetSubtype="4" fill="hold" grpId="0" nodeType="clickEffect">
                                   <p:stCondLst>
                                     <p:cond delay="0"/>
                                   </p:stCondLst>
                                   <p:childTnLst>
                                     <p:set>
                                       <p:cBhvr>
-                                        <p:cTn id="20" dur="1" fill="hold">
+                                        <p:cTn id="18" dur="1" fill="hold">
                                           <p:stCondLst>
                                             <p:cond delay="0"/>
                                           </p:stCondLst>
@@ -17354,9 +17342,9 @@
                                         <p:strVal val="visible"/>
                                       </p:to>
                                     </p:set>
-                                    <p:animEffect transition="in" filter="fade">
+                                    <p:animEffect transition="in" filter="wipe(down)">
                                       <p:cBhvr>
-                                        <p:cTn id="21" dur="1000"/>
+                                        <p:cTn id="19" dur="500"/>
                                         <p:tgtEl>
                                           <p:spTgt spid="7">
                                             <p:txEl>
@@ -17366,60 +17354,6 @@
                                         </p:tgtEl>
                                       </p:cBhvr>
                                     </p:animEffect>
-                                    <p:anim calcmode="lin" valueType="num">
-                                      <p:cBhvr>
-                                        <p:cTn id="22" dur="1000" fill="hold"/>
-                                        <p:tgtEl>
-                                          <p:spTgt spid="7">
-                                            <p:txEl>
-                                              <p:pRg st="1" end="1"/>
-                                            </p:txEl>
-                                          </p:spTgt>
-                                        </p:tgtEl>
-                                        <p:attrNameLst>
-                                          <p:attrName>ppt_x</p:attrName>
-                                        </p:attrNameLst>
-                                      </p:cBhvr>
-                                      <p:tavLst>
-                                        <p:tav tm="0">
-                                          <p:val>
-                                            <p:strVal val="#ppt_x"/>
-                                          </p:val>
-                                        </p:tav>
-                                        <p:tav tm="100000">
-                                          <p:val>
-                                            <p:strVal val="#ppt_x"/>
-                                          </p:val>
-                                        </p:tav>
-                                      </p:tavLst>
-                                    </p:anim>
-                                    <p:anim calcmode="lin" valueType="num">
-                                      <p:cBhvr>
-                                        <p:cTn id="23" dur="1000" fill="hold"/>
-                                        <p:tgtEl>
-                                          <p:spTgt spid="7">
-                                            <p:txEl>
-                                              <p:pRg st="1" end="1"/>
-                                            </p:txEl>
-                                          </p:spTgt>
-                                        </p:tgtEl>
-                                        <p:attrNameLst>
-                                          <p:attrName>ppt_y</p:attrName>
-                                        </p:attrNameLst>
-                                      </p:cBhvr>
-                                      <p:tavLst>
-                                        <p:tav tm="0">
-                                          <p:val>
-                                            <p:strVal val="#ppt_y+.1"/>
-                                          </p:val>
-                                        </p:tav>
-                                        <p:tav tm="100000">
-                                          <p:val>
-                                            <p:strVal val="#ppt_y"/>
-                                          </p:val>
-                                        </p:tav>
-                                      </p:tavLst>
-                                    </p:anim>
                                   </p:childTnLst>
                                 </p:cTn>
                               </p:par>
@@ -17430,26 +17364,26 @@
                     </p:cTn>
                   </p:par>
                   <p:par>
-                    <p:cTn id="24" fill="hold">
+                    <p:cTn id="20" fill="hold">
                       <p:stCondLst>
                         <p:cond delay="indefinite"/>
                       </p:stCondLst>
                       <p:childTnLst>
                         <p:par>
-                          <p:cTn id="25" fill="hold">
+                          <p:cTn id="21" fill="hold">
                             <p:stCondLst>
                               <p:cond delay="0"/>
                             </p:stCondLst>
                             <p:childTnLst>
                               <p:par>
-                                <p:cTn id="26" presetID="42" presetClass="entr" presetSubtype="0" fill="hold" grpId="0" nodeType="clickEffect">
+                                <p:cTn id="22" presetID="22" presetClass="entr" presetSubtype="4" fill="hold" grpId="0" nodeType="clickEffect">
                                   <p:stCondLst>
                                     <p:cond delay="0"/>
                                   </p:stCondLst>
                                   <p:childTnLst>
                                     <p:set>
                                       <p:cBhvr>
-                                        <p:cTn id="27" dur="1" fill="hold">
+                                        <p:cTn id="23" dur="1" fill="hold">
                                           <p:stCondLst>
                                             <p:cond delay="0"/>
                                           </p:stCondLst>
@@ -17469,9 +17403,9 @@
                                         <p:strVal val="visible"/>
                                       </p:to>
                                     </p:set>
-                                    <p:animEffect transition="in" filter="fade">
+                                    <p:animEffect transition="in" filter="wipe(down)">
                                       <p:cBhvr>
-                                        <p:cTn id="28" dur="1000"/>
+                                        <p:cTn id="24" dur="500"/>
                                         <p:tgtEl>
                                           <p:spTgt spid="7">
                                             <p:txEl>
@@ -17481,60 +17415,6 @@
                                         </p:tgtEl>
                                       </p:cBhvr>
                                     </p:animEffect>
-                                    <p:anim calcmode="lin" valueType="num">
-                                      <p:cBhvr>
-                                        <p:cTn id="29" dur="1000" fill="hold"/>
-                                        <p:tgtEl>
-                                          <p:spTgt spid="7">
-                                            <p:txEl>
-                                              <p:pRg st="2" end="2"/>
-                                            </p:txEl>
-                                          </p:spTgt>
-                                        </p:tgtEl>
-                                        <p:attrNameLst>
-                                          <p:attrName>ppt_x</p:attrName>
-                                        </p:attrNameLst>
-                                      </p:cBhvr>
-                                      <p:tavLst>
-                                        <p:tav tm="0">
-                                          <p:val>
-                                            <p:strVal val="#ppt_x"/>
-                                          </p:val>
-                                        </p:tav>
-                                        <p:tav tm="100000">
-                                          <p:val>
-                                            <p:strVal val="#ppt_x"/>
-                                          </p:val>
-                                        </p:tav>
-                                      </p:tavLst>
-                                    </p:anim>
-                                    <p:anim calcmode="lin" valueType="num">
-                                      <p:cBhvr>
-                                        <p:cTn id="30" dur="1000" fill="hold"/>
-                                        <p:tgtEl>
-                                          <p:spTgt spid="7">
-                                            <p:txEl>
-                                              <p:pRg st="2" end="2"/>
-                                            </p:txEl>
-                                          </p:spTgt>
-                                        </p:tgtEl>
-                                        <p:attrNameLst>
-                                          <p:attrName>ppt_y</p:attrName>
-                                        </p:attrNameLst>
-                                      </p:cBhvr>
-                                      <p:tavLst>
-                                        <p:tav tm="0">
-                                          <p:val>
-                                            <p:strVal val="#ppt_y+.1"/>
-                                          </p:val>
-                                        </p:tav>
-                                        <p:tav tm="100000">
-                                          <p:val>
-                                            <p:strVal val="#ppt_y"/>
-                                          </p:val>
-                                        </p:tav>
-                                      </p:tavLst>
-                                    </p:anim>
                                   </p:childTnLst>
                                 </p:cTn>
                               </p:par>
@@ -17545,26 +17425,26 @@
                     </p:cTn>
                   </p:par>
                   <p:par>
-                    <p:cTn id="31" fill="hold">
+                    <p:cTn id="25" fill="hold">
                       <p:stCondLst>
                         <p:cond delay="indefinite"/>
                       </p:stCondLst>
                       <p:childTnLst>
                         <p:par>
-                          <p:cTn id="32" fill="hold">
+                          <p:cTn id="26" fill="hold">
                             <p:stCondLst>
                               <p:cond delay="0"/>
                             </p:stCondLst>
                             <p:childTnLst>
                               <p:par>
-                                <p:cTn id="33" presetID="42" presetClass="entr" presetSubtype="0" fill="hold" grpId="0" nodeType="clickEffect">
+                                <p:cTn id="27" presetID="22" presetClass="entr" presetSubtype="4" fill="hold" grpId="0" nodeType="clickEffect">
                                   <p:stCondLst>
                                     <p:cond delay="0"/>
                                   </p:stCondLst>
                                   <p:childTnLst>
                                     <p:set>
                                       <p:cBhvr>
-                                        <p:cTn id="34" dur="1" fill="hold">
+                                        <p:cTn id="28" dur="1" fill="hold">
                                           <p:stCondLst>
                                             <p:cond delay="0"/>
                                           </p:stCondLst>
@@ -17584,9 +17464,9 @@
                                         <p:strVal val="visible"/>
                                       </p:to>
                                     </p:set>
-                                    <p:animEffect transition="in" filter="fade">
+                                    <p:animEffect transition="in" filter="wipe(down)">
                                       <p:cBhvr>
-                                        <p:cTn id="35" dur="1000"/>
+                                        <p:cTn id="29" dur="500"/>
                                         <p:tgtEl>
                                           <p:spTgt spid="7">
                                             <p:txEl>
@@ -17596,60 +17476,6 @@
                                         </p:tgtEl>
                                       </p:cBhvr>
                                     </p:animEffect>
-                                    <p:anim calcmode="lin" valueType="num">
-                                      <p:cBhvr>
-                                        <p:cTn id="36" dur="1000" fill="hold"/>
-                                        <p:tgtEl>
-                                          <p:spTgt spid="7">
-                                            <p:txEl>
-                                              <p:pRg st="3" end="3"/>
-                                            </p:txEl>
-                                          </p:spTgt>
-                                        </p:tgtEl>
-                                        <p:attrNameLst>
-                                          <p:attrName>ppt_x</p:attrName>
-                                        </p:attrNameLst>
-                                      </p:cBhvr>
-                                      <p:tavLst>
-                                        <p:tav tm="0">
-                                          <p:val>
-                                            <p:strVal val="#ppt_x"/>
-                                          </p:val>
-                                        </p:tav>
-                                        <p:tav tm="100000">
-                                          <p:val>
-                                            <p:strVal val="#ppt_x"/>
-                                          </p:val>
-                                        </p:tav>
-                                      </p:tavLst>
-                                    </p:anim>
-                                    <p:anim calcmode="lin" valueType="num">
-                                      <p:cBhvr>
-                                        <p:cTn id="37" dur="1000" fill="hold"/>
-                                        <p:tgtEl>
-                                          <p:spTgt spid="7">
-                                            <p:txEl>
-                                              <p:pRg st="3" end="3"/>
-                                            </p:txEl>
-                                          </p:spTgt>
-                                        </p:tgtEl>
-                                        <p:attrNameLst>
-                                          <p:attrName>ppt_y</p:attrName>
-                                        </p:attrNameLst>
-                                      </p:cBhvr>
-                                      <p:tavLst>
-                                        <p:tav tm="0">
-                                          <p:val>
-                                            <p:strVal val="#ppt_y+.1"/>
-                                          </p:val>
-                                        </p:tav>
-                                        <p:tav tm="100000">
-                                          <p:val>
-                                            <p:strVal val="#ppt_y"/>
-                                          </p:val>
-                                        </p:tav>
-                                      </p:tavLst>
-                                    </p:anim>
                                   </p:childTnLst>
                                 </p:cTn>
                               </p:par>
@@ -17660,26 +17486,26 @@
                     </p:cTn>
                   </p:par>
                   <p:par>
-                    <p:cTn id="38" fill="hold">
+                    <p:cTn id="30" fill="hold">
                       <p:stCondLst>
                         <p:cond delay="indefinite"/>
                       </p:stCondLst>
                       <p:childTnLst>
                         <p:par>
-                          <p:cTn id="39" fill="hold">
+                          <p:cTn id="31" fill="hold">
                             <p:stCondLst>
                               <p:cond delay="0"/>
                             </p:stCondLst>
                             <p:childTnLst>
                               <p:par>
-                                <p:cTn id="40" presetID="42" presetClass="entr" presetSubtype="0" fill="hold" grpId="0" nodeType="clickEffect">
+                                <p:cTn id="32" presetID="22" presetClass="entr" presetSubtype="4" fill="hold" grpId="0" nodeType="clickEffect">
                                   <p:stCondLst>
                                     <p:cond delay="0"/>
                                   </p:stCondLst>
                                   <p:childTnLst>
                                     <p:set>
                                       <p:cBhvr>
-                                        <p:cTn id="41" dur="1" fill="hold">
+                                        <p:cTn id="33" dur="1" fill="hold">
                                           <p:stCondLst>
                                             <p:cond delay="0"/>
                                           </p:stCondLst>
@@ -17699,9 +17525,9 @@
                                         <p:strVal val="visible"/>
                                       </p:to>
                                     </p:set>
-                                    <p:animEffect transition="in" filter="fade">
+                                    <p:animEffect transition="in" filter="wipe(down)">
                                       <p:cBhvr>
-                                        <p:cTn id="42" dur="1000"/>
+                                        <p:cTn id="34" dur="500"/>
                                         <p:tgtEl>
                                           <p:spTgt spid="7">
                                             <p:txEl>
@@ -17711,60 +17537,6 @@
                                         </p:tgtEl>
                                       </p:cBhvr>
                                     </p:animEffect>
-                                    <p:anim calcmode="lin" valueType="num">
-                                      <p:cBhvr>
-                                        <p:cTn id="43" dur="1000" fill="hold"/>
-                                        <p:tgtEl>
-                                          <p:spTgt spid="7">
-                                            <p:txEl>
-                                              <p:pRg st="4" end="4"/>
-                                            </p:txEl>
-                                          </p:spTgt>
-                                        </p:tgtEl>
-                                        <p:attrNameLst>
-                                          <p:attrName>ppt_x</p:attrName>
-                                        </p:attrNameLst>
-                                      </p:cBhvr>
-                                      <p:tavLst>
-                                        <p:tav tm="0">
-                                          <p:val>
-                                            <p:strVal val="#ppt_x"/>
-                                          </p:val>
-                                        </p:tav>
-                                        <p:tav tm="100000">
-                                          <p:val>
-                                            <p:strVal val="#ppt_x"/>
-                                          </p:val>
-                                        </p:tav>
-                                      </p:tavLst>
-                                    </p:anim>
-                                    <p:anim calcmode="lin" valueType="num">
-                                      <p:cBhvr>
-                                        <p:cTn id="44" dur="1000" fill="hold"/>
-                                        <p:tgtEl>
-                                          <p:spTgt spid="7">
-                                            <p:txEl>
-                                              <p:pRg st="4" end="4"/>
-                                            </p:txEl>
-                                          </p:spTgt>
-                                        </p:tgtEl>
-                                        <p:attrNameLst>
-                                          <p:attrName>ppt_y</p:attrName>
-                                        </p:attrNameLst>
-                                      </p:cBhvr>
-                                      <p:tavLst>
-                                        <p:tav tm="0">
-                                          <p:val>
-                                            <p:strVal val="#ppt_y+.1"/>
-                                          </p:val>
-                                        </p:tav>
-                                        <p:tav tm="100000">
-                                          <p:val>
-                                            <p:strVal val="#ppt_y"/>
-                                          </p:val>
-                                        </p:tav>
-                                      </p:tavLst>
-                                    </p:anim>
                                   </p:childTnLst>
                                 </p:cTn>
                               </p:par>
@@ -17775,26 +17547,26 @@
                     </p:cTn>
                   </p:par>
                   <p:par>
-                    <p:cTn id="45" fill="hold">
+                    <p:cTn id="35" fill="hold">
                       <p:stCondLst>
                         <p:cond delay="indefinite"/>
                       </p:stCondLst>
                       <p:childTnLst>
                         <p:par>
-                          <p:cTn id="46" fill="hold">
+                          <p:cTn id="36" fill="hold">
                             <p:stCondLst>
                               <p:cond delay="0"/>
                             </p:stCondLst>
                             <p:childTnLst>
                               <p:par>
-                                <p:cTn id="47" presetID="42" presetClass="entr" presetSubtype="0" fill="hold" grpId="0" nodeType="clickEffect">
+                                <p:cTn id="37" presetID="22" presetClass="entr" presetSubtype="4" fill="hold" grpId="0" nodeType="clickEffect">
                                   <p:stCondLst>
                                     <p:cond delay="0"/>
                                   </p:stCondLst>
                                   <p:childTnLst>
                                     <p:set>
                                       <p:cBhvr>
-                                        <p:cTn id="48" dur="1" fill="hold">
+                                        <p:cTn id="38" dur="1" fill="hold">
                                           <p:stCondLst>
                                             <p:cond delay="0"/>
                                           </p:stCondLst>
@@ -17814,9 +17586,9 @@
                                         <p:strVal val="visible"/>
                                       </p:to>
                                     </p:set>
-                                    <p:animEffect transition="in" filter="fade">
+                                    <p:animEffect transition="in" filter="wipe(down)">
                                       <p:cBhvr>
-                                        <p:cTn id="49" dur="1000"/>
+                                        <p:cTn id="39" dur="500"/>
                                         <p:tgtEl>
                                           <p:spTgt spid="7">
                                             <p:txEl>
@@ -17826,60 +17598,6 @@
                                         </p:tgtEl>
                                       </p:cBhvr>
                                     </p:animEffect>
-                                    <p:anim calcmode="lin" valueType="num">
-                                      <p:cBhvr>
-                                        <p:cTn id="50" dur="1000" fill="hold"/>
-                                        <p:tgtEl>
-                                          <p:spTgt spid="7">
-                                            <p:txEl>
-                                              <p:pRg st="5" end="5"/>
-                                            </p:txEl>
-                                          </p:spTgt>
-                                        </p:tgtEl>
-                                        <p:attrNameLst>
-                                          <p:attrName>ppt_x</p:attrName>
-                                        </p:attrNameLst>
-                                      </p:cBhvr>
-                                      <p:tavLst>
-                                        <p:tav tm="0">
-                                          <p:val>
-                                            <p:strVal val="#ppt_x"/>
-                                          </p:val>
-                                        </p:tav>
-                                        <p:tav tm="100000">
-                                          <p:val>
-                                            <p:strVal val="#ppt_x"/>
-                                          </p:val>
-                                        </p:tav>
-                                      </p:tavLst>
-                                    </p:anim>
-                                    <p:anim calcmode="lin" valueType="num">
-                                      <p:cBhvr>
-                                        <p:cTn id="51" dur="1000" fill="hold"/>
-                                        <p:tgtEl>
-                                          <p:spTgt spid="7">
-                                            <p:txEl>
-                                              <p:pRg st="5" end="5"/>
-                                            </p:txEl>
-                                          </p:spTgt>
-                                        </p:tgtEl>
-                                        <p:attrNameLst>
-                                          <p:attrName>ppt_y</p:attrName>
-                                        </p:attrNameLst>
-                                      </p:cBhvr>
-                                      <p:tavLst>
-                                        <p:tav tm="0">
-                                          <p:val>
-                                            <p:strVal val="#ppt_y+.1"/>
-                                          </p:val>
-                                        </p:tav>
-                                        <p:tav tm="100000">
-                                          <p:val>
-                                            <p:strVal val="#ppt_y"/>
-                                          </p:val>
-                                        </p:tav>
-                                      </p:tavLst>
-                                    </p:anim>
                                   </p:childTnLst>
                                 </p:cTn>
                               </p:par>
@@ -17918,7 +17636,7 @@
 </p:sld>
 </file>
 
-<file path=ppt/slides/slide16.xml><?xml version="1.0" encoding="utf-8"?>
+<file path=ppt/slides/slide17.xml><?xml version="1.0" encoding="utf-8"?>
 <p:sld xmlns:a="http://schemas.openxmlformats.org/drawingml/2006/main" xmlns:r="http://schemas.openxmlformats.org/officeDocument/2006/relationships" xmlns:p="http://schemas.openxmlformats.org/presentationml/2006/main">
   <p:cSld>
     <p:bg>
@@ -18142,7 +17860,9 @@
           <a:lstStyle/>
           <a:p>
             <a:r>
-              <a:rPr lang="en-US" sz="4800" dirty="0"/>
+              <a:rPr lang="en-US" sz="4800" dirty="0">
+                <a:latin typeface="Bembo" panose="02020502050201020203" pitchFamily="18" charset="0"/>
+              </a:rPr>
               <a:t>Thank you for your attention!</a:t>
             </a:r>
           </a:p>
@@ -18319,13 +18039,13 @@
   <p:clrMapOvr>
     <a:overrideClrMapping bg1="dk1" tx1="lt1" bg2="dk2" tx2="lt2" accent1="accent1" accent2="accent2" accent3="accent3" accent4="accent4" accent5="accent5" accent6="accent6" hlink="hlink" folHlink="folHlink"/>
   </p:clrMapOvr>
-  <mc:AlternateContent xmlns:mc="http://schemas.openxmlformats.org/markup-compatibility/2006">
-    <mc:Choice xmlns:p159="http://schemas.microsoft.com/office/powerpoint/2015/09/main" Requires="p159">
+  <mc:AlternateContent xmlns:mc="http://schemas.openxmlformats.org/markup-compatibility/2006" xmlns:p159="http://schemas.microsoft.com/office/powerpoint/2015/09/main">
+    <mc:Choice Requires="p159">
       <p:transition xmlns:p14="http://schemas.microsoft.com/office/powerpoint/2010/main" spd="slow" p14:dur="2000">
         <p159:morph option="byObject"/>
       </p:transition>
     </mc:Choice>
-    <mc:Fallback>
+    <mc:Fallback xmlns="">
       <p:transition spd="slow">
         <p:fade/>
       </p:transition>
@@ -18706,7 +18426,9 @@
           <a:lstStyle/>
           <a:p>
             <a:r>
-              <a:rPr lang="en-US" sz="4800" dirty="0"/>
+              <a:rPr lang="en-US" sz="4800" dirty="0">
+                <a:latin typeface="Bembo" panose="02020502050201020203" pitchFamily="18" charset="0"/>
+              </a:rPr>
               <a:t>How did we come up with the idea?</a:t>
             </a:r>
           </a:p>
@@ -18883,13 +18605,13 @@
   <p:clrMapOvr>
     <a:overrideClrMapping bg1="dk1" tx1="lt1" bg2="dk2" tx2="lt2" accent1="accent1" accent2="accent2" accent3="accent3" accent4="accent4" accent5="accent5" accent6="accent6" hlink="hlink" folHlink="folHlink"/>
   </p:clrMapOvr>
-  <mc:AlternateContent xmlns:mc="http://schemas.openxmlformats.org/markup-compatibility/2006">
-    <mc:Choice xmlns:p159="http://schemas.microsoft.com/office/powerpoint/2015/09/main" Requires="p159">
+  <mc:AlternateContent xmlns:mc="http://schemas.openxmlformats.org/markup-compatibility/2006" xmlns:p159="http://schemas.microsoft.com/office/powerpoint/2015/09/main">
+    <mc:Choice Requires="p159">
       <p:transition xmlns:p14="http://schemas.microsoft.com/office/powerpoint/2010/main" spd="slow" p14:dur="2000">
         <p159:morph option="byObject"/>
       </p:transition>
     </mc:Choice>
-    <mc:Fallback>
+    <mc:Fallback xmlns="">
       <p:transition spd="slow">
         <p:fade/>
       </p:transition>
@@ -18991,6 +18713,1561 @@
 </file>
 
 <file path=ppt/slides/slide3.xml><?xml version="1.0" encoding="utf-8"?>
+<p:sld xmlns:a="http://schemas.openxmlformats.org/drawingml/2006/main" xmlns:r="http://schemas.openxmlformats.org/officeDocument/2006/relationships" xmlns:p="http://schemas.openxmlformats.org/presentationml/2006/main">
+  <p:cSld>
+    <p:bg>
+      <p:bgPr>
+        <a:solidFill>
+          <a:schemeClr val="bg1"/>
+        </a:solidFill>
+        <a:effectLst/>
+      </p:bgPr>
+    </p:bg>
+    <p:spTree>
+      <p:nvGrpSpPr>
+        <p:cNvPr id="1" name=""/>
+        <p:cNvGrpSpPr/>
+        <p:nvPr/>
+      </p:nvGrpSpPr>
+      <p:grpSpPr>
+        <a:xfrm>
+          <a:off x="0" y="0"/>
+          <a:ext cx="0" cy="0"/>
+          <a:chOff x="0" y="0"/>
+          <a:chExt cx="0" cy="0"/>
+        </a:xfrm>
+      </p:grpSpPr>
+      <p:sp useBgFill="1">
+        <p:nvSpPr>
+          <p:cNvPr id="9" name="!!BGRectangle">
+            <a:extLst>
+              <a:ext uri="{FF2B5EF4-FFF2-40B4-BE49-F238E27FC236}">
+                <a16:creationId xmlns:a16="http://schemas.microsoft.com/office/drawing/2014/main" id="{25E8815A-9407-4234-B08F-A1E49DCD7F37}"/>
+              </a:ext>
+              <a:ext uri="{C183D7F6-B498-43B3-948B-1728B52AA6E4}">
+                <adec:decorative xmlns:adec="http://schemas.microsoft.com/office/drawing/2017/decorative" val="1"/>
+              </a:ext>
+            </a:extLst>
+          </p:cNvPr>
+          <p:cNvSpPr>
+            <a:spLocks noGrp="1" noRot="1" noChangeAspect="1" noMove="1" noResize="1" noEditPoints="1" noAdjustHandles="1" noChangeArrowheads="1" noChangeShapeType="1" noTextEdit="1"/>
+          </p:cNvSpPr>
+          <p:nvPr>
+            <p:extLst>
+              <p:ext uri="{386F3935-93C4-4BCD-93E2-E3B085C9AB24}">
+                <p16:designElem xmlns:p16="http://schemas.microsoft.com/office/powerpoint/2015/main" val="1"/>
+              </p:ext>
+            </p:extLst>
+          </p:nvPr>
+        </p:nvSpPr>
+        <p:spPr>
+          <a:xfrm>
+            <a:off x="3048" y="-6182"/>
+            <a:ext cx="12188952" cy="6858000"/>
+          </a:xfrm>
+          <a:prstGeom prst="rect">
+            <a:avLst/>
+          </a:prstGeom>
+          <a:ln>
+            <a:noFill/>
+          </a:ln>
+        </p:spPr>
+        <p:style>
+          <a:lnRef idx="2">
+            <a:schemeClr val="accent1">
+              <a:shade val="50000"/>
+            </a:schemeClr>
+          </a:lnRef>
+          <a:fillRef idx="1">
+            <a:schemeClr val="accent1"/>
+          </a:fillRef>
+          <a:effectRef idx="0">
+            <a:schemeClr val="accent1"/>
+          </a:effectRef>
+          <a:fontRef idx="minor">
+            <a:schemeClr val="lt1"/>
+          </a:fontRef>
+        </p:style>
+        <p:txBody>
+          <a:bodyPr rtlCol="0" anchor="ctr"/>
+          <a:lstStyle/>
+          <a:p>
+            <a:pPr marL="0" marR="0" lvl="0" indent="0" algn="ctr" defTabSz="914400" rtl="0" eaLnBrk="1" fontAlgn="auto" latinLnBrk="0" hangingPunct="1">
+              <a:lnSpc>
+                <a:spcPct val="100000"/>
+              </a:lnSpc>
+              <a:spcBef>
+                <a:spcPts val="0"/>
+              </a:spcBef>
+              <a:spcAft>
+                <a:spcPts val="0"/>
+              </a:spcAft>
+              <a:buClrTx/>
+              <a:buSzTx/>
+              <a:buFontTx/>
+              <a:buNone/>
+              <a:tabLst/>
+              <a:defRPr/>
+            </a:pPr>
+            <a:endParaRPr kumimoji="0" lang="en-US" sz="1800" b="0" i="0" u="none" strike="noStrike" kern="1200" cap="none" spc="0" normalizeH="0" baseline="0" noProof="0">
+              <a:ln>
+                <a:noFill/>
+              </a:ln>
+              <a:solidFill>
+                <a:prstClr val="white"/>
+              </a:solidFill>
+              <a:effectLst/>
+              <a:uLnTx/>
+              <a:uFillTx/>
+              <a:latin typeface="Calibri" panose="020F0502020204030204"/>
+              <a:ea typeface="+mn-ea"/>
+              <a:cs typeface="+mn-cs"/>
+            </a:endParaRPr>
+          </a:p>
+        </p:txBody>
+      </p:sp>
+      <p:sp>
+        <p:nvSpPr>
+          <p:cNvPr id="11" name="Rectangle 10">
+            <a:extLst>
+              <a:ext uri="{FF2B5EF4-FFF2-40B4-BE49-F238E27FC236}">
+                <a16:creationId xmlns:a16="http://schemas.microsoft.com/office/drawing/2014/main" id="{AD72D4D1-076F-49D3-9889-EFC4F6D7CA66}"/>
+              </a:ext>
+              <a:ext uri="{C183D7F6-B498-43B3-948B-1728B52AA6E4}">
+                <adec:decorative xmlns:adec="http://schemas.microsoft.com/office/drawing/2017/decorative" val="1"/>
+              </a:ext>
+            </a:extLst>
+          </p:cNvPr>
+          <p:cNvSpPr>
+            <a:spLocks noGrp="1" noRot="1" noChangeAspect="1" noMove="1" noResize="1" noEditPoints="1" noAdjustHandles="1" noChangeArrowheads="1" noChangeShapeType="1" noTextEdit="1"/>
+          </p:cNvSpPr>
+          <p:nvPr>
+            <p:extLst>
+              <p:ext uri="{386F3935-93C4-4BCD-93E2-E3B085C9AB24}">
+                <p16:designElem xmlns:p16="http://schemas.microsoft.com/office/powerpoint/2015/main" val="1"/>
+              </p:ext>
+            </p:extLst>
+          </p:nvPr>
+        </p:nvSpPr>
+        <p:spPr>
+          <a:xfrm>
+            <a:off x="0" y="0"/>
+            <a:ext cx="12192000" cy="6858000"/>
+          </a:xfrm>
+          <a:prstGeom prst="rect">
+            <a:avLst/>
+          </a:prstGeom>
+          <a:solidFill>
+            <a:srgbClr val="000000"/>
+          </a:solidFill>
+          <a:ln>
+            <a:noFill/>
+          </a:ln>
+        </p:spPr>
+        <p:style>
+          <a:lnRef idx="2">
+            <a:schemeClr val="accent1">
+              <a:shade val="50000"/>
+            </a:schemeClr>
+          </a:lnRef>
+          <a:fillRef idx="1">
+            <a:schemeClr val="accent1"/>
+          </a:fillRef>
+          <a:effectRef idx="0">
+            <a:schemeClr val="accent1"/>
+          </a:effectRef>
+          <a:fontRef idx="minor">
+            <a:schemeClr val="lt1"/>
+          </a:fontRef>
+        </p:style>
+        <p:txBody>
+          <a:bodyPr rtlCol="0" anchor="ctr"/>
+          <a:lstStyle/>
+          <a:p>
+            <a:pPr marL="0" marR="0" lvl="0" indent="0" algn="ctr" defTabSz="914400" rtl="0" eaLnBrk="1" fontAlgn="auto" latinLnBrk="0" hangingPunct="1">
+              <a:lnSpc>
+                <a:spcPct val="100000"/>
+              </a:lnSpc>
+              <a:spcBef>
+                <a:spcPts val="0"/>
+              </a:spcBef>
+              <a:spcAft>
+                <a:spcPts val="0"/>
+              </a:spcAft>
+              <a:buClrTx/>
+              <a:buSzTx/>
+              <a:buFontTx/>
+              <a:buNone/>
+              <a:tabLst/>
+              <a:defRPr/>
+            </a:pPr>
+            <a:endParaRPr kumimoji="0" lang="en-US" sz="1800" b="0" i="0" u="none" strike="noStrike" kern="1200" cap="none" spc="0" normalizeH="0" baseline="0" noProof="0">
+              <a:ln>
+                <a:noFill/>
+              </a:ln>
+              <a:solidFill>
+                <a:prstClr val="white"/>
+              </a:solidFill>
+              <a:effectLst/>
+              <a:uLnTx/>
+              <a:uFillTx/>
+              <a:latin typeface="Calibri" panose="020F0502020204030204"/>
+              <a:ea typeface="+mn-ea"/>
+              <a:cs typeface="+mn-cs"/>
+            </a:endParaRPr>
+          </a:p>
+        </p:txBody>
+      </p:sp>
+      <p:pic>
+        <p:nvPicPr>
+          <p:cNvPr id="5" name="Picture 4" descr="Sphere of mesh and nodes">
+            <a:extLst>
+              <a:ext uri="{FF2B5EF4-FFF2-40B4-BE49-F238E27FC236}">
+                <a16:creationId xmlns:a16="http://schemas.microsoft.com/office/drawing/2014/main" id="{9881E159-1795-4F02-A288-9505EDE32657}"/>
+              </a:ext>
+            </a:extLst>
+          </p:cNvPr>
+          <p:cNvPicPr>
+            <a:picLocks noChangeAspect="1"/>
+          </p:cNvPicPr>
+          <p:nvPr/>
+        </p:nvPicPr>
+        <p:blipFill rotWithShape="1">
+          <a:blip r:embed="rId2">
+            <a:alphaModFix amt="50000"/>
+          </a:blip>
+          <a:srcRect t="2677" b="22323"/>
+          <a:stretch/>
+        </p:blipFill>
+        <p:spPr>
+          <a:xfrm>
+            <a:off x="20" y="1"/>
+            <a:ext cx="12191980" cy="6857999"/>
+          </a:xfrm>
+          <a:prstGeom prst="rect">
+            <a:avLst/>
+          </a:prstGeom>
+        </p:spPr>
+      </p:pic>
+      <p:sp>
+        <p:nvSpPr>
+          <p:cNvPr id="2" name="Title 1">
+            <a:extLst>
+              <a:ext uri="{FF2B5EF4-FFF2-40B4-BE49-F238E27FC236}">
+                <a16:creationId xmlns:a16="http://schemas.microsoft.com/office/drawing/2014/main" id="{EF9D8314-D6F5-45F2-9320-6E9374E52056}"/>
+              </a:ext>
+            </a:extLst>
+          </p:cNvPr>
+          <p:cNvSpPr>
+            <a:spLocks noGrp="1"/>
+          </p:cNvSpPr>
+          <p:nvPr>
+            <p:ph type="title"/>
+          </p:nvPr>
+        </p:nvSpPr>
+        <p:spPr>
+          <a:xfrm>
+            <a:off x="838200" y="963877"/>
+            <a:ext cx="3494362" cy="4930246"/>
+          </a:xfrm>
+        </p:spPr>
+        <p:txBody>
+          <a:bodyPr>
+            <a:normAutofit/>
+          </a:bodyPr>
+          <a:lstStyle/>
+          <a:p>
+            <a:pPr algn="r"/>
+            <a:r>
+              <a:rPr lang="en-US" dirty="0">
+                <a:solidFill>
+                  <a:schemeClr val="bg1"/>
+                </a:solidFill>
+                <a:latin typeface="Bembo" panose="02020502050201020203" pitchFamily="18" charset="0"/>
+              </a:rPr>
+              <a:t>Our first contact with Blockchain technology</a:t>
+            </a:r>
+          </a:p>
+        </p:txBody>
+      </p:sp>
+      <p:sp>
+        <p:nvSpPr>
+          <p:cNvPr id="13" name="!!Line">
+            <a:extLst>
+              <a:ext uri="{FF2B5EF4-FFF2-40B4-BE49-F238E27FC236}">
+                <a16:creationId xmlns:a16="http://schemas.microsoft.com/office/drawing/2014/main" id="{C9C56819-FD02-4626-ABF5-85C7463C990D}"/>
+              </a:ext>
+              <a:ext uri="{C183D7F6-B498-43B3-948B-1728B52AA6E4}">
+                <adec:decorative xmlns:adec="http://schemas.microsoft.com/office/drawing/2017/decorative" val="1"/>
+              </a:ext>
+            </a:extLst>
+          </p:cNvPr>
+          <p:cNvSpPr>
+            <a:spLocks noGrp="1" noRot="1" noChangeAspect="1" noMove="1" noResize="1" noEditPoints="1" noAdjustHandles="1" noChangeArrowheads="1" noChangeShapeType="1" noTextEdit="1"/>
+          </p:cNvSpPr>
+          <p:nvPr>
+            <p:extLst>
+              <p:ext uri="{386F3935-93C4-4BCD-93E2-E3B085C9AB24}">
+                <p16:designElem xmlns:p16="http://schemas.microsoft.com/office/powerpoint/2015/main" val="1"/>
+              </p:ext>
+            </p:extLst>
+          </p:nvPr>
+        </p:nvSpPr>
+        <p:spPr>
+          <a:xfrm>
+            <a:off x="4640580" y="2057400"/>
+            <a:ext cx="27432" cy="2743200"/>
+          </a:xfrm>
+          <a:prstGeom prst="rect">
+            <a:avLst/>
+          </a:prstGeom>
+          <a:solidFill>
+            <a:srgbClr val="FFFFFF"/>
+          </a:solidFill>
+          <a:ln>
+            <a:noFill/>
+          </a:ln>
+        </p:spPr>
+        <p:style>
+          <a:lnRef idx="2">
+            <a:schemeClr val="accent1">
+              <a:shade val="50000"/>
+            </a:schemeClr>
+          </a:lnRef>
+          <a:fillRef idx="1">
+            <a:schemeClr val="accent1"/>
+          </a:fillRef>
+          <a:effectRef idx="0">
+            <a:schemeClr val="accent1"/>
+          </a:effectRef>
+          <a:fontRef idx="minor">
+            <a:schemeClr val="lt1"/>
+          </a:fontRef>
+        </p:style>
+        <p:txBody>
+          <a:bodyPr rtlCol="0" anchor="ctr"/>
+          <a:lstStyle/>
+          <a:p>
+            <a:pPr marL="0" marR="0" lvl="0" indent="0" algn="ctr" defTabSz="914400" rtl="0" eaLnBrk="1" fontAlgn="auto" latinLnBrk="0" hangingPunct="1">
+              <a:lnSpc>
+                <a:spcPct val="100000"/>
+              </a:lnSpc>
+              <a:spcBef>
+                <a:spcPts val="0"/>
+              </a:spcBef>
+              <a:spcAft>
+                <a:spcPts val="0"/>
+              </a:spcAft>
+              <a:buClrTx/>
+              <a:buSzTx/>
+              <a:buFontTx/>
+              <a:buNone/>
+              <a:tabLst/>
+              <a:defRPr/>
+            </a:pPr>
+            <a:endParaRPr kumimoji="0" lang="en-US" sz="1800" b="0" i="0" u="none" strike="noStrike" kern="1200" cap="none" spc="0" normalizeH="0" baseline="0" noProof="0">
+              <a:ln>
+                <a:noFill/>
+              </a:ln>
+              <a:solidFill>
+                <a:prstClr val="white"/>
+              </a:solidFill>
+              <a:effectLst/>
+              <a:uLnTx/>
+              <a:uFillTx/>
+              <a:latin typeface="Calibri" panose="020F0502020204030204"/>
+              <a:ea typeface="+mn-ea"/>
+              <a:cs typeface="+mn-cs"/>
+            </a:endParaRPr>
+          </a:p>
+        </p:txBody>
+      </p:sp>
+      <p:sp>
+        <p:nvSpPr>
+          <p:cNvPr id="3" name="Content Placeholder 2">
+            <a:extLst>
+              <a:ext uri="{FF2B5EF4-FFF2-40B4-BE49-F238E27FC236}">
+                <a16:creationId xmlns:a16="http://schemas.microsoft.com/office/drawing/2014/main" id="{5123A842-D853-4B35-B949-7A20B31E8FC0}"/>
+              </a:ext>
+            </a:extLst>
+          </p:cNvPr>
+          <p:cNvSpPr>
+            <a:spLocks noGrp="1"/>
+          </p:cNvSpPr>
+          <p:nvPr>
+            <p:ph idx="1"/>
+          </p:nvPr>
+        </p:nvSpPr>
+        <p:spPr>
+          <a:xfrm>
+            <a:off x="4976031" y="963877"/>
+            <a:ext cx="6377769" cy="4930246"/>
+          </a:xfrm>
+        </p:spPr>
+        <p:txBody>
+          <a:bodyPr anchor="ctr">
+            <a:normAutofit/>
+          </a:bodyPr>
+          <a:lstStyle/>
+          <a:p>
+            <a:r>
+              <a:rPr lang="en-US" sz="2400" dirty="0">
+                <a:solidFill>
+                  <a:schemeClr val="bg1"/>
+                </a:solidFill>
+                <a:latin typeface="Bembo" panose="02020502050201020203" pitchFamily="18" charset="0"/>
+              </a:rPr>
+              <a:t>In a discussion, Prof. Polyzos shared with us his current interests and work, that led us to learn more about Blockchains, their use and their application</a:t>
+            </a:r>
+            <a:endParaRPr lang="el-GR" sz="2400" dirty="0">
+              <a:solidFill>
+                <a:schemeClr val="bg1"/>
+              </a:solidFill>
+            </a:endParaRPr>
+          </a:p>
+          <a:p>
+            <a:r>
+              <a:rPr lang="en-US" sz="2400" dirty="0">
+                <a:solidFill>
+                  <a:schemeClr val="bg1"/>
+                </a:solidFill>
+                <a:latin typeface="Bembo" panose="02020502050201020203" pitchFamily="18" charset="0"/>
+              </a:rPr>
+              <a:t>We were also invited to the </a:t>
+            </a:r>
+            <a:r>
+              <a:rPr lang="en-US" sz="2400" dirty="0" err="1">
+                <a:solidFill>
+                  <a:schemeClr val="bg1"/>
+                </a:solidFill>
+                <a:latin typeface="Bembo" panose="02020502050201020203" pitchFamily="18" charset="0"/>
+              </a:rPr>
+              <a:t>MMLab</a:t>
+            </a:r>
+            <a:r>
+              <a:rPr lang="en-US" sz="2400" dirty="0">
+                <a:solidFill>
+                  <a:schemeClr val="bg1"/>
+                </a:solidFill>
+                <a:latin typeface="Bembo" panose="02020502050201020203" pitchFamily="18" charset="0"/>
+              </a:rPr>
+              <a:t> facilities and participate in a summer program led by Prof. Polyzos that brought us closer to many new technologies including Blockchains</a:t>
+            </a:r>
+          </a:p>
+        </p:txBody>
+      </p:sp>
+    </p:spTree>
+    <p:extLst>
+      <p:ext uri="{BB962C8B-B14F-4D97-AF65-F5344CB8AC3E}">
+        <p14:creationId xmlns:p14="http://schemas.microsoft.com/office/powerpoint/2010/main" val="457569607"/>
+      </p:ext>
+    </p:extLst>
+  </p:cSld>
+  <p:clrMapOvr>
+    <a:masterClrMapping/>
+  </p:clrMapOvr>
+  <mc:AlternateContent xmlns:mc="http://schemas.openxmlformats.org/markup-compatibility/2006" xmlns:p159="http://schemas.microsoft.com/office/powerpoint/2015/09/main">
+    <mc:Choice Requires="p159">
+      <p:transition xmlns:p14="http://schemas.microsoft.com/office/powerpoint/2010/main" spd="slow" p14:dur="2000">
+        <p159:morph option="byObject"/>
+      </p:transition>
+    </mc:Choice>
+    <mc:Fallback xmlns="">
+      <p:transition spd="slow">
+        <p:fade/>
+      </p:transition>
+    </mc:Fallback>
+  </mc:AlternateContent>
+  <p:timing>
+    <p:tnLst>
+      <p:par>
+        <p:cTn id="1" dur="indefinite" restart="never" nodeType="tmRoot">
+          <p:childTnLst>
+            <p:seq concurrent="1" nextAc="seek">
+              <p:cTn id="2" dur="indefinite" nodeType="mainSeq">
+                <p:childTnLst>
+                  <p:par>
+                    <p:cTn id="3" fill="hold">
+                      <p:stCondLst>
+                        <p:cond delay="indefinite"/>
+                      </p:stCondLst>
+                      <p:childTnLst>
+                        <p:par>
+                          <p:cTn id="4" fill="hold">
+                            <p:stCondLst>
+                              <p:cond delay="0"/>
+                            </p:stCondLst>
+                            <p:childTnLst>
+                              <p:par>
+                                <p:cTn id="5" presetID="42" presetClass="entr" presetSubtype="0" fill="hold" grpId="0" nodeType="clickEffect">
+                                  <p:stCondLst>
+                                    <p:cond delay="0"/>
+                                  </p:stCondLst>
+                                  <p:childTnLst>
+                                    <p:set>
+                                      <p:cBhvr>
+                                        <p:cTn id="6" dur="1" fill="hold">
+                                          <p:stCondLst>
+                                            <p:cond delay="0"/>
+                                          </p:stCondLst>
+                                        </p:cTn>
+                                        <p:tgtEl>
+                                          <p:spTgt spid="2"/>
+                                        </p:tgtEl>
+                                        <p:attrNameLst>
+                                          <p:attrName>style.visibility</p:attrName>
+                                        </p:attrNameLst>
+                                      </p:cBhvr>
+                                      <p:to>
+                                        <p:strVal val="visible"/>
+                                      </p:to>
+                                    </p:set>
+                                    <p:animEffect transition="in" filter="fade">
+                                      <p:cBhvr>
+                                        <p:cTn id="7" dur="1000"/>
+                                        <p:tgtEl>
+                                          <p:spTgt spid="2"/>
+                                        </p:tgtEl>
+                                      </p:cBhvr>
+                                    </p:animEffect>
+                                    <p:anim calcmode="lin" valueType="num">
+                                      <p:cBhvr>
+                                        <p:cTn id="8" dur="1000" fill="hold"/>
+                                        <p:tgtEl>
+                                          <p:spTgt spid="2"/>
+                                        </p:tgtEl>
+                                        <p:attrNameLst>
+                                          <p:attrName>ppt_x</p:attrName>
+                                        </p:attrNameLst>
+                                      </p:cBhvr>
+                                      <p:tavLst>
+                                        <p:tav tm="0">
+                                          <p:val>
+                                            <p:strVal val="#ppt_x"/>
+                                          </p:val>
+                                        </p:tav>
+                                        <p:tav tm="100000">
+                                          <p:val>
+                                            <p:strVal val="#ppt_x"/>
+                                          </p:val>
+                                        </p:tav>
+                                      </p:tavLst>
+                                    </p:anim>
+                                    <p:anim calcmode="lin" valueType="num">
+                                      <p:cBhvr>
+                                        <p:cTn id="9" dur="1000" fill="hold"/>
+                                        <p:tgtEl>
+                                          <p:spTgt spid="2"/>
+                                        </p:tgtEl>
+                                        <p:attrNameLst>
+                                          <p:attrName>ppt_y</p:attrName>
+                                        </p:attrNameLst>
+                                      </p:cBhvr>
+                                      <p:tavLst>
+                                        <p:tav tm="0">
+                                          <p:val>
+                                            <p:strVal val="#ppt_y+.1"/>
+                                          </p:val>
+                                        </p:tav>
+                                        <p:tav tm="100000">
+                                          <p:val>
+                                            <p:strVal val="#ppt_y"/>
+                                          </p:val>
+                                        </p:tav>
+                                      </p:tavLst>
+                                    </p:anim>
+                                  </p:childTnLst>
+                                </p:cTn>
+                              </p:par>
+                            </p:childTnLst>
+                          </p:cTn>
+                        </p:par>
+                      </p:childTnLst>
+                    </p:cTn>
+                  </p:par>
+                  <p:par>
+                    <p:cTn id="10" fill="hold">
+                      <p:stCondLst>
+                        <p:cond delay="indefinite"/>
+                      </p:stCondLst>
+                      <p:childTnLst>
+                        <p:par>
+                          <p:cTn id="11" fill="hold">
+                            <p:stCondLst>
+                              <p:cond delay="0"/>
+                            </p:stCondLst>
+                            <p:childTnLst>
+                              <p:par>
+                                <p:cTn id="12" presetID="22" presetClass="entr" presetSubtype="4" fill="hold" grpId="0" nodeType="clickEffect">
+                                  <p:stCondLst>
+                                    <p:cond delay="0"/>
+                                  </p:stCondLst>
+                                  <p:childTnLst>
+                                    <p:set>
+                                      <p:cBhvr>
+                                        <p:cTn id="13" dur="1" fill="hold">
+                                          <p:stCondLst>
+                                            <p:cond delay="0"/>
+                                          </p:stCondLst>
+                                        </p:cTn>
+                                        <p:tgtEl>
+                                          <p:spTgt spid="3">
+                                            <p:txEl>
+                                              <p:pRg st="0" end="0"/>
+                                            </p:txEl>
+                                          </p:spTgt>
+                                        </p:tgtEl>
+                                        <p:attrNameLst>
+                                          <p:attrName>style.visibility</p:attrName>
+                                        </p:attrNameLst>
+                                      </p:cBhvr>
+                                      <p:to>
+                                        <p:strVal val="visible"/>
+                                      </p:to>
+                                    </p:set>
+                                    <p:animEffect transition="in" filter="wipe(down)">
+                                      <p:cBhvr>
+                                        <p:cTn id="14" dur="500"/>
+                                        <p:tgtEl>
+                                          <p:spTgt spid="3">
+                                            <p:txEl>
+                                              <p:pRg st="0" end="0"/>
+                                            </p:txEl>
+                                          </p:spTgt>
+                                        </p:tgtEl>
+                                      </p:cBhvr>
+                                    </p:animEffect>
+                                  </p:childTnLst>
+                                </p:cTn>
+                              </p:par>
+                            </p:childTnLst>
+                          </p:cTn>
+                        </p:par>
+                      </p:childTnLst>
+                    </p:cTn>
+                  </p:par>
+                  <p:par>
+                    <p:cTn id="15" fill="hold">
+                      <p:stCondLst>
+                        <p:cond delay="indefinite"/>
+                      </p:stCondLst>
+                      <p:childTnLst>
+                        <p:par>
+                          <p:cTn id="16" fill="hold">
+                            <p:stCondLst>
+                              <p:cond delay="0"/>
+                            </p:stCondLst>
+                            <p:childTnLst>
+                              <p:par>
+                                <p:cTn id="17" presetID="22" presetClass="entr" presetSubtype="4" fill="hold" grpId="0" nodeType="clickEffect">
+                                  <p:stCondLst>
+                                    <p:cond delay="0"/>
+                                  </p:stCondLst>
+                                  <p:childTnLst>
+                                    <p:set>
+                                      <p:cBhvr>
+                                        <p:cTn id="18" dur="1" fill="hold">
+                                          <p:stCondLst>
+                                            <p:cond delay="0"/>
+                                          </p:stCondLst>
+                                        </p:cTn>
+                                        <p:tgtEl>
+                                          <p:spTgt spid="3">
+                                            <p:txEl>
+                                              <p:pRg st="1" end="1"/>
+                                            </p:txEl>
+                                          </p:spTgt>
+                                        </p:tgtEl>
+                                        <p:attrNameLst>
+                                          <p:attrName>style.visibility</p:attrName>
+                                        </p:attrNameLst>
+                                      </p:cBhvr>
+                                      <p:to>
+                                        <p:strVal val="visible"/>
+                                      </p:to>
+                                    </p:set>
+                                    <p:animEffect transition="in" filter="wipe(down)">
+                                      <p:cBhvr>
+                                        <p:cTn id="19" dur="500"/>
+                                        <p:tgtEl>
+                                          <p:spTgt spid="3">
+                                            <p:txEl>
+                                              <p:pRg st="1" end="1"/>
+                                            </p:txEl>
+                                          </p:spTgt>
+                                        </p:tgtEl>
+                                      </p:cBhvr>
+                                    </p:animEffect>
+                                  </p:childTnLst>
+                                </p:cTn>
+                              </p:par>
+                            </p:childTnLst>
+                          </p:cTn>
+                        </p:par>
+                      </p:childTnLst>
+                    </p:cTn>
+                  </p:par>
+                </p:childTnLst>
+              </p:cTn>
+              <p:prevCondLst>
+                <p:cond evt="onPrev" delay="0">
+                  <p:tgtEl>
+                    <p:sldTgt/>
+                  </p:tgtEl>
+                </p:cond>
+              </p:prevCondLst>
+              <p:nextCondLst>
+                <p:cond evt="onNext" delay="0">
+                  <p:tgtEl>
+                    <p:sldTgt/>
+                  </p:tgtEl>
+                </p:cond>
+              </p:nextCondLst>
+            </p:seq>
+          </p:childTnLst>
+        </p:cTn>
+      </p:par>
+    </p:tnLst>
+    <p:bldLst>
+      <p:bldP spid="2" grpId="0"/>
+      <p:bldP spid="3" grpId="0" build="p"/>
+    </p:bldLst>
+  </p:timing>
+</p:sld>
+</file>
+
+<file path=ppt/slides/slide4.xml><?xml version="1.0" encoding="utf-8"?>
+<p:sld xmlns:a="http://schemas.openxmlformats.org/drawingml/2006/main" xmlns:r="http://schemas.openxmlformats.org/officeDocument/2006/relationships" xmlns:p="http://schemas.openxmlformats.org/presentationml/2006/main">
+  <p:cSld>
+    <p:bg>
+      <p:bgPr>
+        <a:solidFill>
+          <a:schemeClr val="bg1"/>
+        </a:solidFill>
+        <a:effectLst/>
+      </p:bgPr>
+    </p:bg>
+    <p:spTree>
+      <p:nvGrpSpPr>
+        <p:cNvPr id="1" name=""/>
+        <p:cNvGrpSpPr/>
+        <p:nvPr/>
+      </p:nvGrpSpPr>
+      <p:grpSpPr>
+        <a:xfrm>
+          <a:off x="0" y="0"/>
+          <a:ext cx="0" cy="0"/>
+          <a:chOff x="0" y="0"/>
+          <a:chExt cx="0" cy="0"/>
+        </a:xfrm>
+      </p:grpSpPr>
+      <p:sp>
+        <p:nvSpPr>
+          <p:cNvPr id="9" name="Rectangle 8">
+            <a:extLst>
+              <a:ext uri="{FF2B5EF4-FFF2-40B4-BE49-F238E27FC236}">
+                <a16:creationId xmlns:a16="http://schemas.microsoft.com/office/drawing/2014/main" id="{C5E6CFF1-2F42-4E10-9A97-F116F46F53FE}"/>
+              </a:ext>
+              <a:ext uri="{C183D7F6-B498-43B3-948B-1728B52AA6E4}">
+                <adec:decorative xmlns:adec="http://schemas.microsoft.com/office/drawing/2017/decorative" val="1"/>
+              </a:ext>
+            </a:extLst>
+          </p:cNvPr>
+          <p:cNvSpPr>
+            <a:spLocks noGrp="1" noRot="1" noChangeAspect="1" noMove="1" noResize="1" noEditPoints="1" noAdjustHandles="1" noChangeArrowheads="1" noChangeShapeType="1" noTextEdit="1"/>
+          </p:cNvSpPr>
+          <p:nvPr>
+            <p:extLst>
+              <p:ext uri="{386F3935-93C4-4BCD-93E2-E3B085C9AB24}">
+                <p16:designElem xmlns:p16="http://schemas.microsoft.com/office/powerpoint/2015/main" val="1"/>
+              </p:ext>
+            </p:extLst>
+          </p:nvPr>
+        </p:nvSpPr>
+        <p:spPr>
+          <a:xfrm>
+            <a:off x="0" y="0"/>
+            <a:ext cx="12192000" cy="6858000"/>
+          </a:xfrm>
+          <a:prstGeom prst="rect">
+            <a:avLst/>
+          </a:prstGeom>
+          <a:solidFill>
+            <a:srgbClr val="000000"/>
+          </a:solidFill>
+          <a:ln>
+            <a:noFill/>
+          </a:ln>
+        </p:spPr>
+        <p:style>
+          <a:lnRef idx="2">
+            <a:schemeClr val="accent1">
+              <a:shade val="50000"/>
+            </a:schemeClr>
+          </a:lnRef>
+          <a:fillRef idx="1">
+            <a:schemeClr val="accent1"/>
+          </a:fillRef>
+          <a:effectRef idx="0">
+            <a:schemeClr val="accent1"/>
+          </a:effectRef>
+          <a:fontRef idx="minor">
+            <a:schemeClr val="lt1"/>
+          </a:fontRef>
+        </p:style>
+        <p:txBody>
+          <a:bodyPr rtlCol="0" anchor="ctr"/>
+          <a:lstStyle/>
+          <a:p>
+            <a:pPr algn="ctr"/>
+            <a:endParaRPr lang="en-US"/>
+          </a:p>
+        </p:txBody>
+      </p:sp>
+      <p:pic>
+        <p:nvPicPr>
+          <p:cNvPr id="5" name="Picture 4" descr="Abstract background of data">
+            <a:extLst>
+              <a:ext uri="{FF2B5EF4-FFF2-40B4-BE49-F238E27FC236}">
+                <a16:creationId xmlns:a16="http://schemas.microsoft.com/office/drawing/2014/main" id="{0543BEEE-9994-4B2D-9D8D-72BEE20E83D4}"/>
+              </a:ext>
+            </a:extLst>
+          </p:cNvPr>
+          <p:cNvPicPr>
+            <a:picLocks noChangeAspect="1"/>
+          </p:cNvPicPr>
+          <p:nvPr/>
+        </p:nvPicPr>
+        <p:blipFill rotWithShape="1">
+          <a:blip r:embed="rId2">
+            <a:alphaModFix amt="35000"/>
+          </a:blip>
+          <a:srcRect/>
+          <a:stretch/>
+        </p:blipFill>
+        <p:spPr>
+          <a:xfrm>
+            <a:off x="20" y="1"/>
+            <a:ext cx="12191980" cy="6857999"/>
+          </a:xfrm>
+          <a:prstGeom prst="rect">
+            <a:avLst/>
+          </a:prstGeom>
+        </p:spPr>
+      </p:pic>
+      <p:sp>
+        <p:nvSpPr>
+          <p:cNvPr id="2" name="Title 1">
+            <a:extLst>
+              <a:ext uri="{FF2B5EF4-FFF2-40B4-BE49-F238E27FC236}">
+                <a16:creationId xmlns:a16="http://schemas.microsoft.com/office/drawing/2014/main" id="{740E8CBE-2ECF-4DD4-A273-39194C89E598}"/>
+              </a:ext>
+            </a:extLst>
+          </p:cNvPr>
+          <p:cNvSpPr>
+            <a:spLocks noGrp="1"/>
+          </p:cNvSpPr>
+          <p:nvPr>
+            <p:ph type="title"/>
+          </p:nvPr>
+        </p:nvSpPr>
+        <p:spPr>
+          <a:xfrm>
+            <a:off x="838201" y="1065862"/>
+            <a:ext cx="3313164" cy="4726276"/>
+          </a:xfrm>
+        </p:spPr>
+        <p:txBody>
+          <a:bodyPr>
+            <a:normAutofit/>
+          </a:bodyPr>
+          <a:lstStyle/>
+          <a:p>
+            <a:pPr algn="r"/>
+            <a:r>
+              <a:rPr lang="en-US" sz="4000" dirty="0">
+                <a:solidFill>
+                  <a:srgbClr val="FFFFFF"/>
+                </a:solidFill>
+                <a:latin typeface="Bembo" panose="02020502050201020203" pitchFamily="18" charset="0"/>
+              </a:rPr>
+              <a:t>Ethereum Blockchain Advantages</a:t>
+            </a:r>
+          </a:p>
+        </p:txBody>
+      </p:sp>
+      <p:cxnSp>
+        <p:nvCxnSpPr>
+          <p:cNvPr id="11" name="Straight Connector 10">
+            <a:extLst>
+              <a:ext uri="{FF2B5EF4-FFF2-40B4-BE49-F238E27FC236}">
+                <a16:creationId xmlns:a16="http://schemas.microsoft.com/office/drawing/2014/main" id="{67182200-4859-4C8D-BCBB-55B245C28BA3}"/>
+              </a:ext>
+              <a:ext uri="{C183D7F6-B498-43B3-948B-1728B52AA6E4}">
+                <adec:decorative xmlns:adec="http://schemas.microsoft.com/office/drawing/2017/decorative" val="1"/>
+              </a:ext>
+            </a:extLst>
+          </p:cNvPr>
+          <p:cNvCxnSpPr>
+            <a:cxnSpLocks noGrp="1" noRot="1" noChangeAspect="1" noMove="1" noResize="1" noEditPoints="1" noAdjustHandles="1" noChangeArrowheads="1" noChangeShapeType="1"/>
+          </p:cNvCxnSpPr>
+          <p:nvPr>
+            <p:extLst>
+              <p:ext uri="{386F3935-93C4-4BCD-93E2-E3B085C9AB24}">
+                <p16:designElem xmlns:p16="http://schemas.microsoft.com/office/powerpoint/2015/main" val="1"/>
+              </p:ext>
+            </p:extLst>
+          </p:nvPr>
+        </p:nvCxnSpPr>
+        <p:spPr>
+          <a:xfrm>
+            <a:off x="4653372" y="2286000"/>
+            <a:ext cx="0" cy="2286000"/>
+          </a:xfrm>
+          <a:prstGeom prst="line">
+            <a:avLst/>
+          </a:prstGeom>
+          <a:ln w="15875">
+            <a:solidFill>
+              <a:srgbClr val="FFFFFF"/>
+            </a:solidFill>
+          </a:ln>
+        </p:spPr>
+        <p:style>
+          <a:lnRef idx="1">
+            <a:schemeClr val="accent1"/>
+          </a:lnRef>
+          <a:fillRef idx="0">
+            <a:schemeClr val="accent1"/>
+          </a:fillRef>
+          <a:effectRef idx="0">
+            <a:schemeClr val="accent1"/>
+          </a:effectRef>
+          <a:fontRef idx="minor">
+            <a:schemeClr val="tx1"/>
+          </a:fontRef>
+        </p:style>
+      </p:cxnSp>
+      <p:sp>
+        <p:nvSpPr>
+          <p:cNvPr id="3" name="Content Placeholder 2">
+            <a:extLst>
+              <a:ext uri="{FF2B5EF4-FFF2-40B4-BE49-F238E27FC236}">
+                <a16:creationId xmlns:a16="http://schemas.microsoft.com/office/drawing/2014/main" id="{97E093FD-075A-48CB-A3AB-8FCC71DF1E18}"/>
+              </a:ext>
+            </a:extLst>
+          </p:cNvPr>
+          <p:cNvSpPr>
+            <a:spLocks noGrp="1"/>
+          </p:cNvSpPr>
+          <p:nvPr>
+            <p:ph idx="1"/>
+          </p:nvPr>
+        </p:nvSpPr>
+        <p:spPr>
+          <a:xfrm>
+            <a:off x="5155379" y="1065862"/>
+            <a:ext cx="5744685" cy="4726276"/>
+          </a:xfrm>
+        </p:spPr>
+        <p:txBody>
+          <a:bodyPr anchor="ctr">
+            <a:normAutofit/>
+          </a:bodyPr>
+          <a:lstStyle/>
+          <a:p>
+            <a:r>
+              <a:rPr lang="en-US" sz="2000" dirty="0">
+                <a:solidFill>
+                  <a:srgbClr val="FFFFFF"/>
+                </a:solidFill>
+                <a:latin typeface="Bembo" panose="02020502050201020203" pitchFamily="18" charset="0"/>
+              </a:rPr>
+              <a:t>Data coordination (Decentralized System)</a:t>
+            </a:r>
+          </a:p>
+          <a:p>
+            <a:r>
+              <a:rPr lang="en-US" sz="2000" dirty="0">
+                <a:solidFill>
+                  <a:srgbClr val="FFFFFF"/>
+                </a:solidFill>
+                <a:latin typeface="Bembo" panose="02020502050201020203" pitchFamily="18" charset="0"/>
+              </a:rPr>
+              <a:t>Rapid contract deployment </a:t>
+            </a:r>
+          </a:p>
+          <a:p>
+            <a:r>
+              <a:rPr lang="en-US" sz="2000" dirty="0">
+                <a:solidFill>
+                  <a:srgbClr val="FFFFFF"/>
+                </a:solidFill>
+                <a:latin typeface="Bembo" panose="02020502050201020203" pitchFamily="18" charset="0"/>
+              </a:rPr>
+              <a:t>Access in test networks</a:t>
+            </a:r>
+          </a:p>
+          <a:p>
+            <a:r>
+              <a:rPr lang="en-US" sz="2000" dirty="0">
+                <a:solidFill>
+                  <a:srgbClr val="FFFFFF"/>
+                </a:solidFill>
+                <a:latin typeface="Bembo" panose="02020502050201020203" pitchFamily="18" charset="0"/>
+              </a:rPr>
+              <a:t>Finality </a:t>
+            </a:r>
+          </a:p>
+          <a:p>
+            <a:r>
+              <a:rPr lang="en-US" sz="2000" dirty="0">
+                <a:solidFill>
+                  <a:srgbClr val="FFFFFF"/>
+                </a:solidFill>
+                <a:latin typeface="Bembo" panose="02020502050201020203" pitchFamily="18" charset="0"/>
+              </a:rPr>
+              <a:t>Tokenization of assets (e.g.  Cards and other game objects)</a:t>
+            </a:r>
+          </a:p>
+          <a:p>
+            <a:r>
+              <a:rPr lang="en-US" sz="2000" dirty="0">
+                <a:solidFill>
+                  <a:srgbClr val="FFFFFF"/>
+                </a:solidFill>
+                <a:latin typeface="Bembo" panose="02020502050201020203" pitchFamily="18" charset="0"/>
+              </a:rPr>
+              <a:t>Has its own programming language that is being executed on the Blockchain and allows development and execution of Dapps </a:t>
+            </a:r>
+          </a:p>
+        </p:txBody>
+      </p:sp>
+    </p:spTree>
+    <p:extLst>
+      <p:ext uri="{BB962C8B-B14F-4D97-AF65-F5344CB8AC3E}">
+        <p14:creationId xmlns:p14="http://schemas.microsoft.com/office/powerpoint/2010/main" val="2209730563"/>
+      </p:ext>
+    </p:extLst>
+  </p:cSld>
+  <p:clrMapOvr>
+    <a:overrideClrMapping bg1="dk1" tx1="lt1" bg2="dk2" tx2="lt2" accent1="accent1" accent2="accent2" accent3="accent3" accent4="accent4" accent5="accent5" accent6="accent6" hlink="hlink" folHlink="folHlink"/>
+  </p:clrMapOvr>
+  <mc:AlternateContent xmlns:mc="http://schemas.openxmlformats.org/markup-compatibility/2006">
+    <mc:Choice xmlns:p159="http://schemas.microsoft.com/office/powerpoint/2015/09/main" Requires="p159">
+      <p:transition xmlns:p14="http://schemas.microsoft.com/office/powerpoint/2010/main" spd="slow" p14:dur="2000">
+        <p159:morph option="byObject"/>
+      </p:transition>
+    </mc:Choice>
+    <mc:Fallback>
+      <p:transition spd="slow">
+        <p:fade/>
+      </p:transition>
+    </mc:Fallback>
+  </mc:AlternateContent>
+  <p:timing>
+    <p:tnLst>
+      <p:par>
+        <p:cTn id="1" dur="indefinite" restart="never" nodeType="tmRoot">
+          <p:childTnLst>
+            <p:seq concurrent="1" nextAc="seek">
+              <p:cTn id="2" dur="indefinite" nodeType="mainSeq">
+                <p:childTnLst>
+                  <p:par>
+                    <p:cTn id="3" fill="hold">
+                      <p:stCondLst>
+                        <p:cond delay="indefinite"/>
+                      </p:stCondLst>
+                      <p:childTnLst>
+                        <p:par>
+                          <p:cTn id="4" fill="hold">
+                            <p:stCondLst>
+                              <p:cond delay="0"/>
+                            </p:stCondLst>
+                            <p:childTnLst>
+                              <p:par>
+                                <p:cTn id="5" presetID="42" presetClass="entr" presetSubtype="0" fill="hold" grpId="0" nodeType="clickEffect">
+                                  <p:stCondLst>
+                                    <p:cond delay="0"/>
+                                  </p:stCondLst>
+                                  <p:childTnLst>
+                                    <p:set>
+                                      <p:cBhvr>
+                                        <p:cTn id="6" dur="1" fill="hold">
+                                          <p:stCondLst>
+                                            <p:cond delay="0"/>
+                                          </p:stCondLst>
+                                        </p:cTn>
+                                        <p:tgtEl>
+                                          <p:spTgt spid="2"/>
+                                        </p:tgtEl>
+                                        <p:attrNameLst>
+                                          <p:attrName>style.visibility</p:attrName>
+                                        </p:attrNameLst>
+                                      </p:cBhvr>
+                                      <p:to>
+                                        <p:strVal val="visible"/>
+                                      </p:to>
+                                    </p:set>
+                                    <p:animEffect transition="in" filter="fade">
+                                      <p:cBhvr>
+                                        <p:cTn id="7" dur="1000"/>
+                                        <p:tgtEl>
+                                          <p:spTgt spid="2"/>
+                                        </p:tgtEl>
+                                      </p:cBhvr>
+                                    </p:animEffect>
+                                    <p:anim calcmode="lin" valueType="num">
+                                      <p:cBhvr>
+                                        <p:cTn id="8" dur="1000" fill="hold"/>
+                                        <p:tgtEl>
+                                          <p:spTgt spid="2"/>
+                                        </p:tgtEl>
+                                        <p:attrNameLst>
+                                          <p:attrName>ppt_x</p:attrName>
+                                        </p:attrNameLst>
+                                      </p:cBhvr>
+                                      <p:tavLst>
+                                        <p:tav tm="0">
+                                          <p:val>
+                                            <p:strVal val="#ppt_x"/>
+                                          </p:val>
+                                        </p:tav>
+                                        <p:tav tm="100000">
+                                          <p:val>
+                                            <p:strVal val="#ppt_x"/>
+                                          </p:val>
+                                        </p:tav>
+                                      </p:tavLst>
+                                    </p:anim>
+                                    <p:anim calcmode="lin" valueType="num">
+                                      <p:cBhvr>
+                                        <p:cTn id="9" dur="1000" fill="hold"/>
+                                        <p:tgtEl>
+                                          <p:spTgt spid="2"/>
+                                        </p:tgtEl>
+                                        <p:attrNameLst>
+                                          <p:attrName>ppt_y</p:attrName>
+                                        </p:attrNameLst>
+                                      </p:cBhvr>
+                                      <p:tavLst>
+                                        <p:tav tm="0">
+                                          <p:val>
+                                            <p:strVal val="#ppt_y+.1"/>
+                                          </p:val>
+                                        </p:tav>
+                                        <p:tav tm="100000">
+                                          <p:val>
+                                            <p:strVal val="#ppt_y"/>
+                                          </p:val>
+                                        </p:tav>
+                                      </p:tavLst>
+                                    </p:anim>
+                                  </p:childTnLst>
+                                </p:cTn>
+                              </p:par>
+                            </p:childTnLst>
+                          </p:cTn>
+                        </p:par>
+                      </p:childTnLst>
+                    </p:cTn>
+                  </p:par>
+                  <p:par>
+                    <p:cTn id="10" fill="hold">
+                      <p:stCondLst>
+                        <p:cond delay="indefinite"/>
+                      </p:stCondLst>
+                      <p:childTnLst>
+                        <p:par>
+                          <p:cTn id="11" fill="hold">
+                            <p:stCondLst>
+                              <p:cond delay="0"/>
+                            </p:stCondLst>
+                            <p:childTnLst>
+                              <p:par>
+                                <p:cTn id="12" presetID="22" presetClass="entr" presetSubtype="4" fill="hold" grpId="0" nodeType="clickEffect">
+                                  <p:stCondLst>
+                                    <p:cond delay="0"/>
+                                  </p:stCondLst>
+                                  <p:childTnLst>
+                                    <p:set>
+                                      <p:cBhvr>
+                                        <p:cTn id="13" dur="1" fill="hold">
+                                          <p:stCondLst>
+                                            <p:cond delay="0"/>
+                                          </p:stCondLst>
+                                        </p:cTn>
+                                        <p:tgtEl>
+                                          <p:spTgt spid="3">
+                                            <p:txEl>
+                                              <p:pRg st="0" end="0"/>
+                                            </p:txEl>
+                                          </p:spTgt>
+                                        </p:tgtEl>
+                                        <p:attrNameLst>
+                                          <p:attrName>style.visibility</p:attrName>
+                                        </p:attrNameLst>
+                                      </p:cBhvr>
+                                      <p:to>
+                                        <p:strVal val="visible"/>
+                                      </p:to>
+                                    </p:set>
+                                    <p:animEffect transition="in" filter="wipe(down)">
+                                      <p:cBhvr>
+                                        <p:cTn id="14" dur="500"/>
+                                        <p:tgtEl>
+                                          <p:spTgt spid="3">
+                                            <p:txEl>
+                                              <p:pRg st="0" end="0"/>
+                                            </p:txEl>
+                                          </p:spTgt>
+                                        </p:tgtEl>
+                                      </p:cBhvr>
+                                    </p:animEffect>
+                                  </p:childTnLst>
+                                </p:cTn>
+                              </p:par>
+                            </p:childTnLst>
+                          </p:cTn>
+                        </p:par>
+                      </p:childTnLst>
+                    </p:cTn>
+                  </p:par>
+                  <p:par>
+                    <p:cTn id="15" fill="hold">
+                      <p:stCondLst>
+                        <p:cond delay="indefinite"/>
+                      </p:stCondLst>
+                      <p:childTnLst>
+                        <p:par>
+                          <p:cTn id="16" fill="hold">
+                            <p:stCondLst>
+                              <p:cond delay="0"/>
+                            </p:stCondLst>
+                            <p:childTnLst>
+                              <p:par>
+                                <p:cTn id="17" presetID="22" presetClass="entr" presetSubtype="4" fill="hold" grpId="0" nodeType="clickEffect">
+                                  <p:stCondLst>
+                                    <p:cond delay="0"/>
+                                  </p:stCondLst>
+                                  <p:childTnLst>
+                                    <p:set>
+                                      <p:cBhvr>
+                                        <p:cTn id="18" dur="1" fill="hold">
+                                          <p:stCondLst>
+                                            <p:cond delay="0"/>
+                                          </p:stCondLst>
+                                        </p:cTn>
+                                        <p:tgtEl>
+                                          <p:spTgt spid="3">
+                                            <p:txEl>
+                                              <p:pRg st="1" end="1"/>
+                                            </p:txEl>
+                                          </p:spTgt>
+                                        </p:tgtEl>
+                                        <p:attrNameLst>
+                                          <p:attrName>style.visibility</p:attrName>
+                                        </p:attrNameLst>
+                                      </p:cBhvr>
+                                      <p:to>
+                                        <p:strVal val="visible"/>
+                                      </p:to>
+                                    </p:set>
+                                    <p:animEffect transition="in" filter="wipe(down)">
+                                      <p:cBhvr>
+                                        <p:cTn id="19" dur="500"/>
+                                        <p:tgtEl>
+                                          <p:spTgt spid="3">
+                                            <p:txEl>
+                                              <p:pRg st="1" end="1"/>
+                                            </p:txEl>
+                                          </p:spTgt>
+                                        </p:tgtEl>
+                                      </p:cBhvr>
+                                    </p:animEffect>
+                                  </p:childTnLst>
+                                </p:cTn>
+                              </p:par>
+                            </p:childTnLst>
+                          </p:cTn>
+                        </p:par>
+                      </p:childTnLst>
+                    </p:cTn>
+                  </p:par>
+                  <p:par>
+                    <p:cTn id="20" fill="hold">
+                      <p:stCondLst>
+                        <p:cond delay="indefinite"/>
+                      </p:stCondLst>
+                      <p:childTnLst>
+                        <p:par>
+                          <p:cTn id="21" fill="hold">
+                            <p:stCondLst>
+                              <p:cond delay="0"/>
+                            </p:stCondLst>
+                            <p:childTnLst>
+                              <p:par>
+                                <p:cTn id="22" presetID="22" presetClass="entr" presetSubtype="4" fill="hold" grpId="0" nodeType="clickEffect">
+                                  <p:stCondLst>
+                                    <p:cond delay="0"/>
+                                  </p:stCondLst>
+                                  <p:childTnLst>
+                                    <p:set>
+                                      <p:cBhvr>
+                                        <p:cTn id="23" dur="1" fill="hold">
+                                          <p:stCondLst>
+                                            <p:cond delay="0"/>
+                                          </p:stCondLst>
+                                        </p:cTn>
+                                        <p:tgtEl>
+                                          <p:spTgt spid="3">
+                                            <p:txEl>
+                                              <p:pRg st="2" end="2"/>
+                                            </p:txEl>
+                                          </p:spTgt>
+                                        </p:tgtEl>
+                                        <p:attrNameLst>
+                                          <p:attrName>style.visibility</p:attrName>
+                                        </p:attrNameLst>
+                                      </p:cBhvr>
+                                      <p:to>
+                                        <p:strVal val="visible"/>
+                                      </p:to>
+                                    </p:set>
+                                    <p:animEffect transition="in" filter="wipe(down)">
+                                      <p:cBhvr>
+                                        <p:cTn id="24" dur="500"/>
+                                        <p:tgtEl>
+                                          <p:spTgt spid="3">
+                                            <p:txEl>
+                                              <p:pRg st="2" end="2"/>
+                                            </p:txEl>
+                                          </p:spTgt>
+                                        </p:tgtEl>
+                                      </p:cBhvr>
+                                    </p:animEffect>
+                                  </p:childTnLst>
+                                </p:cTn>
+                              </p:par>
+                            </p:childTnLst>
+                          </p:cTn>
+                        </p:par>
+                      </p:childTnLst>
+                    </p:cTn>
+                  </p:par>
+                  <p:par>
+                    <p:cTn id="25" fill="hold">
+                      <p:stCondLst>
+                        <p:cond delay="indefinite"/>
+                      </p:stCondLst>
+                      <p:childTnLst>
+                        <p:par>
+                          <p:cTn id="26" fill="hold">
+                            <p:stCondLst>
+                              <p:cond delay="0"/>
+                            </p:stCondLst>
+                            <p:childTnLst>
+                              <p:par>
+                                <p:cTn id="27" presetID="22" presetClass="entr" presetSubtype="4" fill="hold" grpId="0" nodeType="clickEffect">
+                                  <p:stCondLst>
+                                    <p:cond delay="0"/>
+                                  </p:stCondLst>
+                                  <p:childTnLst>
+                                    <p:set>
+                                      <p:cBhvr>
+                                        <p:cTn id="28" dur="1" fill="hold">
+                                          <p:stCondLst>
+                                            <p:cond delay="0"/>
+                                          </p:stCondLst>
+                                        </p:cTn>
+                                        <p:tgtEl>
+                                          <p:spTgt spid="3">
+                                            <p:txEl>
+                                              <p:pRg st="3" end="3"/>
+                                            </p:txEl>
+                                          </p:spTgt>
+                                        </p:tgtEl>
+                                        <p:attrNameLst>
+                                          <p:attrName>style.visibility</p:attrName>
+                                        </p:attrNameLst>
+                                      </p:cBhvr>
+                                      <p:to>
+                                        <p:strVal val="visible"/>
+                                      </p:to>
+                                    </p:set>
+                                    <p:animEffect transition="in" filter="wipe(down)">
+                                      <p:cBhvr>
+                                        <p:cTn id="29" dur="500"/>
+                                        <p:tgtEl>
+                                          <p:spTgt spid="3">
+                                            <p:txEl>
+                                              <p:pRg st="3" end="3"/>
+                                            </p:txEl>
+                                          </p:spTgt>
+                                        </p:tgtEl>
+                                      </p:cBhvr>
+                                    </p:animEffect>
+                                  </p:childTnLst>
+                                </p:cTn>
+                              </p:par>
+                            </p:childTnLst>
+                          </p:cTn>
+                        </p:par>
+                      </p:childTnLst>
+                    </p:cTn>
+                  </p:par>
+                  <p:par>
+                    <p:cTn id="30" fill="hold">
+                      <p:stCondLst>
+                        <p:cond delay="indefinite"/>
+                      </p:stCondLst>
+                      <p:childTnLst>
+                        <p:par>
+                          <p:cTn id="31" fill="hold">
+                            <p:stCondLst>
+                              <p:cond delay="0"/>
+                            </p:stCondLst>
+                            <p:childTnLst>
+                              <p:par>
+                                <p:cTn id="32" presetID="22" presetClass="entr" presetSubtype="4" fill="hold" grpId="0" nodeType="clickEffect">
+                                  <p:stCondLst>
+                                    <p:cond delay="0"/>
+                                  </p:stCondLst>
+                                  <p:childTnLst>
+                                    <p:set>
+                                      <p:cBhvr>
+                                        <p:cTn id="33" dur="1" fill="hold">
+                                          <p:stCondLst>
+                                            <p:cond delay="0"/>
+                                          </p:stCondLst>
+                                        </p:cTn>
+                                        <p:tgtEl>
+                                          <p:spTgt spid="3">
+                                            <p:txEl>
+                                              <p:pRg st="4" end="4"/>
+                                            </p:txEl>
+                                          </p:spTgt>
+                                        </p:tgtEl>
+                                        <p:attrNameLst>
+                                          <p:attrName>style.visibility</p:attrName>
+                                        </p:attrNameLst>
+                                      </p:cBhvr>
+                                      <p:to>
+                                        <p:strVal val="visible"/>
+                                      </p:to>
+                                    </p:set>
+                                    <p:animEffect transition="in" filter="wipe(down)">
+                                      <p:cBhvr>
+                                        <p:cTn id="34" dur="500"/>
+                                        <p:tgtEl>
+                                          <p:spTgt spid="3">
+                                            <p:txEl>
+                                              <p:pRg st="4" end="4"/>
+                                            </p:txEl>
+                                          </p:spTgt>
+                                        </p:tgtEl>
+                                      </p:cBhvr>
+                                    </p:animEffect>
+                                  </p:childTnLst>
+                                </p:cTn>
+                              </p:par>
+                            </p:childTnLst>
+                          </p:cTn>
+                        </p:par>
+                      </p:childTnLst>
+                    </p:cTn>
+                  </p:par>
+                  <p:par>
+                    <p:cTn id="35" fill="hold">
+                      <p:stCondLst>
+                        <p:cond delay="indefinite"/>
+                      </p:stCondLst>
+                      <p:childTnLst>
+                        <p:par>
+                          <p:cTn id="36" fill="hold">
+                            <p:stCondLst>
+                              <p:cond delay="0"/>
+                            </p:stCondLst>
+                            <p:childTnLst>
+                              <p:par>
+                                <p:cTn id="37" presetID="22" presetClass="entr" presetSubtype="4" fill="hold" grpId="0" nodeType="clickEffect">
+                                  <p:stCondLst>
+                                    <p:cond delay="0"/>
+                                  </p:stCondLst>
+                                  <p:childTnLst>
+                                    <p:set>
+                                      <p:cBhvr>
+                                        <p:cTn id="38" dur="1" fill="hold">
+                                          <p:stCondLst>
+                                            <p:cond delay="0"/>
+                                          </p:stCondLst>
+                                        </p:cTn>
+                                        <p:tgtEl>
+                                          <p:spTgt spid="3">
+                                            <p:txEl>
+                                              <p:pRg st="5" end="5"/>
+                                            </p:txEl>
+                                          </p:spTgt>
+                                        </p:tgtEl>
+                                        <p:attrNameLst>
+                                          <p:attrName>style.visibility</p:attrName>
+                                        </p:attrNameLst>
+                                      </p:cBhvr>
+                                      <p:to>
+                                        <p:strVal val="visible"/>
+                                      </p:to>
+                                    </p:set>
+                                    <p:animEffect transition="in" filter="wipe(down)">
+                                      <p:cBhvr>
+                                        <p:cTn id="39" dur="500"/>
+                                        <p:tgtEl>
+                                          <p:spTgt spid="3">
+                                            <p:txEl>
+                                              <p:pRg st="5" end="5"/>
+                                            </p:txEl>
+                                          </p:spTgt>
+                                        </p:tgtEl>
+                                      </p:cBhvr>
+                                    </p:animEffect>
+                                  </p:childTnLst>
+                                </p:cTn>
+                              </p:par>
+                            </p:childTnLst>
+                          </p:cTn>
+                        </p:par>
+                      </p:childTnLst>
+                    </p:cTn>
+                  </p:par>
+                </p:childTnLst>
+              </p:cTn>
+              <p:prevCondLst>
+                <p:cond evt="onPrev" delay="0">
+                  <p:tgtEl>
+                    <p:sldTgt/>
+                  </p:tgtEl>
+                </p:cond>
+              </p:prevCondLst>
+              <p:nextCondLst>
+                <p:cond evt="onNext" delay="0">
+                  <p:tgtEl>
+                    <p:sldTgt/>
+                  </p:tgtEl>
+                </p:cond>
+              </p:nextCondLst>
+            </p:seq>
+          </p:childTnLst>
+        </p:cTn>
+      </p:par>
+    </p:tnLst>
+    <p:bldLst>
+      <p:bldP spid="2" grpId="0"/>
+      <p:bldP spid="3" grpId="0" build="p"/>
+    </p:bldLst>
+  </p:timing>
+</p:sld>
+</file>
+
+<file path=ppt/slides/slide5.xml><?xml version="1.0" encoding="utf-8"?>
 <p:sld xmlns:a="http://schemas.openxmlformats.org/drawingml/2006/main" xmlns:r="http://schemas.openxmlformats.org/officeDocument/2006/relationships" xmlns:p="http://schemas.openxmlformats.org/presentationml/2006/main">
   <p:cSld>
     <p:bg>
@@ -19307,13 +20584,13 @@
   <p:clrMapOvr>
     <a:overrideClrMapping bg1="dk1" tx1="lt1" bg2="dk2" tx2="lt2" accent1="accent1" accent2="accent2" accent3="accent3" accent4="accent4" accent5="accent5" accent6="accent6" hlink="hlink" folHlink="folHlink"/>
   </p:clrMapOvr>
-  <mc:AlternateContent xmlns:mc="http://schemas.openxmlformats.org/markup-compatibility/2006">
-    <mc:Choice xmlns:p159="http://schemas.microsoft.com/office/powerpoint/2015/09/main" Requires="p159">
+  <mc:AlternateContent xmlns:mc="http://schemas.openxmlformats.org/markup-compatibility/2006" xmlns:p159="http://schemas.microsoft.com/office/powerpoint/2015/09/main">
+    <mc:Choice Requires="p159">
       <p:transition xmlns:p14="http://schemas.microsoft.com/office/powerpoint/2010/main" spd="slow" p14:dur="2000">
         <p159:morph option="byObject"/>
       </p:transition>
     </mc:Choice>
-    <mc:Fallback>
+    <mc:Fallback xmlns="">
       <p:transition spd="slow">
         <p:fade/>
       </p:transition>
@@ -19439,7 +20716,7 @@
                             </p:stCondLst>
                             <p:childTnLst>
                               <p:par>
-                                <p:cTn id="12" presetID="42" presetClass="entr" presetSubtype="0" fill="hold" nodeType="clickEffect">
+                                <p:cTn id="12" presetID="22" presetClass="entr" presetSubtype="4" fill="hold" grpId="0" nodeType="clickEffect">
                                   <p:stCondLst>
                                     <p:cond delay="0"/>
                                   </p:stCondLst>
@@ -19466,9 +20743,9 @@
                                         <p:strVal val="visible"/>
                                       </p:to>
                                     </p:set>
-                                    <p:animEffect transition="in" filter="fade">
+                                    <p:animEffect transition="in" filter="wipe(down)">
                                       <p:cBhvr>
-                                        <p:cTn id="14" dur="1000"/>
+                                        <p:cTn id="14" dur="500"/>
                                         <p:tgtEl>
                                           <p:spTgt spid="26">
                                             <p:txEl>
@@ -19478,65 +20755,29 @@
                                         </p:tgtEl>
                                       </p:cBhvr>
                                     </p:animEffect>
-                                    <p:anim calcmode="lin" valueType="num">
-                                      <p:cBhvr>
-                                        <p:cTn id="15" dur="1000" fill="hold"/>
-                                        <p:tgtEl>
-                                          <p:spTgt spid="26">
-                                            <p:txEl>
-                                              <p:pRg st="0" end="0"/>
-                                            </p:txEl>
-                                          </p:spTgt>
-                                        </p:tgtEl>
-                                        <p:attrNameLst>
-                                          <p:attrName>ppt_x</p:attrName>
-                                        </p:attrNameLst>
-                                      </p:cBhvr>
-                                      <p:tavLst>
-                                        <p:tav tm="0">
-                                          <p:val>
-                                            <p:strVal val="#ppt_x"/>
-                                          </p:val>
-                                        </p:tav>
-                                        <p:tav tm="100000">
-                                          <p:val>
-                                            <p:strVal val="#ppt_x"/>
-                                          </p:val>
-                                        </p:tav>
-                                      </p:tavLst>
-                                    </p:anim>
-                                    <p:anim calcmode="lin" valueType="num">
-                                      <p:cBhvr>
-                                        <p:cTn id="16" dur="1000" fill="hold"/>
-                                        <p:tgtEl>
-                                          <p:spTgt spid="26">
-                                            <p:txEl>
-                                              <p:pRg st="0" end="0"/>
-                                            </p:txEl>
-                                          </p:spTgt>
-                                        </p:tgtEl>
-                                        <p:attrNameLst>
-                                          <p:attrName>ppt_y</p:attrName>
-                                        </p:attrNameLst>
-                                      </p:cBhvr>
-                                      <p:tavLst>
-                                        <p:tav tm="0">
-                                          <p:val>
-                                            <p:strVal val="#ppt_y+.1"/>
-                                          </p:val>
-                                        </p:tav>
-                                        <p:tav tm="100000">
-                                          <p:val>
-                                            <p:strVal val="#ppt_y"/>
-                                          </p:val>
-                                        </p:tav>
-                                      </p:tavLst>
-                                    </p:anim>
                                   </p:childTnLst>
                                 </p:cTn>
                               </p:par>
+                            </p:childTnLst>
+                          </p:cTn>
+                        </p:par>
+                      </p:childTnLst>
+                    </p:cTn>
+                  </p:par>
+                  <p:par>
+                    <p:cTn id="15" fill="hold">
+                      <p:stCondLst>
+                        <p:cond delay="indefinite"/>
+                      </p:stCondLst>
+                      <p:childTnLst>
+                        <p:par>
+                          <p:cTn id="16" fill="hold">
+                            <p:stCondLst>
+                              <p:cond delay="0"/>
+                            </p:stCondLst>
+                            <p:childTnLst>
                               <p:par>
-                                <p:cTn id="17" presetID="42" presetClass="entr" presetSubtype="0" fill="hold" nodeType="withEffect">
+                                <p:cTn id="17" presetID="22" presetClass="entr" presetSubtype="4" fill="hold" grpId="0" nodeType="clickEffect">
                                   <p:stCondLst>
                                     <p:cond delay="0"/>
                                   </p:stCondLst>
@@ -19563,9 +20804,9 @@
                                         <p:strVal val="visible"/>
                                       </p:to>
                                     </p:set>
-                                    <p:animEffect transition="in" filter="fade">
+                                    <p:animEffect transition="in" filter="wipe(down)">
                                       <p:cBhvr>
-                                        <p:cTn id="19" dur="1000"/>
+                                        <p:cTn id="19" dur="500"/>
                                         <p:tgtEl>
                                           <p:spTgt spid="26">
                                             <p:txEl>
@@ -19575,65 +20816,29 @@
                                         </p:tgtEl>
                                       </p:cBhvr>
                                     </p:animEffect>
-                                    <p:anim calcmode="lin" valueType="num">
-                                      <p:cBhvr>
-                                        <p:cTn id="20" dur="1000" fill="hold"/>
-                                        <p:tgtEl>
-                                          <p:spTgt spid="26">
-                                            <p:txEl>
-                                              <p:pRg st="1" end="1"/>
-                                            </p:txEl>
-                                          </p:spTgt>
-                                        </p:tgtEl>
-                                        <p:attrNameLst>
-                                          <p:attrName>ppt_x</p:attrName>
-                                        </p:attrNameLst>
-                                      </p:cBhvr>
-                                      <p:tavLst>
-                                        <p:tav tm="0">
-                                          <p:val>
-                                            <p:strVal val="#ppt_x"/>
-                                          </p:val>
-                                        </p:tav>
-                                        <p:tav tm="100000">
-                                          <p:val>
-                                            <p:strVal val="#ppt_x"/>
-                                          </p:val>
-                                        </p:tav>
-                                      </p:tavLst>
-                                    </p:anim>
-                                    <p:anim calcmode="lin" valueType="num">
-                                      <p:cBhvr>
-                                        <p:cTn id="21" dur="1000" fill="hold"/>
-                                        <p:tgtEl>
-                                          <p:spTgt spid="26">
-                                            <p:txEl>
-                                              <p:pRg st="1" end="1"/>
-                                            </p:txEl>
-                                          </p:spTgt>
-                                        </p:tgtEl>
-                                        <p:attrNameLst>
-                                          <p:attrName>ppt_y</p:attrName>
-                                        </p:attrNameLst>
-                                      </p:cBhvr>
-                                      <p:tavLst>
-                                        <p:tav tm="0">
-                                          <p:val>
-                                            <p:strVal val="#ppt_y+.1"/>
-                                          </p:val>
-                                        </p:tav>
-                                        <p:tav tm="100000">
-                                          <p:val>
-                                            <p:strVal val="#ppt_y"/>
-                                          </p:val>
-                                        </p:tav>
-                                      </p:tavLst>
-                                    </p:anim>
                                   </p:childTnLst>
                                 </p:cTn>
                               </p:par>
+                            </p:childTnLst>
+                          </p:cTn>
+                        </p:par>
+                      </p:childTnLst>
+                    </p:cTn>
+                  </p:par>
+                  <p:par>
+                    <p:cTn id="20" fill="hold">
+                      <p:stCondLst>
+                        <p:cond delay="indefinite"/>
+                      </p:stCondLst>
+                      <p:childTnLst>
+                        <p:par>
+                          <p:cTn id="21" fill="hold">
+                            <p:stCondLst>
+                              <p:cond delay="0"/>
+                            </p:stCondLst>
+                            <p:childTnLst>
                               <p:par>
-                                <p:cTn id="22" presetID="42" presetClass="entr" presetSubtype="0" fill="hold" nodeType="withEffect">
+                                <p:cTn id="22" presetID="22" presetClass="entr" presetSubtype="4" fill="hold" grpId="0" nodeType="clickEffect">
                                   <p:stCondLst>
                                     <p:cond delay="0"/>
                                   </p:stCondLst>
@@ -19660,9 +20865,9 @@
                                         <p:strVal val="visible"/>
                                       </p:to>
                                     </p:set>
-                                    <p:animEffect transition="in" filter="fade">
+                                    <p:animEffect transition="in" filter="wipe(down)">
                                       <p:cBhvr>
-                                        <p:cTn id="24" dur="1000"/>
+                                        <p:cTn id="24" dur="500"/>
                                         <p:tgtEl>
                                           <p:spTgt spid="26">
                                             <p:txEl>
@@ -19672,65 +20877,29 @@
                                         </p:tgtEl>
                                       </p:cBhvr>
                                     </p:animEffect>
-                                    <p:anim calcmode="lin" valueType="num">
-                                      <p:cBhvr>
-                                        <p:cTn id="25" dur="1000" fill="hold"/>
-                                        <p:tgtEl>
-                                          <p:spTgt spid="26">
-                                            <p:txEl>
-                                              <p:pRg st="2" end="2"/>
-                                            </p:txEl>
-                                          </p:spTgt>
-                                        </p:tgtEl>
-                                        <p:attrNameLst>
-                                          <p:attrName>ppt_x</p:attrName>
-                                        </p:attrNameLst>
-                                      </p:cBhvr>
-                                      <p:tavLst>
-                                        <p:tav tm="0">
-                                          <p:val>
-                                            <p:strVal val="#ppt_x"/>
-                                          </p:val>
-                                        </p:tav>
-                                        <p:tav tm="100000">
-                                          <p:val>
-                                            <p:strVal val="#ppt_x"/>
-                                          </p:val>
-                                        </p:tav>
-                                      </p:tavLst>
-                                    </p:anim>
-                                    <p:anim calcmode="lin" valueType="num">
-                                      <p:cBhvr>
-                                        <p:cTn id="26" dur="1000" fill="hold"/>
-                                        <p:tgtEl>
-                                          <p:spTgt spid="26">
-                                            <p:txEl>
-                                              <p:pRg st="2" end="2"/>
-                                            </p:txEl>
-                                          </p:spTgt>
-                                        </p:tgtEl>
-                                        <p:attrNameLst>
-                                          <p:attrName>ppt_y</p:attrName>
-                                        </p:attrNameLst>
-                                      </p:cBhvr>
-                                      <p:tavLst>
-                                        <p:tav tm="0">
-                                          <p:val>
-                                            <p:strVal val="#ppt_y+.1"/>
-                                          </p:val>
-                                        </p:tav>
-                                        <p:tav tm="100000">
-                                          <p:val>
-                                            <p:strVal val="#ppt_y"/>
-                                          </p:val>
-                                        </p:tav>
-                                      </p:tavLst>
-                                    </p:anim>
                                   </p:childTnLst>
                                 </p:cTn>
                               </p:par>
+                            </p:childTnLst>
+                          </p:cTn>
+                        </p:par>
+                      </p:childTnLst>
+                    </p:cTn>
+                  </p:par>
+                  <p:par>
+                    <p:cTn id="25" fill="hold">
+                      <p:stCondLst>
+                        <p:cond delay="indefinite"/>
+                      </p:stCondLst>
+                      <p:childTnLst>
+                        <p:par>
+                          <p:cTn id="26" fill="hold">
+                            <p:stCondLst>
+                              <p:cond delay="0"/>
+                            </p:stCondLst>
+                            <p:childTnLst>
                               <p:par>
-                                <p:cTn id="27" presetID="42" presetClass="entr" presetSubtype="0" fill="hold" nodeType="withEffect">
+                                <p:cTn id="27" presetID="22" presetClass="entr" presetSubtype="4" fill="hold" grpId="0" nodeType="clickEffect">
                                   <p:stCondLst>
                                     <p:cond delay="0"/>
                                   </p:stCondLst>
@@ -19757,9 +20926,9 @@
                                         <p:strVal val="visible"/>
                                       </p:to>
                                     </p:set>
-                                    <p:animEffect transition="in" filter="fade">
+                                    <p:animEffect transition="in" filter="wipe(down)">
                                       <p:cBhvr>
-                                        <p:cTn id="29" dur="1000"/>
+                                        <p:cTn id="29" dur="500"/>
                                         <p:tgtEl>
                                           <p:spTgt spid="26">
                                             <p:txEl>
@@ -19769,60 +20938,6 @@
                                         </p:tgtEl>
                                       </p:cBhvr>
                                     </p:animEffect>
-                                    <p:anim calcmode="lin" valueType="num">
-                                      <p:cBhvr>
-                                        <p:cTn id="30" dur="1000" fill="hold"/>
-                                        <p:tgtEl>
-                                          <p:spTgt spid="26">
-                                            <p:txEl>
-                                              <p:pRg st="3" end="3"/>
-                                            </p:txEl>
-                                          </p:spTgt>
-                                        </p:tgtEl>
-                                        <p:attrNameLst>
-                                          <p:attrName>ppt_x</p:attrName>
-                                        </p:attrNameLst>
-                                      </p:cBhvr>
-                                      <p:tavLst>
-                                        <p:tav tm="0">
-                                          <p:val>
-                                            <p:strVal val="#ppt_x"/>
-                                          </p:val>
-                                        </p:tav>
-                                        <p:tav tm="100000">
-                                          <p:val>
-                                            <p:strVal val="#ppt_x"/>
-                                          </p:val>
-                                        </p:tav>
-                                      </p:tavLst>
-                                    </p:anim>
-                                    <p:anim calcmode="lin" valueType="num">
-                                      <p:cBhvr>
-                                        <p:cTn id="31" dur="1000" fill="hold"/>
-                                        <p:tgtEl>
-                                          <p:spTgt spid="26">
-                                            <p:txEl>
-                                              <p:pRg st="3" end="3"/>
-                                            </p:txEl>
-                                          </p:spTgt>
-                                        </p:tgtEl>
-                                        <p:attrNameLst>
-                                          <p:attrName>ppt_y</p:attrName>
-                                        </p:attrNameLst>
-                                      </p:cBhvr>
-                                      <p:tavLst>
-                                        <p:tav tm="0">
-                                          <p:val>
-                                            <p:strVal val="#ppt_y+.1"/>
-                                          </p:val>
-                                        </p:tav>
-                                        <p:tav tm="100000">
-                                          <p:val>
-                                            <p:strVal val="#ppt_y"/>
-                                          </p:val>
-                                        </p:tav>
-                                      </p:tavLst>
-                                    </p:anim>
                                   </p:childTnLst>
                                 </p:cTn>
                               </p:par>
@@ -19855,839 +20970,13 @@
     </p:tnLst>
     <p:bldLst>
       <p:bldP spid="2" grpId="0"/>
+      <p:bldP spid="26" grpId="0" build="p"/>
     </p:bldLst>
   </p:timing>
 </p:sld>
 </file>
 
-<file path=ppt/slides/slide4.xml><?xml version="1.0" encoding="utf-8"?>
-<p:sld xmlns:a="http://schemas.openxmlformats.org/drawingml/2006/main" xmlns:r="http://schemas.openxmlformats.org/officeDocument/2006/relationships" xmlns:p="http://schemas.openxmlformats.org/presentationml/2006/main">
-  <p:cSld>
-    <p:bg>
-      <p:bgPr>
-        <a:solidFill>
-          <a:schemeClr val="bg1"/>
-        </a:solidFill>
-        <a:effectLst/>
-      </p:bgPr>
-    </p:bg>
-    <p:spTree>
-      <p:nvGrpSpPr>
-        <p:cNvPr id="1" name=""/>
-        <p:cNvGrpSpPr/>
-        <p:nvPr/>
-      </p:nvGrpSpPr>
-      <p:grpSpPr>
-        <a:xfrm>
-          <a:off x="0" y="0"/>
-          <a:ext cx="0" cy="0"/>
-          <a:chOff x="0" y="0"/>
-          <a:chExt cx="0" cy="0"/>
-        </a:xfrm>
-      </p:grpSpPr>
-      <p:sp useBgFill="1">
-        <p:nvSpPr>
-          <p:cNvPr id="9" name="!!BGRectangle">
-            <a:extLst>
-              <a:ext uri="{FF2B5EF4-FFF2-40B4-BE49-F238E27FC236}">
-                <a16:creationId xmlns:a16="http://schemas.microsoft.com/office/drawing/2014/main" id="{25E8815A-9407-4234-B08F-A1E49DCD7F37}"/>
-              </a:ext>
-              <a:ext uri="{C183D7F6-B498-43B3-948B-1728B52AA6E4}">
-                <adec:decorative xmlns:adec="http://schemas.microsoft.com/office/drawing/2017/decorative" val="1"/>
-              </a:ext>
-            </a:extLst>
-          </p:cNvPr>
-          <p:cNvSpPr>
-            <a:spLocks noGrp="1" noRot="1" noChangeAspect="1" noMove="1" noResize="1" noEditPoints="1" noAdjustHandles="1" noChangeArrowheads="1" noChangeShapeType="1" noTextEdit="1"/>
-          </p:cNvSpPr>
-          <p:nvPr>
-            <p:extLst>
-              <p:ext uri="{386F3935-93C4-4BCD-93E2-E3B085C9AB24}">
-                <p16:designElem xmlns:p16="http://schemas.microsoft.com/office/powerpoint/2015/main" val="1"/>
-              </p:ext>
-            </p:extLst>
-          </p:nvPr>
-        </p:nvSpPr>
-        <p:spPr>
-          <a:xfrm>
-            <a:off x="3048" y="-6182"/>
-            <a:ext cx="12188952" cy="6858000"/>
-          </a:xfrm>
-          <a:prstGeom prst="rect">
-            <a:avLst/>
-          </a:prstGeom>
-          <a:ln>
-            <a:noFill/>
-          </a:ln>
-        </p:spPr>
-        <p:style>
-          <a:lnRef idx="2">
-            <a:schemeClr val="accent1">
-              <a:shade val="50000"/>
-            </a:schemeClr>
-          </a:lnRef>
-          <a:fillRef idx="1">
-            <a:schemeClr val="accent1"/>
-          </a:fillRef>
-          <a:effectRef idx="0">
-            <a:schemeClr val="accent1"/>
-          </a:effectRef>
-          <a:fontRef idx="minor">
-            <a:schemeClr val="lt1"/>
-          </a:fontRef>
-        </p:style>
-        <p:txBody>
-          <a:bodyPr rtlCol="0" anchor="ctr"/>
-          <a:lstStyle/>
-          <a:p>
-            <a:pPr marL="0" marR="0" lvl="0" indent="0" algn="ctr" defTabSz="914400" rtl="0" eaLnBrk="1" fontAlgn="auto" latinLnBrk="0" hangingPunct="1">
-              <a:lnSpc>
-                <a:spcPct val="100000"/>
-              </a:lnSpc>
-              <a:spcBef>
-                <a:spcPts val="0"/>
-              </a:spcBef>
-              <a:spcAft>
-                <a:spcPts val="0"/>
-              </a:spcAft>
-              <a:buClrTx/>
-              <a:buSzTx/>
-              <a:buFontTx/>
-              <a:buNone/>
-              <a:tabLst/>
-              <a:defRPr/>
-            </a:pPr>
-            <a:endParaRPr kumimoji="0" lang="en-US" sz="1800" b="0" i="0" u="none" strike="noStrike" kern="1200" cap="none" spc="0" normalizeH="0" baseline="0" noProof="0">
-              <a:ln>
-                <a:noFill/>
-              </a:ln>
-              <a:solidFill>
-                <a:prstClr val="white"/>
-              </a:solidFill>
-              <a:effectLst/>
-              <a:uLnTx/>
-              <a:uFillTx/>
-              <a:latin typeface="Calibri" panose="020F0502020204030204"/>
-              <a:ea typeface="+mn-ea"/>
-              <a:cs typeface="+mn-cs"/>
-            </a:endParaRPr>
-          </a:p>
-        </p:txBody>
-      </p:sp>
-      <p:sp>
-        <p:nvSpPr>
-          <p:cNvPr id="11" name="Rectangle 10">
-            <a:extLst>
-              <a:ext uri="{FF2B5EF4-FFF2-40B4-BE49-F238E27FC236}">
-                <a16:creationId xmlns:a16="http://schemas.microsoft.com/office/drawing/2014/main" id="{AD72D4D1-076F-49D3-9889-EFC4F6D7CA66}"/>
-              </a:ext>
-              <a:ext uri="{C183D7F6-B498-43B3-948B-1728B52AA6E4}">
-                <adec:decorative xmlns:adec="http://schemas.microsoft.com/office/drawing/2017/decorative" val="1"/>
-              </a:ext>
-            </a:extLst>
-          </p:cNvPr>
-          <p:cNvSpPr>
-            <a:spLocks noGrp="1" noRot="1" noChangeAspect="1" noMove="1" noResize="1" noEditPoints="1" noAdjustHandles="1" noChangeArrowheads="1" noChangeShapeType="1" noTextEdit="1"/>
-          </p:cNvSpPr>
-          <p:nvPr>
-            <p:extLst>
-              <p:ext uri="{386F3935-93C4-4BCD-93E2-E3B085C9AB24}">
-                <p16:designElem xmlns:p16="http://schemas.microsoft.com/office/powerpoint/2015/main" val="1"/>
-              </p:ext>
-            </p:extLst>
-          </p:nvPr>
-        </p:nvSpPr>
-        <p:spPr>
-          <a:xfrm>
-            <a:off x="0" y="0"/>
-            <a:ext cx="12192000" cy="6858000"/>
-          </a:xfrm>
-          <a:prstGeom prst="rect">
-            <a:avLst/>
-          </a:prstGeom>
-          <a:solidFill>
-            <a:srgbClr val="000000"/>
-          </a:solidFill>
-          <a:ln>
-            <a:noFill/>
-          </a:ln>
-        </p:spPr>
-        <p:style>
-          <a:lnRef idx="2">
-            <a:schemeClr val="accent1">
-              <a:shade val="50000"/>
-            </a:schemeClr>
-          </a:lnRef>
-          <a:fillRef idx="1">
-            <a:schemeClr val="accent1"/>
-          </a:fillRef>
-          <a:effectRef idx="0">
-            <a:schemeClr val="accent1"/>
-          </a:effectRef>
-          <a:fontRef idx="minor">
-            <a:schemeClr val="lt1"/>
-          </a:fontRef>
-        </p:style>
-        <p:txBody>
-          <a:bodyPr rtlCol="0" anchor="ctr"/>
-          <a:lstStyle/>
-          <a:p>
-            <a:pPr marL="0" marR="0" lvl="0" indent="0" algn="ctr" defTabSz="914400" rtl="0" eaLnBrk="1" fontAlgn="auto" latinLnBrk="0" hangingPunct="1">
-              <a:lnSpc>
-                <a:spcPct val="100000"/>
-              </a:lnSpc>
-              <a:spcBef>
-                <a:spcPts val="0"/>
-              </a:spcBef>
-              <a:spcAft>
-                <a:spcPts val="0"/>
-              </a:spcAft>
-              <a:buClrTx/>
-              <a:buSzTx/>
-              <a:buFontTx/>
-              <a:buNone/>
-              <a:tabLst/>
-              <a:defRPr/>
-            </a:pPr>
-            <a:endParaRPr kumimoji="0" lang="en-US" sz="1800" b="0" i="0" u="none" strike="noStrike" kern="1200" cap="none" spc="0" normalizeH="0" baseline="0" noProof="0">
-              <a:ln>
-                <a:noFill/>
-              </a:ln>
-              <a:solidFill>
-                <a:prstClr val="white"/>
-              </a:solidFill>
-              <a:effectLst/>
-              <a:uLnTx/>
-              <a:uFillTx/>
-              <a:latin typeface="Calibri" panose="020F0502020204030204"/>
-              <a:ea typeface="+mn-ea"/>
-              <a:cs typeface="+mn-cs"/>
-            </a:endParaRPr>
-          </a:p>
-        </p:txBody>
-      </p:sp>
-      <p:pic>
-        <p:nvPicPr>
-          <p:cNvPr id="5" name="Picture 4" descr="Sphere of mesh and nodes">
-            <a:extLst>
-              <a:ext uri="{FF2B5EF4-FFF2-40B4-BE49-F238E27FC236}">
-                <a16:creationId xmlns:a16="http://schemas.microsoft.com/office/drawing/2014/main" id="{9881E159-1795-4F02-A288-9505EDE32657}"/>
-              </a:ext>
-            </a:extLst>
-          </p:cNvPr>
-          <p:cNvPicPr>
-            <a:picLocks noChangeAspect="1"/>
-          </p:cNvPicPr>
-          <p:nvPr/>
-        </p:nvPicPr>
-        <p:blipFill rotWithShape="1">
-          <a:blip r:embed="rId2">
-            <a:alphaModFix amt="50000"/>
-          </a:blip>
-          <a:srcRect t="2677" b="22323"/>
-          <a:stretch/>
-        </p:blipFill>
-        <p:spPr>
-          <a:xfrm>
-            <a:off x="20" y="1"/>
-            <a:ext cx="12191980" cy="6857999"/>
-          </a:xfrm>
-          <a:prstGeom prst="rect">
-            <a:avLst/>
-          </a:prstGeom>
-        </p:spPr>
-      </p:pic>
-      <p:sp>
-        <p:nvSpPr>
-          <p:cNvPr id="2" name="Title 1">
-            <a:extLst>
-              <a:ext uri="{FF2B5EF4-FFF2-40B4-BE49-F238E27FC236}">
-                <a16:creationId xmlns:a16="http://schemas.microsoft.com/office/drawing/2014/main" id="{EF9D8314-D6F5-45F2-9320-6E9374E52056}"/>
-              </a:ext>
-            </a:extLst>
-          </p:cNvPr>
-          <p:cNvSpPr>
-            <a:spLocks noGrp="1"/>
-          </p:cNvSpPr>
-          <p:nvPr>
-            <p:ph type="title"/>
-          </p:nvPr>
-        </p:nvSpPr>
-        <p:spPr>
-          <a:xfrm>
-            <a:off x="838200" y="963877"/>
-            <a:ext cx="3494362" cy="4930246"/>
-          </a:xfrm>
-        </p:spPr>
-        <p:txBody>
-          <a:bodyPr>
-            <a:normAutofit/>
-          </a:bodyPr>
-          <a:lstStyle/>
-          <a:p>
-            <a:pPr algn="r"/>
-            <a:r>
-              <a:rPr lang="en-US" dirty="0">
-                <a:solidFill>
-                  <a:schemeClr val="bg1"/>
-                </a:solidFill>
-              </a:rPr>
-              <a:t>Our first contact with Blockchain technology</a:t>
-            </a:r>
-          </a:p>
-        </p:txBody>
-      </p:sp>
-      <p:sp>
-        <p:nvSpPr>
-          <p:cNvPr id="13" name="!!Line">
-            <a:extLst>
-              <a:ext uri="{FF2B5EF4-FFF2-40B4-BE49-F238E27FC236}">
-                <a16:creationId xmlns:a16="http://schemas.microsoft.com/office/drawing/2014/main" id="{C9C56819-FD02-4626-ABF5-85C7463C990D}"/>
-              </a:ext>
-              <a:ext uri="{C183D7F6-B498-43B3-948B-1728B52AA6E4}">
-                <adec:decorative xmlns:adec="http://schemas.microsoft.com/office/drawing/2017/decorative" val="1"/>
-              </a:ext>
-            </a:extLst>
-          </p:cNvPr>
-          <p:cNvSpPr>
-            <a:spLocks noGrp="1" noRot="1" noChangeAspect="1" noMove="1" noResize="1" noEditPoints="1" noAdjustHandles="1" noChangeArrowheads="1" noChangeShapeType="1" noTextEdit="1"/>
-          </p:cNvSpPr>
-          <p:nvPr>
-            <p:extLst>
-              <p:ext uri="{386F3935-93C4-4BCD-93E2-E3B085C9AB24}">
-                <p16:designElem xmlns:p16="http://schemas.microsoft.com/office/powerpoint/2015/main" val="1"/>
-              </p:ext>
-            </p:extLst>
-          </p:nvPr>
-        </p:nvSpPr>
-        <p:spPr>
-          <a:xfrm>
-            <a:off x="4640580" y="2057400"/>
-            <a:ext cx="27432" cy="2743200"/>
-          </a:xfrm>
-          <a:prstGeom prst="rect">
-            <a:avLst/>
-          </a:prstGeom>
-          <a:solidFill>
-            <a:srgbClr val="FFFFFF"/>
-          </a:solidFill>
-          <a:ln>
-            <a:noFill/>
-          </a:ln>
-        </p:spPr>
-        <p:style>
-          <a:lnRef idx="2">
-            <a:schemeClr val="accent1">
-              <a:shade val="50000"/>
-            </a:schemeClr>
-          </a:lnRef>
-          <a:fillRef idx="1">
-            <a:schemeClr val="accent1"/>
-          </a:fillRef>
-          <a:effectRef idx="0">
-            <a:schemeClr val="accent1"/>
-          </a:effectRef>
-          <a:fontRef idx="minor">
-            <a:schemeClr val="lt1"/>
-          </a:fontRef>
-        </p:style>
-        <p:txBody>
-          <a:bodyPr rtlCol="0" anchor="ctr"/>
-          <a:lstStyle/>
-          <a:p>
-            <a:pPr marL="0" marR="0" lvl="0" indent="0" algn="ctr" defTabSz="914400" rtl="0" eaLnBrk="1" fontAlgn="auto" latinLnBrk="0" hangingPunct="1">
-              <a:lnSpc>
-                <a:spcPct val="100000"/>
-              </a:lnSpc>
-              <a:spcBef>
-                <a:spcPts val="0"/>
-              </a:spcBef>
-              <a:spcAft>
-                <a:spcPts val="0"/>
-              </a:spcAft>
-              <a:buClrTx/>
-              <a:buSzTx/>
-              <a:buFontTx/>
-              <a:buNone/>
-              <a:tabLst/>
-              <a:defRPr/>
-            </a:pPr>
-            <a:endParaRPr kumimoji="0" lang="en-US" sz="1800" b="0" i="0" u="none" strike="noStrike" kern="1200" cap="none" spc="0" normalizeH="0" baseline="0" noProof="0">
-              <a:ln>
-                <a:noFill/>
-              </a:ln>
-              <a:solidFill>
-                <a:prstClr val="white"/>
-              </a:solidFill>
-              <a:effectLst/>
-              <a:uLnTx/>
-              <a:uFillTx/>
-              <a:latin typeface="Calibri" panose="020F0502020204030204"/>
-              <a:ea typeface="+mn-ea"/>
-              <a:cs typeface="+mn-cs"/>
-            </a:endParaRPr>
-          </a:p>
-        </p:txBody>
-      </p:sp>
-      <p:sp>
-        <p:nvSpPr>
-          <p:cNvPr id="3" name="Content Placeholder 2">
-            <a:extLst>
-              <a:ext uri="{FF2B5EF4-FFF2-40B4-BE49-F238E27FC236}">
-                <a16:creationId xmlns:a16="http://schemas.microsoft.com/office/drawing/2014/main" id="{5123A842-D853-4B35-B949-7A20B31E8FC0}"/>
-              </a:ext>
-            </a:extLst>
-          </p:cNvPr>
-          <p:cNvSpPr>
-            <a:spLocks noGrp="1"/>
-          </p:cNvSpPr>
-          <p:nvPr>
-            <p:ph idx="1"/>
-          </p:nvPr>
-        </p:nvSpPr>
-        <p:spPr>
-          <a:xfrm>
-            <a:off x="4976031" y="963877"/>
-            <a:ext cx="6377769" cy="4930246"/>
-          </a:xfrm>
-        </p:spPr>
-        <p:txBody>
-          <a:bodyPr anchor="ctr">
-            <a:normAutofit/>
-          </a:bodyPr>
-          <a:lstStyle/>
-          <a:p>
-            <a:r>
-              <a:rPr lang="en-US" sz="2400" dirty="0">
-                <a:solidFill>
-                  <a:schemeClr val="bg1"/>
-                </a:solidFill>
-              </a:rPr>
-              <a:t>In a discussion, Dr. Polyzos shared with us his current interests and work, that led us to learn more about Blockchains, their use and their application</a:t>
-            </a:r>
-            <a:endParaRPr lang="el-GR" sz="2400" dirty="0">
-              <a:solidFill>
-                <a:schemeClr val="bg1"/>
-              </a:solidFill>
-            </a:endParaRPr>
-          </a:p>
-          <a:p>
-            <a:r>
-              <a:rPr lang="en-US" sz="2400" dirty="0">
-                <a:solidFill>
-                  <a:schemeClr val="bg1"/>
-                </a:solidFill>
-              </a:rPr>
-              <a:t>We were also invited to the </a:t>
-            </a:r>
-            <a:r>
-              <a:rPr lang="en-US" sz="2400" dirty="0" err="1">
-                <a:solidFill>
-                  <a:schemeClr val="bg1"/>
-                </a:solidFill>
-              </a:rPr>
-              <a:t>MMLab</a:t>
-            </a:r>
-            <a:r>
-              <a:rPr lang="en-US" sz="2400" dirty="0">
-                <a:solidFill>
-                  <a:schemeClr val="bg1"/>
-                </a:solidFill>
-              </a:rPr>
-              <a:t> facilities and participate in a summer program led by Dr. Polyzos that brought us closer to many new technologies including Blockchains</a:t>
-            </a:r>
-          </a:p>
-        </p:txBody>
-      </p:sp>
-    </p:spTree>
-    <p:extLst>
-      <p:ext uri="{BB962C8B-B14F-4D97-AF65-F5344CB8AC3E}">
-        <p14:creationId xmlns:p14="http://schemas.microsoft.com/office/powerpoint/2010/main" val="457569607"/>
-      </p:ext>
-    </p:extLst>
-  </p:cSld>
-  <p:clrMapOvr>
-    <a:masterClrMapping/>
-  </p:clrMapOvr>
-  <mc:AlternateContent xmlns:mc="http://schemas.openxmlformats.org/markup-compatibility/2006">
-    <mc:Choice xmlns:p159="http://schemas.microsoft.com/office/powerpoint/2015/09/main" Requires="p159">
-      <p:transition xmlns:p14="http://schemas.microsoft.com/office/powerpoint/2010/main" spd="slow" p14:dur="2000">
-        <p159:morph option="byObject"/>
-      </p:transition>
-    </mc:Choice>
-    <mc:Fallback>
-      <p:transition spd="slow">
-        <p:fade/>
-      </p:transition>
-    </mc:Fallback>
-  </mc:AlternateContent>
-  <p:timing>
-    <p:tnLst>
-      <p:par>
-        <p:cTn id="1" dur="indefinite" restart="never" nodeType="tmRoot">
-          <p:childTnLst>
-            <p:seq concurrent="1" nextAc="seek">
-              <p:cTn id="2" dur="indefinite" nodeType="mainSeq">
-                <p:childTnLst>
-                  <p:par>
-                    <p:cTn id="3" fill="hold">
-                      <p:stCondLst>
-                        <p:cond delay="indefinite"/>
-                      </p:stCondLst>
-                      <p:childTnLst>
-                        <p:par>
-                          <p:cTn id="4" fill="hold">
-                            <p:stCondLst>
-                              <p:cond delay="0"/>
-                            </p:stCondLst>
-                            <p:childTnLst>
-                              <p:par>
-                                <p:cTn id="5" presetID="42" presetClass="entr" presetSubtype="0" fill="hold" grpId="0" nodeType="clickEffect">
-                                  <p:stCondLst>
-                                    <p:cond delay="0"/>
-                                  </p:stCondLst>
-                                  <p:childTnLst>
-                                    <p:set>
-                                      <p:cBhvr>
-                                        <p:cTn id="6" dur="1" fill="hold">
-                                          <p:stCondLst>
-                                            <p:cond delay="0"/>
-                                          </p:stCondLst>
-                                        </p:cTn>
-                                        <p:tgtEl>
-                                          <p:spTgt spid="2"/>
-                                        </p:tgtEl>
-                                        <p:attrNameLst>
-                                          <p:attrName>style.visibility</p:attrName>
-                                        </p:attrNameLst>
-                                      </p:cBhvr>
-                                      <p:to>
-                                        <p:strVal val="visible"/>
-                                      </p:to>
-                                    </p:set>
-                                    <p:animEffect transition="in" filter="fade">
-                                      <p:cBhvr>
-                                        <p:cTn id="7" dur="1000"/>
-                                        <p:tgtEl>
-                                          <p:spTgt spid="2"/>
-                                        </p:tgtEl>
-                                      </p:cBhvr>
-                                    </p:animEffect>
-                                    <p:anim calcmode="lin" valueType="num">
-                                      <p:cBhvr>
-                                        <p:cTn id="8" dur="1000" fill="hold"/>
-                                        <p:tgtEl>
-                                          <p:spTgt spid="2"/>
-                                        </p:tgtEl>
-                                        <p:attrNameLst>
-                                          <p:attrName>ppt_x</p:attrName>
-                                        </p:attrNameLst>
-                                      </p:cBhvr>
-                                      <p:tavLst>
-                                        <p:tav tm="0">
-                                          <p:val>
-                                            <p:strVal val="#ppt_x"/>
-                                          </p:val>
-                                        </p:tav>
-                                        <p:tav tm="100000">
-                                          <p:val>
-                                            <p:strVal val="#ppt_x"/>
-                                          </p:val>
-                                        </p:tav>
-                                      </p:tavLst>
-                                    </p:anim>
-                                    <p:anim calcmode="lin" valueType="num">
-                                      <p:cBhvr>
-                                        <p:cTn id="9" dur="1000" fill="hold"/>
-                                        <p:tgtEl>
-                                          <p:spTgt spid="2"/>
-                                        </p:tgtEl>
-                                        <p:attrNameLst>
-                                          <p:attrName>ppt_y</p:attrName>
-                                        </p:attrNameLst>
-                                      </p:cBhvr>
-                                      <p:tavLst>
-                                        <p:tav tm="0">
-                                          <p:val>
-                                            <p:strVal val="#ppt_y+.1"/>
-                                          </p:val>
-                                        </p:tav>
-                                        <p:tav tm="100000">
-                                          <p:val>
-                                            <p:strVal val="#ppt_y"/>
-                                          </p:val>
-                                        </p:tav>
-                                      </p:tavLst>
-                                    </p:anim>
-                                  </p:childTnLst>
-                                </p:cTn>
-                              </p:par>
-                            </p:childTnLst>
-                          </p:cTn>
-                        </p:par>
-                      </p:childTnLst>
-                    </p:cTn>
-                  </p:par>
-                  <p:par>
-                    <p:cTn id="10" fill="hold">
-                      <p:stCondLst>
-                        <p:cond delay="indefinite"/>
-                      </p:stCondLst>
-                      <p:childTnLst>
-                        <p:par>
-                          <p:cTn id="11" fill="hold">
-                            <p:stCondLst>
-                              <p:cond delay="0"/>
-                            </p:stCondLst>
-                            <p:childTnLst>
-                              <p:par>
-                                <p:cTn id="12" presetID="42" presetClass="entr" presetSubtype="0" fill="hold" grpId="0" nodeType="clickEffect">
-                                  <p:stCondLst>
-                                    <p:cond delay="0"/>
-                                  </p:stCondLst>
-                                  <p:childTnLst>
-                                    <p:set>
-                                      <p:cBhvr>
-                                        <p:cTn id="13" dur="1" fill="hold">
-                                          <p:stCondLst>
-                                            <p:cond delay="0"/>
-                                          </p:stCondLst>
-                                        </p:cTn>
-                                        <p:tgtEl>
-                                          <p:spTgt spid="3">
-                                            <p:txEl>
-                                              <p:pRg st="0" end="0"/>
-                                            </p:txEl>
-                                          </p:spTgt>
-                                        </p:tgtEl>
-                                        <p:attrNameLst>
-                                          <p:attrName>style.visibility</p:attrName>
-                                        </p:attrNameLst>
-                                      </p:cBhvr>
-                                      <p:to>
-                                        <p:strVal val="visible"/>
-                                      </p:to>
-                                    </p:set>
-                                    <p:animEffect transition="in" filter="fade">
-                                      <p:cBhvr>
-                                        <p:cTn id="14" dur="1000"/>
-                                        <p:tgtEl>
-                                          <p:spTgt spid="3">
-                                            <p:txEl>
-                                              <p:pRg st="0" end="0"/>
-                                            </p:txEl>
-                                          </p:spTgt>
-                                        </p:tgtEl>
-                                      </p:cBhvr>
-                                    </p:animEffect>
-                                    <p:anim calcmode="lin" valueType="num">
-                                      <p:cBhvr>
-                                        <p:cTn id="15" dur="1000" fill="hold"/>
-                                        <p:tgtEl>
-                                          <p:spTgt spid="3">
-                                            <p:txEl>
-                                              <p:pRg st="0" end="0"/>
-                                            </p:txEl>
-                                          </p:spTgt>
-                                        </p:tgtEl>
-                                        <p:attrNameLst>
-                                          <p:attrName>ppt_x</p:attrName>
-                                        </p:attrNameLst>
-                                      </p:cBhvr>
-                                      <p:tavLst>
-                                        <p:tav tm="0">
-                                          <p:val>
-                                            <p:strVal val="#ppt_x"/>
-                                          </p:val>
-                                        </p:tav>
-                                        <p:tav tm="100000">
-                                          <p:val>
-                                            <p:strVal val="#ppt_x"/>
-                                          </p:val>
-                                        </p:tav>
-                                      </p:tavLst>
-                                    </p:anim>
-                                    <p:anim calcmode="lin" valueType="num">
-                                      <p:cBhvr>
-                                        <p:cTn id="16" dur="1000" fill="hold"/>
-                                        <p:tgtEl>
-                                          <p:spTgt spid="3">
-                                            <p:txEl>
-                                              <p:pRg st="0" end="0"/>
-                                            </p:txEl>
-                                          </p:spTgt>
-                                        </p:tgtEl>
-                                        <p:attrNameLst>
-                                          <p:attrName>ppt_y</p:attrName>
-                                        </p:attrNameLst>
-                                      </p:cBhvr>
-                                      <p:tavLst>
-                                        <p:tav tm="0">
-                                          <p:val>
-                                            <p:strVal val="#ppt_y+.1"/>
-                                          </p:val>
-                                        </p:tav>
-                                        <p:tav tm="100000">
-                                          <p:val>
-                                            <p:strVal val="#ppt_y"/>
-                                          </p:val>
-                                        </p:tav>
-                                      </p:tavLst>
-                                    </p:anim>
-                                  </p:childTnLst>
-                                </p:cTn>
-                              </p:par>
-                            </p:childTnLst>
-                          </p:cTn>
-                        </p:par>
-                      </p:childTnLst>
-                    </p:cTn>
-                  </p:par>
-                  <p:par>
-                    <p:cTn id="17" fill="hold">
-                      <p:stCondLst>
-                        <p:cond delay="indefinite"/>
-                      </p:stCondLst>
-                      <p:childTnLst>
-                        <p:par>
-                          <p:cTn id="18" fill="hold">
-                            <p:stCondLst>
-                              <p:cond delay="0"/>
-                            </p:stCondLst>
-                            <p:childTnLst>
-                              <p:par>
-                                <p:cTn id="19" presetID="42" presetClass="entr" presetSubtype="0" fill="hold" grpId="0" nodeType="clickEffect">
-                                  <p:stCondLst>
-                                    <p:cond delay="0"/>
-                                  </p:stCondLst>
-                                  <p:childTnLst>
-                                    <p:set>
-                                      <p:cBhvr>
-                                        <p:cTn id="20" dur="1" fill="hold">
-                                          <p:stCondLst>
-                                            <p:cond delay="0"/>
-                                          </p:stCondLst>
-                                        </p:cTn>
-                                        <p:tgtEl>
-                                          <p:spTgt spid="3">
-                                            <p:txEl>
-                                              <p:pRg st="1" end="1"/>
-                                            </p:txEl>
-                                          </p:spTgt>
-                                        </p:tgtEl>
-                                        <p:attrNameLst>
-                                          <p:attrName>style.visibility</p:attrName>
-                                        </p:attrNameLst>
-                                      </p:cBhvr>
-                                      <p:to>
-                                        <p:strVal val="visible"/>
-                                      </p:to>
-                                    </p:set>
-                                    <p:animEffect transition="in" filter="fade">
-                                      <p:cBhvr>
-                                        <p:cTn id="21" dur="1000"/>
-                                        <p:tgtEl>
-                                          <p:spTgt spid="3">
-                                            <p:txEl>
-                                              <p:pRg st="1" end="1"/>
-                                            </p:txEl>
-                                          </p:spTgt>
-                                        </p:tgtEl>
-                                      </p:cBhvr>
-                                    </p:animEffect>
-                                    <p:anim calcmode="lin" valueType="num">
-                                      <p:cBhvr>
-                                        <p:cTn id="22" dur="1000" fill="hold"/>
-                                        <p:tgtEl>
-                                          <p:spTgt spid="3">
-                                            <p:txEl>
-                                              <p:pRg st="1" end="1"/>
-                                            </p:txEl>
-                                          </p:spTgt>
-                                        </p:tgtEl>
-                                        <p:attrNameLst>
-                                          <p:attrName>ppt_x</p:attrName>
-                                        </p:attrNameLst>
-                                      </p:cBhvr>
-                                      <p:tavLst>
-                                        <p:tav tm="0">
-                                          <p:val>
-                                            <p:strVal val="#ppt_x"/>
-                                          </p:val>
-                                        </p:tav>
-                                        <p:tav tm="100000">
-                                          <p:val>
-                                            <p:strVal val="#ppt_x"/>
-                                          </p:val>
-                                        </p:tav>
-                                      </p:tavLst>
-                                    </p:anim>
-                                    <p:anim calcmode="lin" valueType="num">
-                                      <p:cBhvr>
-                                        <p:cTn id="23" dur="1000" fill="hold"/>
-                                        <p:tgtEl>
-                                          <p:spTgt spid="3">
-                                            <p:txEl>
-                                              <p:pRg st="1" end="1"/>
-                                            </p:txEl>
-                                          </p:spTgt>
-                                        </p:tgtEl>
-                                        <p:attrNameLst>
-                                          <p:attrName>ppt_y</p:attrName>
-                                        </p:attrNameLst>
-                                      </p:cBhvr>
-                                      <p:tavLst>
-                                        <p:tav tm="0">
-                                          <p:val>
-                                            <p:strVal val="#ppt_y+.1"/>
-                                          </p:val>
-                                        </p:tav>
-                                        <p:tav tm="100000">
-                                          <p:val>
-                                            <p:strVal val="#ppt_y"/>
-                                          </p:val>
-                                        </p:tav>
-                                      </p:tavLst>
-                                    </p:anim>
-                                  </p:childTnLst>
-                                </p:cTn>
-                              </p:par>
-                            </p:childTnLst>
-                          </p:cTn>
-                        </p:par>
-                      </p:childTnLst>
-                    </p:cTn>
-                  </p:par>
-                </p:childTnLst>
-              </p:cTn>
-              <p:prevCondLst>
-                <p:cond evt="onPrev" delay="0">
-                  <p:tgtEl>
-                    <p:sldTgt/>
-                  </p:tgtEl>
-                </p:cond>
-              </p:prevCondLst>
-              <p:nextCondLst>
-                <p:cond evt="onNext" delay="0">
-                  <p:tgtEl>
-                    <p:sldTgt/>
-                  </p:tgtEl>
-                </p:cond>
-              </p:nextCondLst>
-            </p:seq>
-          </p:childTnLst>
-        </p:cTn>
-      </p:par>
-    </p:tnLst>
-    <p:bldLst>
-      <p:bldP spid="2" grpId="0"/>
-      <p:bldP spid="3" grpId="0" build="p"/>
-    </p:bldLst>
-  </p:timing>
-</p:sld>
-</file>
-
-<file path=ppt/slides/slide5.xml><?xml version="1.0" encoding="utf-8"?>
+<file path=ppt/slides/slide6.xml><?xml version="1.0" encoding="utf-8"?>
 <p:sld xmlns:a="http://schemas.openxmlformats.org/drawingml/2006/main" xmlns:r="http://schemas.openxmlformats.org/officeDocument/2006/relationships" xmlns:p="http://schemas.openxmlformats.org/presentationml/2006/main">
   <p:cSld>
     <p:bg>
@@ -20822,8 +21111,9 @@
                     <a:alpha val="80000"/>
                   </a:schemeClr>
                 </a:solidFill>
+                <a:latin typeface="Bembo" panose="02020502050201020203" pitchFamily="18" charset="0"/>
               </a:rPr>
-              <a:t>We came to agree that mobile games which use Blockchain technology are the future</a:t>
+              <a:t>We are huge fans of mobile gaming</a:t>
             </a:r>
           </a:p>
           <a:p>
@@ -20844,8 +21134,32 @@
                     <a:alpha val="80000"/>
                   </a:schemeClr>
                 </a:solidFill>
+                <a:latin typeface="Bembo" panose="02020502050201020203" pitchFamily="18" charset="0"/>
               </a:rPr>
-              <a:t>Since we noticed there were few games utilizing this technology in the market, we decided to make our own</a:t>
+              <a:t>We value the Blockchain technology and its advantages</a:t>
+            </a:r>
+          </a:p>
+          <a:p>
+            <a:pPr indent="-228600">
+              <a:lnSpc>
+                <a:spcPct val="90000"/>
+              </a:lnSpc>
+              <a:spcAft>
+                <a:spcPts val="600"/>
+              </a:spcAft>
+              <a:buFont typeface="Arial" panose="020B0604020202020204" pitchFamily="34" charset="0"/>
+              <a:buChar char="•"/>
+            </a:pPr>
+            <a:r>
+              <a:rPr lang="en-US" sz="2400" dirty="0">
+                <a:solidFill>
+                  <a:schemeClr val="bg1">
+                    <a:alpha val="80000"/>
+                  </a:schemeClr>
+                </a:solidFill>
+                <a:latin typeface="Bembo" panose="02020502050201020203" pitchFamily="18" charset="0"/>
+              </a:rPr>
+              <a:t>We noticed the lack of mobile games utilizing this technology in the market</a:t>
             </a:r>
           </a:p>
         </p:txBody>
@@ -27499,6 +27813,116 @@
           </p:txBody>
         </p:sp>
       </p:grpSp>
+      <p:sp>
+        <p:nvSpPr>
+          <p:cNvPr id="2" name="Arrow: Down 1">
+            <a:extLst>
+              <a:ext uri="{FF2B5EF4-FFF2-40B4-BE49-F238E27FC236}">
+                <a16:creationId xmlns:a16="http://schemas.microsoft.com/office/drawing/2014/main" id="{89E894C7-12CB-45A1-ADCA-25DDB8013063}"/>
+              </a:ext>
+            </a:extLst>
+          </p:cNvPr>
+          <p:cNvSpPr/>
+          <p:nvPr/>
+        </p:nvSpPr>
+        <p:spPr>
+          <a:xfrm>
+            <a:off x="2489200" y="4351481"/>
+            <a:ext cx="609600" cy="939800"/>
+          </a:xfrm>
+          <a:prstGeom prst="downArrow">
+            <a:avLst/>
+          </a:prstGeom>
+          <a:gradFill flip="none" rotWithShape="1">
+            <a:gsLst>
+              <a:gs pos="0">
+                <a:schemeClr val="accent3">
+                  <a:lumMod val="67000"/>
+                </a:schemeClr>
+              </a:gs>
+              <a:gs pos="48000">
+                <a:schemeClr val="accent3">
+                  <a:lumMod val="97000"/>
+                  <a:lumOff val="3000"/>
+                </a:schemeClr>
+              </a:gs>
+              <a:gs pos="100000">
+                <a:schemeClr val="accent3">
+                  <a:lumMod val="60000"/>
+                  <a:lumOff val="40000"/>
+                </a:schemeClr>
+              </a:gs>
+            </a:gsLst>
+            <a:lin ang="16200000" scaled="1"/>
+            <a:tileRect/>
+          </a:gradFill>
+          <a:ln>
+            <a:noFill/>
+          </a:ln>
+        </p:spPr>
+        <p:style>
+          <a:lnRef idx="0">
+            <a:scrgbClr r="0" g="0" b="0"/>
+          </a:lnRef>
+          <a:fillRef idx="0">
+            <a:scrgbClr r="0" g="0" b="0"/>
+          </a:fillRef>
+          <a:effectRef idx="0">
+            <a:scrgbClr r="0" g="0" b="0"/>
+          </a:effectRef>
+          <a:fontRef idx="minor">
+            <a:schemeClr val="lt1"/>
+          </a:fontRef>
+        </p:style>
+        <p:txBody>
+          <a:bodyPr rtlCol="0" anchor="ctr"/>
+          <a:lstStyle/>
+          <a:p>
+            <a:pPr algn="ctr"/>
+            <a:endParaRPr lang="en-US"/>
+          </a:p>
+        </p:txBody>
+      </p:sp>
+      <p:sp>
+        <p:nvSpPr>
+          <p:cNvPr id="7" name="TextBox 6">
+            <a:extLst>
+              <a:ext uri="{FF2B5EF4-FFF2-40B4-BE49-F238E27FC236}">
+                <a16:creationId xmlns:a16="http://schemas.microsoft.com/office/drawing/2014/main" id="{A8D8E252-D206-448D-97B8-ED05BBFB71A6}"/>
+              </a:ext>
+            </a:extLst>
+          </p:cNvPr>
+          <p:cNvSpPr txBox="1"/>
+          <p:nvPr/>
+        </p:nvSpPr>
+        <p:spPr>
+          <a:xfrm>
+            <a:off x="728133" y="5612975"/>
+            <a:ext cx="4131734" cy="461665"/>
+          </a:xfrm>
+          <a:prstGeom prst="rect">
+            <a:avLst/>
+          </a:prstGeom>
+          <a:noFill/>
+        </p:spPr>
+        <p:txBody>
+          <a:bodyPr wrap="square" rtlCol="0">
+            <a:spAutoFit/>
+          </a:bodyPr>
+          <a:lstStyle/>
+          <a:p>
+            <a:r>
+              <a:rPr lang="en-US" sz="2400" dirty="0">
+                <a:solidFill>
+                  <a:schemeClr val="bg1"/>
+                </a:solidFill>
+                <a:latin typeface="Bembo" panose="02020502050201020203" pitchFamily="18" charset="0"/>
+              </a:rPr>
+              <a:t>So, we decided to create one!</a:t>
+            </a:r>
+          </a:p>
+        </p:txBody>
+      </p:sp>
     </p:spTree>
     <p:extLst>
       <p:ext uri="{BB962C8B-B14F-4D97-AF65-F5344CB8AC3E}">
@@ -27509,13 +27933,13 @@
   <p:clrMapOvr>
     <a:masterClrMapping/>
   </p:clrMapOvr>
-  <mc:AlternateContent xmlns:mc="http://schemas.openxmlformats.org/markup-compatibility/2006">
-    <mc:Choice xmlns:p159="http://schemas.microsoft.com/office/powerpoint/2015/09/main" Requires="p159">
+  <mc:AlternateContent xmlns:mc="http://schemas.openxmlformats.org/markup-compatibility/2006" xmlns:p159="http://schemas.microsoft.com/office/powerpoint/2015/09/main">
+    <mc:Choice Requires="p159">
       <p:transition xmlns:p14="http://schemas.microsoft.com/office/powerpoint/2010/main" spd="slow" p14:dur="2000">
         <p159:morph option="byObject"/>
       </p:transition>
     </mc:Choice>
-    <mc:Fallback>
+    <mc:Fallback xmlns="">
       <p:transition spd="slow">
         <p:fade/>
       </p:transition>
@@ -27628,6 +28052,393 @@
                       </p:childTnLst>
                     </p:cTn>
                   </p:par>
+                  <p:par>
+                    <p:cTn id="10" fill="hold">
+                      <p:stCondLst>
+                        <p:cond delay="indefinite"/>
+                      </p:stCondLst>
+                      <p:childTnLst>
+                        <p:par>
+                          <p:cTn id="11" fill="hold">
+                            <p:stCondLst>
+                              <p:cond delay="0"/>
+                            </p:stCondLst>
+                            <p:childTnLst>
+                              <p:par>
+                                <p:cTn id="12" presetID="26" presetClass="entr" presetSubtype="0" fill="hold" grpId="0" nodeType="clickEffect">
+                                  <p:stCondLst>
+                                    <p:cond delay="0"/>
+                                  </p:stCondLst>
+                                  <p:childTnLst>
+                                    <p:set>
+                                      <p:cBhvr>
+                                        <p:cTn id="13" dur="1" fill="hold">
+                                          <p:stCondLst>
+                                            <p:cond delay="0"/>
+                                          </p:stCondLst>
+                                        </p:cTn>
+                                        <p:tgtEl>
+                                          <p:spTgt spid="2"/>
+                                        </p:tgtEl>
+                                        <p:attrNameLst>
+                                          <p:attrName>style.visibility</p:attrName>
+                                        </p:attrNameLst>
+                                      </p:cBhvr>
+                                      <p:to>
+                                        <p:strVal val="visible"/>
+                                      </p:to>
+                                    </p:set>
+                                    <p:animEffect transition="in" filter="wipe(down)">
+                                      <p:cBhvr>
+                                        <p:cTn id="14" dur="580">
+                                          <p:stCondLst>
+                                            <p:cond delay="0"/>
+                                          </p:stCondLst>
+                                        </p:cTn>
+                                        <p:tgtEl>
+                                          <p:spTgt spid="2"/>
+                                        </p:tgtEl>
+                                      </p:cBhvr>
+                                    </p:animEffect>
+                                    <p:anim calcmode="lin" valueType="num">
+                                      <p:cBhvr>
+                                        <p:cTn id="15" dur="1822" tmFilter="0,0; 0.14,0.36; 0.43,0.73; 0.71,0.91; 1.0,1.0">
+                                          <p:stCondLst>
+                                            <p:cond delay="0"/>
+                                          </p:stCondLst>
+                                        </p:cTn>
+                                        <p:tgtEl>
+                                          <p:spTgt spid="2"/>
+                                        </p:tgtEl>
+                                        <p:attrNameLst>
+                                          <p:attrName>ppt_x</p:attrName>
+                                        </p:attrNameLst>
+                                      </p:cBhvr>
+                                      <p:tavLst>
+                                        <p:tav tm="0">
+                                          <p:val>
+                                            <p:strVal val="#ppt_x-0.25"/>
+                                          </p:val>
+                                        </p:tav>
+                                        <p:tav tm="100000">
+                                          <p:val>
+                                            <p:strVal val="#ppt_x"/>
+                                          </p:val>
+                                        </p:tav>
+                                      </p:tavLst>
+                                    </p:anim>
+                                    <p:anim calcmode="lin" valueType="num">
+                                      <p:cBhvr>
+                                        <p:cTn id="16" dur="664" tmFilter="0.0,0.0; 0.25,0.07; 0.50,0.2; 0.75,0.467; 1.0,1.0">
+                                          <p:stCondLst>
+                                            <p:cond delay="0"/>
+                                          </p:stCondLst>
+                                        </p:cTn>
+                                        <p:tgtEl>
+                                          <p:spTgt spid="2"/>
+                                        </p:tgtEl>
+                                        <p:attrNameLst>
+                                          <p:attrName>ppt_y</p:attrName>
+                                        </p:attrNameLst>
+                                      </p:cBhvr>
+                                      <p:tavLst>
+                                        <p:tav tm="0" fmla="#ppt_y-sin(pi*$)/3">
+                                          <p:val>
+                                            <p:fltVal val="0.5"/>
+                                          </p:val>
+                                        </p:tav>
+                                        <p:tav tm="100000">
+                                          <p:val>
+                                            <p:fltVal val="1"/>
+                                          </p:val>
+                                        </p:tav>
+                                      </p:tavLst>
+                                    </p:anim>
+                                    <p:anim calcmode="lin" valueType="num">
+                                      <p:cBhvr>
+                                        <p:cTn id="17" dur="664" tmFilter="0, 0; 0.125,0.2665; 0.25,0.4; 0.375,0.465; 0.5,0.5;  0.625,0.535; 0.75,0.6; 0.875,0.7335; 1,1">
+                                          <p:stCondLst>
+                                            <p:cond delay="664"/>
+                                          </p:stCondLst>
+                                        </p:cTn>
+                                        <p:tgtEl>
+                                          <p:spTgt spid="2"/>
+                                        </p:tgtEl>
+                                        <p:attrNameLst>
+                                          <p:attrName>ppt_y</p:attrName>
+                                        </p:attrNameLst>
+                                      </p:cBhvr>
+                                      <p:tavLst>
+                                        <p:tav tm="0" fmla="#ppt_y-sin(pi*$)/9">
+                                          <p:val>
+                                            <p:fltVal val="0"/>
+                                          </p:val>
+                                        </p:tav>
+                                        <p:tav tm="100000">
+                                          <p:val>
+                                            <p:fltVal val="1"/>
+                                          </p:val>
+                                        </p:tav>
+                                      </p:tavLst>
+                                    </p:anim>
+                                    <p:anim calcmode="lin" valueType="num">
+                                      <p:cBhvr>
+                                        <p:cTn id="18" dur="332" tmFilter="0, 0; 0.125,0.2665; 0.25,0.4; 0.375,0.465; 0.5,0.5;  0.625,0.535; 0.75,0.6; 0.875,0.7335; 1,1">
+                                          <p:stCondLst>
+                                            <p:cond delay="1324"/>
+                                          </p:stCondLst>
+                                        </p:cTn>
+                                        <p:tgtEl>
+                                          <p:spTgt spid="2"/>
+                                        </p:tgtEl>
+                                        <p:attrNameLst>
+                                          <p:attrName>ppt_y</p:attrName>
+                                        </p:attrNameLst>
+                                      </p:cBhvr>
+                                      <p:tavLst>
+                                        <p:tav tm="0" fmla="#ppt_y-sin(pi*$)/27">
+                                          <p:val>
+                                            <p:fltVal val="0"/>
+                                          </p:val>
+                                        </p:tav>
+                                        <p:tav tm="100000">
+                                          <p:val>
+                                            <p:fltVal val="1"/>
+                                          </p:val>
+                                        </p:tav>
+                                      </p:tavLst>
+                                    </p:anim>
+                                    <p:anim calcmode="lin" valueType="num">
+                                      <p:cBhvr>
+                                        <p:cTn id="19" dur="164" tmFilter="0, 0; 0.125,0.2665; 0.25,0.4; 0.375,0.465; 0.5,0.5;  0.625,0.535; 0.75,0.6; 0.875,0.7335; 1,1">
+                                          <p:stCondLst>
+                                            <p:cond delay="1656"/>
+                                          </p:stCondLst>
+                                        </p:cTn>
+                                        <p:tgtEl>
+                                          <p:spTgt spid="2"/>
+                                        </p:tgtEl>
+                                        <p:attrNameLst>
+                                          <p:attrName>ppt_y</p:attrName>
+                                        </p:attrNameLst>
+                                      </p:cBhvr>
+                                      <p:tavLst>
+                                        <p:tav tm="0" fmla="#ppt_y-sin(pi*$)/81">
+                                          <p:val>
+                                            <p:fltVal val="0"/>
+                                          </p:val>
+                                        </p:tav>
+                                        <p:tav tm="100000">
+                                          <p:val>
+                                            <p:fltVal val="1"/>
+                                          </p:val>
+                                        </p:tav>
+                                      </p:tavLst>
+                                    </p:anim>
+                                    <p:animScale>
+                                      <p:cBhvr>
+                                        <p:cTn id="20" dur="26">
+                                          <p:stCondLst>
+                                            <p:cond delay="650"/>
+                                          </p:stCondLst>
+                                        </p:cTn>
+                                        <p:tgtEl>
+                                          <p:spTgt spid="2"/>
+                                        </p:tgtEl>
+                                      </p:cBhvr>
+                                      <p:to x="100000" y="60000"/>
+                                    </p:animScale>
+                                    <p:animScale>
+                                      <p:cBhvr>
+                                        <p:cTn id="21" dur="166" decel="50000">
+                                          <p:stCondLst>
+                                            <p:cond delay="676"/>
+                                          </p:stCondLst>
+                                        </p:cTn>
+                                        <p:tgtEl>
+                                          <p:spTgt spid="2"/>
+                                        </p:tgtEl>
+                                      </p:cBhvr>
+                                      <p:to x="100000" y="100000"/>
+                                    </p:animScale>
+                                    <p:animScale>
+                                      <p:cBhvr>
+                                        <p:cTn id="22" dur="26">
+                                          <p:stCondLst>
+                                            <p:cond delay="1312"/>
+                                          </p:stCondLst>
+                                        </p:cTn>
+                                        <p:tgtEl>
+                                          <p:spTgt spid="2"/>
+                                        </p:tgtEl>
+                                      </p:cBhvr>
+                                      <p:to x="100000" y="80000"/>
+                                    </p:animScale>
+                                    <p:animScale>
+                                      <p:cBhvr>
+                                        <p:cTn id="23" dur="166" decel="50000">
+                                          <p:stCondLst>
+                                            <p:cond delay="1338"/>
+                                          </p:stCondLst>
+                                        </p:cTn>
+                                        <p:tgtEl>
+                                          <p:spTgt spid="2"/>
+                                        </p:tgtEl>
+                                      </p:cBhvr>
+                                      <p:to x="100000" y="100000"/>
+                                    </p:animScale>
+                                    <p:animScale>
+                                      <p:cBhvr>
+                                        <p:cTn id="24" dur="26">
+                                          <p:stCondLst>
+                                            <p:cond delay="1642"/>
+                                          </p:stCondLst>
+                                        </p:cTn>
+                                        <p:tgtEl>
+                                          <p:spTgt spid="2"/>
+                                        </p:tgtEl>
+                                      </p:cBhvr>
+                                      <p:to x="100000" y="90000"/>
+                                    </p:animScale>
+                                    <p:animScale>
+                                      <p:cBhvr>
+                                        <p:cTn id="25" dur="166" decel="50000">
+                                          <p:stCondLst>
+                                            <p:cond delay="1668"/>
+                                          </p:stCondLst>
+                                        </p:cTn>
+                                        <p:tgtEl>
+                                          <p:spTgt spid="2"/>
+                                        </p:tgtEl>
+                                      </p:cBhvr>
+                                      <p:to x="100000" y="100000"/>
+                                    </p:animScale>
+                                    <p:animScale>
+                                      <p:cBhvr>
+                                        <p:cTn id="26" dur="26">
+                                          <p:stCondLst>
+                                            <p:cond delay="1808"/>
+                                          </p:stCondLst>
+                                        </p:cTn>
+                                        <p:tgtEl>
+                                          <p:spTgt spid="2"/>
+                                        </p:tgtEl>
+                                      </p:cBhvr>
+                                      <p:to x="100000" y="95000"/>
+                                    </p:animScale>
+                                    <p:animScale>
+                                      <p:cBhvr>
+                                        <p:cTn id="27" dur="166" decel="50000">
+                                          <p:stCondLst>
+                                            <p:cond delay="1834"/>
+                                          </p:stCondLst>
+                                        </p:cTn>
+                                        <p:tgtEl>
+                                          <p:spTgt spid="2"/>
+                                        </p:tgtEl>
+                                      </p:cBhvr>
+                                      <p:to x="100000" y="100000"/>
+                                    </p:animScale>
+                                  </p:childTnLst>
+                                </p:cTn>
+                              </p:par>
+                            </p:childTnLst>
+                          </p:cTn>
+                        </p:par>
+                      </p:childTnLst>
+                    </p:cTn>
+                  </p:par>
+                  <p:par>
+                    <p:cTn id="28" fill="hold">
+                      <p:stCondLst>
+                        <p:cond delay="indefinite"/>
+                      </p:stCondLst>
+                      <p:childTnLst>
+                        <p:par>
+                          <p:cTn id="29" fill="hold">
+                            <p:stCondLst>
+                              <p:cond delay="0"/>
+                            </p:stCondLst>
+                            <p:childTnLst>
+                              <p:par>
+                                <p:cTn id="30" presetID="2" presetClass="entr" presetSubtype="4" fill="hold" grpId="0" nodeType="clickEffect">
+                                  <p:stCondLst>
+                                    <p:cond delay="0"/>
+                                  </p:stCondLst>
+                                  <p:childTnLst>
+                                    <p:set>
+                                      <p:cBhvr>
+                                        <p:cTn id="31" dur="1" fill="hold">
+                                          <p:stCondLst>
+                                            <p:cond delay="0"/>
+                                          </p:stCondLst>
+                                        </p:cTn>
+                                        <p:tgtEl>
+                                          <p:spTgt spid="7"/>
+                                        </p:tgtEl>
+                                        <p:attrNameLst>
+                                          <p:attrName>style.visibility</p:attrName>
+                                        </p:attrNameLst>
+                                      </p:cBhvr>
+                                      <p:to>
+                                        <p:strVal val="visible"/>
+                                      </p:to>
+                                    </p:set>
+                                    <p:anim calcmode="lin" valueType="num">
+                                      <p:cBhvr additive="base">
+                                        <p:cTn id="32" dur="500" fill="hold"/>
+                                        <p:tgtEl>
+                                          <p:spTgt spid="7"/>
+                                        </p:tgtEl>
+                                        <p:attrNameLst>
+                                          <p:attrName>ppt_x</p:attrName>
+                                        </p:attrNameLst>
+                                      </p:cBhvr>
+                                      <p:tavLst>
+                                        <p:tav tm="0">
+                                          <p:val>
+                                            <p:strVal val="#ppt_x"/>
+                                          </p:val>
+                                        </p:tav>
+                                        <p:tav tm="100000">
+                                          <p:val>
+                                            <p:strVal val="#ppt_x"/>
+                                          </p:val>
+                                        </p:tav>
+                                      </p:tavLst>
+                                    </p:anim>
+                                    <p:anim calcmode="lin" valueType="num">
+                                      <p:cBhvr additive="base">
+                                        <p:cTn id="33" dur="500" fill="hold"/>
+                                        <p:tgtEl>
+                                          <p:spTgt spid="7"/>
+                                        </p:tgtEl>
+                                        <p:attrNameLst>
+                                          <p:attrName>ppt_y</p:attrName>
+                                        </p:attrNameLst>
+                                      </p:cBhvr>
+                                      <p:tavLst>
+                                        <p:tav tm="0">
+                                          <p:val>
+                                            <p:strVal val="1+#ppt_h/2"/>
+                                          </p:val>
+                                        </p:tav>
+                                        <p:tav tm="100000">
+                                          <p:val>
+                                            <p:strVal val="#ppt_y"/>
+                                          </p:val>
+                                        </p:tav>
+                                      </p:tavLst>
+                                    </p:anim>
+                                  </p:childTnLst>
+                                </p:cTn>
+                              </p:par>
+                            </p:childTnLst>
+                          </p:cTn>
+                        </p:par>
+                      </p:childTnLst>
+                    </p:cTn>
+                  </p:par>
                 </p:childTnLst>
               </p:cTn>
               <p:prevCondLst>
@@ -27651,12 +28462,14 @@
     </p:tnLst>
     <p:bldLst>
       <p:bldP spid="5" grpId="0"/>
+      <p:bldP spid="2" grpId="0" animBg="1"/>
+      <p:bldP spid="7" grpId="0"/>
     </p:bldLst>
   </p:timing>
 </p:sld>
 </file>
 
-<file path=ppt/slides/slide6.xml><?xml version="1.0" encoding="utf-8"?>
+<file path=ppt/slides/slide7.xml><?xml version="1.0" encoding="utf-8"?>
 <p:sld xmlns:a="http://schemas.openxmlformats.org/drawingml/2006/main" xmlns:r="http://schemas.openxmlformats.org/officeDocument/2006/relationships" xmlns:p="http://schemas.openxmlformats.org/presentationml/2006/main">
   <p:cSld>
     <p:bg>
@@ -27784,6 +28597,7 @@
                 <a:solidFill>
                   <a:schemeClr val="bg1"/>
                 </a:solidFill>
+                <a:latin typeface="Bembo" panose="02020502050201020203" pitchFamily="18" charset="0"/>
               </a:rPr>
               <a:t>Our Game</a:t>
             </a:r>
@@ -27875,6 +28689,7 @@
                 <a:solidFill>
                   <a:schemeClr val="bg1"/>
                 </a:solidFill>
+                <a:latin typeface="Bembo" panose="02020502050201020203" pitchFamily="18" charset="0"/>
               </a:rPr>
               <a:t>We decided that our game will be a turned based card game</a:t>
             </a:r>
@@ -27885,6 +28700,7 @@
                 <a:solidFill>
                   <a:schemeClr val="bg1"/>
                 </a:solidFill>
+                <a:latin typeface="Bembo" panose="02020502050201020203" pitchFamily="18" charset="0"/>
               </a:rPr>
               <a:t>Our cards will be represented as tokens on the Ethereum Blockchain</a:t>
             </a:r>
@@ -27895,6 +28711,7 @@
                 <a:solidFill>
                   <a:schemeClr val="bg1"/>
                 </a:solidFill>
+                <a:latin typeface="Bembo" panose="02020502050201020203" pitchFamily="18" charset="0"/>
               </a:rPr>
               <a:t>We use the ERC-20 and ERC-721 token standards</a:t>
             </a:r>
@@ -27905,6 +28722,7 @@
                 <a:solidFill>
                   <a:schemeClr val="bg1"/>
                 </a:solidFill>
+                <a:latin typeface="Bembo" panose="02020502050201020203" pitchFamily="18" charset="0"/>
               </a:rPr>
               <a:t>The former represents a group of cards that are common and less powerful</a:t>
             </a:r>
@@ -27915,6 +28733,7 @@
                 <a:solidFill>
                   <a:schemeClr val="bg1"/>
                 </a:solidFill>
+                <a:latin typeface="Bembo" panose="02020502050201020203" pitchFamily="18" charset="0"/>
               </a:rPr>
               <a:t>The latter represents a limited number of cards that are unique</a:t>
             </a:r>
@@ -27925,6 +28744,7 @@
                 <a:solidFill>
                   <a:schemeClr val="bg1"/>
                 </a:solidFill>
+                <a:latin typeface="Bembo" panose="02020502050201020203" pitchFamily="18" charset="0"/>
               </a:rPr>
               <a:t>The goal is to win against an AI that uses its own deck</a:t>
             </a:r>
@@ -28022,13 +28842,13 @@
   <p:clrMapOvr>
     <a:masterClrMapping/>
   </p:clrMapOvr>
-  <mc:AlternateContent xmlns:mc="http://schemas.openxmlformats.org/markup-compatibility/2006">
-    <mc:Choice xmlns:p159="http://schemas.microsoft.com/office/powerpoint/2015/09/main" Requires="p159">
+  <mc:AlternateContent xmlns:mc="http://schemas.openxmlformats.org/markup-compatibility/2006" xmlns:p159="http://schemas.microsoft.com/office/powerpoint/2015/09/main">
+    <mc:Choice Requires="p159">
       <p:transition xmlns:p14="http://schemas.microsoft.com/office/powerpoint/2010/main" spd="slow" p14:dur="2000">
         <p159:morph option="byObject"/>
       </p:transition>
     </mc:Choice>
-    <mc:Fallback>
+    <mc:Fallback xmlns="">
       <p:transition spd="slow">
         <p:fade/>
       </p:transition>
@@ -28154,7 +28974,7 @@
                             </p:stCondLst>
                             <p:childTnLst>
                               <p:par>
-                                <p:cTn id="12" presetID="42" presetClass="entr" presetSubtype="0" fill="hold" grpId="0" nodeType="clickEffect">
+                                <p:cTn id="12" presetID="22" presetClass="entr" presetSubtype="4" fill="hold" grpId="0" nodeType="clickEffect">
                                   <p:stCondLst>
                                     <p:cond delay="0"/>
                                   </p:stCondLst>
@@ -28181,9 +29001,9 @@
                                         <p:strVal val="visible"/>
                                       </p:to>
                                     </p:set>
-                                    <p:animEffect transition="in" filter="fade">
+                                    <p:animEffect transition="in" filter="wipe(down)">
                                       <p:cBhvr>
-                                        <p:cTn id="14" dur="1000"/>
+                                        <p:cTn id="14" dur="500"/>
                                         <p:tgtEl>
                                           <p:spTgt spid="3">
                                             <p:txEl>
@@ -28193,60 +29013,6 @@
                                         </p:tgtEl>
                                       </p:cBhvr>
                                     </p:animEffect>
-                                    <p:anim calcmode="lin" valueType="num">
-                                      <p:cBhvr>
-                                        <p:cTn id="15" dur="1000" fill="hold"/>
-                                        <p:tgtEl>
-                                          <p:spTgt spid="3">
-                                            <p:txEl>
-                                              <p:pRg st="0" end="0"/>
-                                            </p:txEl>
-                                          </p:spTgt>
-                                        </p:tgtEl>
-                                        <p:attrNameLst>
-                                          <p:attrName>ppt_x</p:attrName>
-                                        </p:attrNameLst>
-                                      </p:cBhvr>
-                                      <p:tavLst>
-                                        <p:tav tm="0">
-                                          <p:val>
-                                            <p:strVal val="#ppt_x"/>
-                                          </p:val>
-                                        </p:tav>
-                                        <p:tav tm="100000">
-                                          <p:val>
-                                            <p:strVal val="#ppt_x"/>
-                                          </p:val>
-                                        </p:tav>
-                                      </p:tavLst>
-                                    </p:anim>
-                                    <p:anim calcmode="lin" valueType="num">
-                                      <p:cBhvr>
-                                        <p:cTn id="16" dur="1000" fill="hold"/>
-                                        <p:tgtEl>
-                                          <p:spTgt spid="3">
-                                            <p:txEl>
-                                              <p:pRg st="0" end="0"/>
-                                            </p:txEl>
-                                          </p:spTgt>
-                                        </p:tgtEl>
-                                        <p:attrNameLst>
-                                          <p:attrName>ppt_y</p:attrName>
-                                        </p:attrNameLst>
-                                      </p:cBhvr>
-                                      <p:tavLst>
-                                        <p:tav tm="0">
-                                          <p:val>
-                                            <p:strVal val="#ppt_y+.1"/>
-                                          </p:val>
-                                        </p:tav>
-                                        <p:tav tm="100000">
-                                          <p:val>
-                                            <p:strVal val="#ppt_y"/>
-                                          </p:val>
-                                        </p:tav>
-                                      </p:tavLst>
-                                    </p:anim>
                                   </p:childTnLst>
                                 </p:cTn>
                               </p:par>
@@ -28257,26 +29023,26 @@
                     </p:cTn>
                   </p:par>
                   <p:par>
-                    <p:cTn id="17" fill="hold">
+                    <p:cTn id="15" fill="hold">
                       <p:stCondLst>
                         <p:cond delay="indefinite"/>
                       </p:stCondLst>
                       <p:childTnLst>
                         <p:par>
-                          <p:cTn id="18" fill="hold">
+                          <p:cTn id="16" fill="hold">
                             <p:stCondLst>
                               <p:cond delay="0"/>
                             </p:stCondLst>
                             <p:childTnLst>
                               <p:par>
-                                <p:cTn id="19" presetID="42" presetClass="entr" presetSubtype="0" fill="hold" grpId="0" nodeType="clickEffect">
+                                <p:cTn id="17" presetID="22" presetClass="entr" presetSubtype="4" fill="hold" grpId="0" nodeType="clickEffect">
                                   <p:stCondLst>
                                     <p:cond delay="0"/>
                                   </p:stCondLst>
                                   <p:childTnLst>
                                     <p:set>
                                       <p:cBhvr>
-                                        <p:cTn id="20" dur="1" fill="hold">
+                                        <p:cTn id="18" dur="1" fill="hold">
                                           <p:stCondLst>
                                             <p:cond delay="0"/>
                                           </p:stCondLst>
@@ -28296,9 +29062,9 @@
                                         <p:strVal val="visible"/>
                                       </p:to>
                                     </p:set>
-                                    <p:animEffect transition="in" filter="fade">
+                                    <p:animEffect transition="in" filter="wipe(down)">
                                       <p:cBhvr>
-                                        <p:cTn id="21" dur="1000"/>
+                                        <p:cTn id="19" dur="500"/>
                                         <p:tgtEl>
                                           <p:spTgt spid="3">
                                             <p:txEl>
@@ -28308,60 +29074,6 @@
                                         </p:tgtEl>
                                       </p:cBhvr>
                                     </p:animEffect>
-                                    <p:anim calcmode="lin" valueType="num">
-                                      <p:cBhvr>
-                                        <p:cTn id="22" dur="1000" fill="hold"/>
-                                        <p:tgtEl>
-                                          <p:spTgt spid="3">
-                                            <p:txEl>
-                                              <p:pRg st="1" end="1"/>
-                                            </p:txEl>
-                                          </p:spTgt>
-                                        </p:tgtEl>
-                                        <p:attrNameLst>
-                                          <p:attrName>ppt_x</p:attrName>
-                                        </p:attrNameLst>
-                                      </p:cBhvr>
-                                      <p:tavLst>
-                                        <p:tav tm="0">
-                                          <p:val>
-                                            <p:strVal val="#ppt_x"/>
-                                          </p:val>
-                                        </p:tav>
-                                        <p:tav tm="100000">
-                                          <p:val>
-                                            <p:strVal val="#ppt_x"/>
-                                          </p:val>
-                                        </p:tav>
-                                      </p:tavLst>
-                                    </p:anim>
-                                    <p:anim calcmode="lin" valueType="num">
-                                      <p:cBhvr>
-                                        <p:cTn id="23" dur="1000" fill="hold"/>
-                                        <p:tgtEl>
-                                          <p:spTgt spid="3">
-                                            <p:txEl>
-                                              <p:pRg st="1" end="1"/>
-                                            </p:txEl>
-                                          </p:spTgt>
-                                        </p:tgtEl>
-                                        <p:attrNameLst>
-                                          <p:attrName>ppt_y</p:attrName>
-                                        </p:attrNameLst>
-                                      </p:cBhvr>
-                                      <p:tavLst>
-                                        <p:tav tm="0">
-                                          <p:val>
-                                            <p:strVal val="#ppt_y+.1"/>
-                                          </p:val>
-                                        </p:tav>
-                                        <p:tav tm="100000">
-                                          <p:val>
-                                            <p:strVal val="#ppt_y"/>
-                                          </p:val>
-                                        </p:tav>
-                                      </p:tavLst>
-                                    </p:anim>
                                   </p:childTnLst>
                                 </p:cTn>
                               </p:par>
@@ -28372,26 +29084,26 @@
                     </p:cTn>
                   </p:par>
                   <p:par>
-                    <p:cTn id="24" fill="hold">
+                    <p:cTn id="20" fill="hold">
                       <p:stCondLst>
                         <p:cond delay="indefinite"/>
                       </p:stCondLst>
                       <p:childTnLst>
                         <p:par>
-                          <p:cTn id="25" fill="hold">
+                          <p:cTn id="21" fill="hold">
                             <p:stCondLst>
                               <p:cond delay="0"/>
                             </p:stCondLst>
                             <p:childTnLst>
                               <p:par>
-                                <p:cTn id="26" presetID="42" presetClass="entr" presetSubtype="0" fill="hold" grpId="0" nodeType="clickEffect">
+                                <p:cTn id="22" presetID="22" presetClass="entr" presetSubtype="4" fill="hold" grpId="0" nodeType="clickEffect">
                                   <p:stCondLst>
                                     <p:cond delay="0"/>
                                   </p:stCondLst>
                                   <p:childTnLst>
                                     <p:set>
                                       <p:cBhvr>
-                                        <p:cTn id="27" dur="1" fill="hold">
+                                        <p:cTn id="23" dur="1" fill="hold">
                                           <p:stCondLst>
                                             <p:cond delay="0"/>
                                           </p:stCondLst>
@@ -28411,9 +29123,9 @@
                                         <p:strVal val="visible"/>
                                       </p:to>
                                     </p:set>
-                                    <p:animEffect transition="in" filter="fade">
+                                    <p:animEffect transition="in" filter="wipe(down)">
                                       <p:cBhvr>
-                                        <p:cTn id="28" dur="1000"/>
+                                        <p:cTn id="24" dur="500"/>
                                         <p:tgtEl>
                                           <p:spTgt spid="3">
                                             <p:txEl>
@@ -28423,60 +29135,6 @@
                                         </p:tgtEl>
                                       </p:cBhvr>
                                     </p:animEffect>
-                                    <p:anim calcmode="lin" valueType="num">
-                                      <p:cBhvr>
-                                        <p:cTn id="29" dur="1000" fill="hold"/>
-                                        <p:tgtEl>
-                                          <p:spTgt spid="3">
-                                            <p:txEl>
-                                              <p:pRg st="2" end="2"/>
-                                            </p:txEl>
-                                          </p:spTgt>
-                                        </p:tgtEl>
-                                        <p:attrNameLst>
-                                          <p:attrName>ppt_x</p:attrName>
-                                        </p:attrNameLst>
-                                      </p:cBhvr>
-                                      <p:tavLst>
-                                        <p:tav tm="0">
-                                          <p:val>
-                                            <p:strVal val="#ppt_x"/>
-                                          </p:val>
-                                        </p:tav>
-                                        <p:tav tm="100000">
-                                          <p:val>
-                                            <p:strVal val="#ppt_x"/>
-                                          </p:val>
-                                        </p:tav>
-                                      </p:tavLst>
-                                    </p:anim>
-                                    <p:anim calcmode="lin" valueType="num">
-                                      <p:cBhvr>
-                                        <p:cTn id="30" dur="1000" fill="hold"/>
-                                        <p:tgtEl>
-                                          <p:spTgt spid="3">
-                                            <p:txEl>
-                                              <p:pRg st="2" end="2"/>
-                                            </p:txEl>
-                                          </p:spTgt>
-                                        </p:tgtEl>
-                                        <p:attrNameLst>
-                                          <p:attrName>ppt_y</p:attrName>
-                                        </p:attrNameLst>
-                                      </p:cBhvr>
-                                      <p:tavLst>
-                                        <p:tav tm="0">
-                                          <p:val>
-                                            <p:strVal val="#ppt_y+.1"/>
-                                          </p:val>
-                                        </p:tav>
-                                        <p:tav tm="100000">
-                                          <p:val>
-                                            <p:strVal val="#ppt_y"/>
-                                          </p:val>
-                                        </p:tav>
-                                      </p:tavLst>
-                                    </p:anim>
                                   </p:childTnLst>
                                 </p:cTn>
                               </p:par>
@@ -28487,26 +29145,26 @@
                     </p:cTn>
                   </p:par>
                   <p:par>
-                    <p:cTn id="31" fill="hold">
+                    <p:cTn id="25" fill="hold">
                       <p:stCondLst>
                         <p:cond delay="indefinite"/>
                       </p:stCondLst>
                       <p:childTnLst>
                         <p:par>
-                          <p:cTn id="32" fill="hold">
+                          <p:cTn id="26" fill="hold">
                             <p:stCondLst>
                               <p:cond delay="0"/>
                             </p:stCondLst>
                             <p:childTnLst>
                               <p:par>
-                                <p:cTn id="33" presetID="42" presetClass="entr" presetSubtype="0" fill="hold" grpId="0" nodeType="clickEffect">
+                                <p:cTn id="27" presetID="22" presetClass="entr" presetSubtype="4" fill="hold" grpId="0" nodeType="clickEffect">
                                   <p:stCondLst>
                                     <p:cond delay="0"/>
                                   </p:stCondLst>
                                   <p:childTnLst>
                                     <p:set>
                                       <p:cBhvr>
-                                        <p:cTn id="34" dur="1" fill="hold">
+                                        <p:cTn id="28" dur="1" fill="hold">
                                           <p:stCondLst>
                                             <p:cond delay="0"/>
                                           </p:stCondLst>
@@ -28526,9 +29184,9 @@
                                         <p:strVal val="visible"/>
                                       </p:to>
                                     </p:set>
-                                    <p:animEffect transition="in" filter="fade">
+                                    <p:animEffect transition="in" filter="wipe(down)">
                                       <p:cBhvr>
-                                        <p:cTn id="35" dur="1000"/>
+                                        <p:cTn id="29" dur="500"/>
                                         <p:tgtEl>
                                           <p:spTgt spid="3">
                                             <p:txEl>
@@ -28538,60 +29196,6 @@
                                         </p:tgtEl>
                                       </p:cBhvr>
                                     </p:animEffect>
-                                    <p:anim calcmode="lin" valueType="num">
-                                      <p:cBhvr>
-                                        <p:cTn id="36" dur="1000" fill="hold"/>
-                                        <p:tgtEl>
-                                          <p:spTgt spid="3">
-                                            <p:txEl>
-                                              <p:pRg st="3" end="3"/>
-                                            </p:txEl>
-                                          </p:spTgt>
-                                        </p:tgtEl>
-                                        <p:attrNameLst>
-                                          <p:attrName>ppt_x</p:attrName>
-                                        </p:attrNameLst>
-                                      </p:cBhvr>
-                                      <p:tavLst>
-                                        <p:tav tm="0">
-                                          <p:val>
-                                            <p:strVal val="#ppt_x"/>
-                                          </p:val>
-                                        </p:tav>
-                                        <p:tav tm="100000">
-                                          <p:val>
-                                            <p:strVal val="#ppt_x"/>
-                                          </p:val>
-                                        </p:tav>
-                                      </p:tavLst>
-                                    </p:anim>
-                                    <p:anim calcmode="lin" valueType="num">
-                                      <p:cBhvr>
-                                        <p:cTn id="37" dur="1000" fill="hold"/>
-                                        <p:tgtEl>
-                                          <p:spTgt spid="3">
-                                            <p:txEl>
-                                              <p:pRg st="3" end="3"/>
-                                            </p:txEl>
-                                          </p:spTgt>
-                                        </p:tgtEl>
-                                        <p:attrNameLst>
-                                          <p:attrName>ppt_y</p:attrName>
-                                        </p:attrNameLst>
-                                      </p:cBhvr>
-                                      <p:tavLst>
-                                        <p:tav tm="0">
-                                          <p:val>
-                                            <p:strVal val="#ppt_y+.1"/>
-                                          </p:val>
-                                        </p:tav>
-                                        <p:tav tm="100000">
-                                          <p:val>
-                                            <p:strVal val="#ppt_y"/>
-                                          </p:val>
-                                        </p:tav>
-                                      </p:tavLst>
-                                    </p:anim>
                                   </p:childTnLst>
                                 </p:cTn>
                               </p:par>
@@ -28602,26 +29206,26 @@
                     </p:cTn>
                   </p:par>
                   <p:par>
-                    <p:cTn id="38" fill="hold">
+                    <p:cTn id="30" fill="hold">
                       <p:stCondLst>
                         <p:cond delay="indefinite"/>
                       </p:stCondLst>
                       <p:childTnLst>
                         <p:par>
-                          <p:cTn id="39" fill="hold">
+                          <p:cTn id="31" fill="hold">
                             <p:stCondLst>
                               <p:cond delay="0"/>
                             </p:stCondLst>
                             <p:childTnLst>
                               <p:par>
-                                <p:cTn id="40" presetID="42" presetClass="entr" presetSubtype="0" fill="hold" grpId="0" nodeType="clickEffect">
+                                <p:cTn id="32" presetID="22" presetClass="entr" presetSubtype="4" fill="hold" grpId="0" nodeType="clickEffect">
                                   <p:stCondLst>
                                     <p:cond delay="0"/>
                                   </p:stCondLst>
                                   <p:childTnLst>
                                     <p:set>
                                       <p:cBhvr>
-                                        <p:cTn id="41" dur="1" fill="hold">
+                                        <p:cTn id="33" dur="1" fill="hold">
                                           <p:stCondLst>
                                             <p:cond delay="0"/>
                                           </p:stCondLst>
@@ -28641,9 +29245,9 @@
                                         <p:strVal val="visible"/>
                                       </p:to>
                                     </p:set>
-                                    <p:animEffect transition="in" filter="fade">
+                                    <p:animEffect transition="in" filter="wipe(down)">
                                       <p:cBhvr>
-                                        <p:cTn id="42" dur="1000"/>
+                                        <p:cTn id="34" dur="500"/>
                                         <p:tgtEl>
                                           <p:spTgt spid="3">
                                             <p:txEl>
@@ -28653,60 +29257,6 @@
                                         </p:tgtEl>
                                       </p:cBhvr>
                                     </p:animEffect>
-                                    <p:anim calcmode="lin" valueType="num">
-                                      <p:cBhvr>
-                                        <p:cTn id="43" dur="1000" fill="hold"/>
-                                        <p:tgtEl>
-                                          <p:spTgt spid="3">
-                                            <p:txEl>
-                                              <p:pRg st="4" end="4"/>
-                                            </p:txEl>
-                                          </p:spTgt>
-                                        </p:tgtEl>
-                                        <p:attrNameLst>
-                                          <p:attrName>ppt_x</p:attrName>
-                                        </p:attrNameLst>
-                                      </p:cBhvr>
-                                      <p:tavLst>
-                                        <p:tav tm="0">
-                                          <p:val>
-                                            <p:strVal val="#ppt_x"/>
-                                          </p:val>
-                                        </p:tav>
-                                        <p:tav tm="100000">
-                                          <p:val>
-                                            <p:strVal val="#ppt_x"/>
-                                          </p:val>
-                                        </p:tav>
-                                      </p:tavLst>
-                                    </p:anim>
-                                    <p:anim calcmode="lin" valueType="num">
-                                      <p:cBhvr>
-                                        <p:cTn id="44" dur="1000" fill="hold"/>
-                                        <p:tgtEl>
-                                          <p:spTgt spid="3">
-                                            <p:txEl>
-                                              <p:pRg st="4" end="4"/>
-                                            </p:txEl>
-                                          </p:spTgt>
-                                        </p:tgtEl>
-                                        <p:attrNameLst>
-                                          <p:attrName>ppt_y</p:attrName>
-                                        </p:attrNameLst>
-                                      </p:cBhvr>
-                                      <p:tavLst>
-                                        <p:tav tm="0">
-                                          <p:val>
-                                            <p:strVal val="#ppt_y+.1"/>
-                                          </p:val>
-                                        </p:tav>
-                                        <p:tav tm="100000">
-                                          <p:val>
-                                            <p:strVal val="#ppt_y"/>
-                                          </p:val>
-                                        </p:tav>
-                                      </p:tavLst>
-                                    </p:anim>
                                   </p:childTnLst>
                                 </p:cTn>
                               </p:par>
@@ -28717,26 +29267,26 @@
                     </p:cTn>
                   </p:par>
                   <p:par>
-                    <p:cTn id="45" fill="hold">
+                    <p:cTn id="35" fill="hold">
                       <p:stCondLst>
                         <p:cond delay="indefinite"/>
                       </p:stCondLst>
                       <p:childTnLst>
                         <p:par>
-                          <p:cTn id="46" fill="hold">
+                          <p:cTn id="36" fill="hold">
                             <p:stCondLst>
                               <p:cond delay="0"/>
                             </p:stCondLst>
                             <p:childTnLst>
                               <p:par>
-                                <p:cTn id="47" presetID="42" presetClass="entr" presetSubtype="0" fill="hold" grpId="0" nodeType="clickEffect">
+                                <p:cTn id="37" presetID="22" presetClass="entr" presetSubtype="4" fill="hold" grpId="0" nodeType="clickEffect">
                                   <p:stCondLst>
                                     <p:cond delay="0"/>
                                   </p:stCondLst>
                                   <p:childTnLst>
                                     <p:set>
                                       <p:cBhvr>
-                                        <p:cTn id="48" dur="1" fill="hold">
+                                        <p:cTn id="38" dur="1" fill="hold">
                                           <p:stCondLst>
                                             <p:cond delay="0"/>
                                           </p:stCondLst>
@@ -28756,9 +29306,9 @@
                                         <p:strVal val="visible"/>
                                       </p:to>
                                     </p:set>
-                                    <p:animEffect transition="in" filter="fade">
+                                    <p:animEffect transition="in" filter="wipe(down)">
                                       <p:cBhvr>
-                                        <p:cTn id="49" dur="1000"/>
+                                        <p:cTn id="39" dur="500"/>
                                         <p:tgtEl>
                                           <p:spTgt spid="3">
                                             <p:txEl>
@@ -28768,60 +29318,6 @@
                                         </p:tgtEl>
                                       </p:cBhvr>
                                     </p:animEffect>
-                                    <p:anim calcmode="lin" valueType="num">
-                                      <p:cBhvr>
-                                        <p:cTn id="50" dur="1000" fill="hold"/>
-                                        <p:tgtEl>
-                                          <p:spTgt spid="3">
-                                            <p:txEl>
-                                              <p:pRg st="5" end="5"/>
-                                            </p:txEl>
-                                          </p:spTgt>
-                                        </p:tgtEl>
-                                        <p:attrNameLst>
-                                          <p:attrName>ppt_x</p:attrName>
-                                        </p:attrNameLst>
-                                      </p:cBhvr>
-                                      <p:tavLst>
-                                        <p:tav tm="0">
-                                          <p:val>
-                                            <p:strVal val="#ppt_x"/>
-                                          </p:val>
-                                        </p:tav>
-                                        <p:tav tm="100000">
-                                          <p:val>
-                                            <p:strVal val="#ppt_x"/>
-                                          </p:val>
-                                        </p:tav>
-                                      </p:tavLst>
-                                    </p:anim>
-                                    <p:anim calcmode="lin" valueType="num">
-                                      <p:cBhvr>
-                                        <p:cTn id="51" dur="1000" fill="hold"/>
-                                        <p:tgtEl>
-                                          <p:spTgt spid="3">
-                                            <p:txEl>
-                                              <p:pRg st="5" end="5"/>
-                                            </p:txEl>
-                                          </p:spTgt>
-                                        </p:tgtEl>
-                                        <p:attrNameLst>
-                                          <p:attrName>ppt_y</p:attrName>
-                                        </p:attrNameLst>
-                                      </p:cBhvr>
-                                      <p:tavLst>
-                                        <p:tav tm="0">
-                                          <p:val>
-                                            <p:strVal val="#ppt_y+.1"/>
-                                          </p:val>
-                                        </p:tav>
-                                        <p:tav tm="100000">
-                                          <p:val>
-                                            <p:strVal val="#ppt_y"/>
-                                          </p:val>
-                                        </p:tav>
-                                      </p:tavLst>
-                                    </p:anim>
                                   </p:childTnLst>
                                 </p:cTn>
                               </p:par>
@@ -28860,7 +29356,7 @@
 </p:sld>
 </file>
 
-<file path=ppt/slides/slide7.xml><?xml version="1.0" encoding="utf-8"?>
+<file path=ppt/slides/slide8.xml><?xml version="1.0" encoding="utf-8"?>
 <p:sld xmlns:a="http://schemas.openxmlformats.org/drawingml/2006/main" xmlns:r="http://schemas.openxmlformats.org/officeDocument/2006/relationships" xmlns:p="http://schemas.openxmlformats.org/presentationml/2006/main">
   <p:cSld>
     <p:bg>
@@ -29030,13 +29526,393 @@
   <p:clrMapOvr>
     <a:masterClrMapping/>
   </p:clrMapOvr>
-  <mc:AlternateContent xmlns:mc="http://schemas.openxmlformats.org/markup-compatibility/2006">
-    <mc:Choice xmlns:p159="http://schemas.microsoft.com/office/powerpoint/2015/09/main" Requires="p159">
+  <mc:AlternateContent xmlns:mc="http://schemas.openxmlformats.org/markup-compatibility/2006" xmlns:p159="http://schemas.microsoft.com/office/powerpoint/2015/09/main">
+    <mc:Choice Requires="p159">
       <p:transition xmlns:p14="http://schemas.microsoft.com/office/powerpoint/2010/main" spd="slow" p14:dur="2000">
         <p159:morph option="byObject"/>
       </p:transition>
     </mc:Choice>
-    <mc:Fallback>
+    <mc:Fallback xmlns="">
+      <p:transition spd="slow">
+        <p:fade/>
+      </p:transition>
+    </mc:Fallback>
+  </mc:AlternateContent>
+  <p:timing>
+    <p:tnLst>
+      <p:par>
+        <p:cTn id="1" dur="indefinite" restart="never" nodeType="tmRoot">
+          <p:childTnLst>
+            <p:seq concurrent="1" nextAc="seek">
+              <p:cTn id="2" dur="indefinite" nodeType="mainSeq">
+                <p:childTnLst>
+                  <p:par>
+                    <p:cTn id="3" fill="hold">
+                      <p:stCondLst>
+                        <p:cond delay="indefinite"/>
+                      </p:stCondLst>
+                      <p:childTnLst>
+                        <p:par>
+                          <p:cTn id="4" fill="hold">
+                            <p:stCondLst>
+                              <p:cond delay="0"/>
+                            </p:stCondLst>
+                            <p:childTnLst>
+                              <p:par>
+                                <p:cTn id="5" presetID="42" presetClass="entr" presetSubtype="0" fill="hold" grpId="0" nodeType="clickEffect">
+                                  <p:stCondLst>
+                                    <p:cond delay="0"/>
+                                  </p:stCondLst>
+                                  <p:childTnLst>
+                                    <p:set>
+                                      <p:cBhvr>
+                                        <p:cTn id="6" dur="1" fill="hold">
+                                          <p:stCondLst>
+                                            <p:cond delay="0"/>
+                                          </p:stCondLst>
+                                        </p:cTn>
+                                        <p:tgtEl>
+                                          <p:spTgt spid="2"/>
+                                        </p:tgtEl>
+                                        <p:attrNameLst>
+                                          <p:attrName>style.visibility</p:attrName>
+                                        </p:attrNameLst>
+                                      </p:cBhvr>
+                                      <p:to>
+                                        <p:strVal val="visible"/>
+                                      </p:to>
+                                    </p:set>
+                                    <p:animEffect transition="in" filter="fade">
+                                      <p:cBhvr>
+                                        <p:cTn id="7" dur="1000"/>
+                                        <p:tgtEl>
+                                          <p:spTgt spid="2"/>
+                                        </p:tgtEl>
+                                      </p:cBhvr>
+                                    </p:animEffect>
+                                    <p:anim calcmode="lin" valueType="num">
+                                      <p:cBhvr>
+                                        <p:cTn id="8" dur="1000" fill="hold"/>
+                                        <p:tgtEl>
+                                          <p:spTgt spid="2"/>
+                                        </p:tgtEl>
+                                        <p:attrNameLst>
+                                          <p:attrName>ppt_x</p:attrName>
+                                        </p:attrNameLst>
+                                      </p:cBhvr>
+                                      <p:tavLst>
+                                        <p:tav tm="0">
+                                          <p:val>
+                                            <p:strVal val="#ppt_x"/>
+                                          </p:val>
+                                        </p:tav>
+                                        <p:tav tm="100000">
+                                          <p:val>
+                                            <p:strVal val="#ppt_x"/>
+                                          </p:val>
+                                        </p:tav>
+                                      </p:tavLst>
+                                    </p:anim>
+                                    <p:anim calcmode="lin" valueType="num">
+                                      <p:cBhvr>
+                                        <p:cTn id="9" dur="1000" fill="hold"/>
+                                        <p:tgtEl>
+                                          <p:spTgt spid="2"/>
+                                        </p:tgtEl>
+                                        <p:attrNameLst>
+                                          <p:attrName>ppt_y</p:attrName>
+                                        </p:attrNameLst>
+                                      </p:cBhvr>
+                                      <p:tavLst>
+                                        <p:tav tm="0">
+                                          <p:val>
+                                            <p:strVal val="#ppt_y+.1"/>
+                                          </p:val>
+                                        </p:tav>
+                                        <p:tav tm="100000">
+                                          <p:val>
+                                            <p:strVal val="#ppt_y"/>
+                                          </p:val>
+                                        </p:tav>
+                                      </p:tavLst>
+                                    </p:anim>
+                                  </p:childTnLst>
+                                </p:cTn>
+                              </p:par>
+                            </p:childTnLst>
+                          </p:cTn>
+                        </p:par>
+                      </p:childTnLst>
+                    </p:cTn>
+                  </p:par>
+                  <p:par>
+                    <p:cTn id="10" fill="hold">
+                      <p:stCondLst>
+                        <p:cond delay="indefinite"/>
+                      </p:stCondLst>
+                      <p:childTnLst>
+                        <p:par>
+                          <p:cTn id="11" fill="hold">
+                            <p:stCondLst>
+                              <p:cond delay="0"/>
+                            </p:stCondLst>
+                            <p:childTnLst>
+                              <p:par>
+                                <p:cTn id="12" presetID="10" presetClass="entr" presetSubtype="0" fill="hold" nodeType="clickEffect">
+                                  <p:stCondLst>
+                                    <p:cond delay="0"/>
+                                  </p:stCondLst>
+                                  <p:childTnLst>
+                                    <p:set>
+                                      <p:cBhvr>
+                                        <p:cTn id="13" dur="1" fill="hold">
+                                          <p:stCondLst>
+                                            <p:cond delay="0"/>
+                                          </p:stCondLst>
+                                        </p:cTn>
+                                        <p:tgtEl>
+                                          <p:spTgt spid="5"/>
+                                        </p:tgtEl>
+                                        <p:attrNameLst>
+                                          <p:attrName>style.visibility</p:attrName>
+                                        </p:attrNameLst>
+                                      </p:cBhvr>
+                                      <p:to>
+                                        <p:strVal val="visible"/>
+                                      </p:to>
+                                    </p:set>
+                                    <p:animEffect transition="in" filter="fade">
+                                      <p:cBhvr>
+                                        <p:cTn id="14" dur="500"/>
+                                        <p:tgtEl>
+                                          <p:spTgt spid="5"/>
+                                        </p:tgtEl>
+                                      </p:cBhvr>
+                                    </p:animEffect>
+                                  </p:childTnLst>
+                                </p:cTn>
+                              </p:par>
+                            </p:childTnLst>
+                          </p:cTn>
+                        </p:par>
+                      </p:childTnLst>
+                    </p:cTn>
+                  </p:par>
+                </p:childTnLst>
+              </p:cTn>
+              <p:prevCondLst>
+                <p:cond evt="onPrev" delay="0">
+                  <p:tgtEl>
+                    <p:sldTgt/>
+                  </p:tgtEl>
+                </p:cond>
+              </p:prevCondLst>
+              <p:nextCondLst>
+                <p:cond evt="onNext" delay="0">
+                  <p:tgtEl>
+                    <p:sldTgt/>
+                  </p:tgtEl>
+                </p:cond>
+              </p:nextCondLst>
+            </p:seq>
+          </p:childTnLst>
+        </p:cTn>
+      </p:par>
+    </p:tnLst>
+    <p:bldLst>
+      <p:bldP spid="2" grpId="0"/>
+    </p:bldLst>
+  </p:timing>
+</p:sld>
+</file>
+
+<file path=ppt/slides/slide9.xml><?xml version="1.0" encoding="utf-8"?>
+<p:sld xmlns:a="http://schemas.openxmlformats.org/drawingml/2006/main" xmlns:r="http://schemas.openxmlformats.org/officeDocument/2006/relationships" xmlns:p="http://schemas.openxmlformats.org/presentationml/2006/main">
+  <p:cSld>
+    <p:bg>
+      <p:bgPr>
+        <a:solidFill>
+          <a:schemeClr val="bg1"/>
+        </a:solidFill>
+        <a:effectLst/>
+      </p:bgPr>
+    </p:bg>
+    <p:spTree>
+      <p:nvGrpSpPr>
+        <p:cNvPr id="1" name=""/>
+        <p:cNvGrpSpPr/>
+        <p:nvPr/>
+      </p:nvGrpSpPr>
+      <p:grpSpPr>
+        <a:xfrm>
+          <a:off x="0" y="0"/>
+          <a:ext cx="0" cy="0"/>
+          <a:chOff x="0" y="0"/>
+          <a:chExt cx="0" cy="0"/>
+        </a:xfrm>
+      </p:grpSpPr>
+      <p:sp useBgFill="1">
+        <p:nvSpPr>
+          <p:cNvPr id="12" name="Rectangle 9">
+            <a:extLst>
+              <a:ext uri="{FF2B5EF4-FFF2-40B4-BE49-F238E27FC236}">
+                <a16:creationId xmlns:a16="http://schemas.microsoft.com/office/drawing/2014/main" id="{B95B9BA8-1D69-4796-85F5-B6D0BD52354B}"/>
+              </a:ext>
+              <a:ext uri="{C183D7F6-B498-43B3-948B-1728B52AA6E4}">
+                <adec:decorative xmlns:adec="http://schemas.microsoft.com/office/drawing/2017/decorative" val="1"/>
+              </a:ext>
+            </a:extLst>
+          </p:cNvPr>
+          <p:cNvSpPr>
+            <a:spLocks noGrp="1" noRot="1" noChangeAspect="1" noMove="1" noResize="1" noEditPoints="1" noAdjustHandles="1" noChangeArrowheads="1" noChangeShapeType="1" noTextEdit="1"/>
+          </p:cNvSpPr>
+          <p:nvPr>
+            <p:extLst>
+              <p:ext uri="{386F3935-93C4-4BCD-93E2-E3B085C9AB24}">
+                <p16:designElem xmlns:p16="http://schemas.microsoft.com/office/powerpoint/2015/main" val="1"/>
+              </p:ext>
+            </p:extLst>
+          </p:nvPr>
+        </p:nvSpPr>
+        <p:spPr>
+          <a:xfrm>
+            <a:off x="0" y="0"/>
+            <a:ext cx="12192000" cy="6858000"/>
+          </a:xfrm>
+          <a:prstGeom prst="rect">
+            <a:avLst/>
+          </a:prstGeom>
+          <a:solidFill>
+            <a:schemeClr val="tx1"/>
+          </a:solidFill>
+          <a:ln w="12700" cap="flat" cmpd="sng" algn="ctr">
+            <a:noFill/>
+            <a:prstDash val="solid"/>
+            <a:miter lim="800000"/>
+          </a:ln>
+          <a:effectLst/>
+        </p:spPr>
+        <p:style>
+          <a:lnRef idx="2">
+            <a:schemeClr val="accent1">
+              <a:shade val="50000"/>
+            </a:schemeClr>
+          </a:lnRef>
+          <a:fillRef idx="1">
+            <a:schemeClr val="accent1"/>
+          </a:fillRef>
+          <a:effectRef idx="0">
+            <a:schemeClr val="accent1"/>
+          </a:effectRef>
+          <a:fontRef idx="minor">
+            <a:schemeClr val="lt1"/>
+          </a:fontRef>
+        </p:style>
+        <p:txBody>
+          <a:bodyPr rtlCol="0" anchor="ctr"/>
+          <a:lstStyle/>
+          <a:p>
+            <a:pPr algn="ctr"/>
+            <a:endParaRPr lang="en-US"/>
+          </a:p>
+        </p:txBody>
+      </p:sp>
+      <p:sp>
+        <p:nvSpPr>
+          <p:cNvPr id="2" name="Title 1">
+            <a:extLst>
+              <a:ext uri="{FF2B5EF4-FFF2-40B4-BE49-F238E27FC236}">
+                <a16:creationId xmlns:a16="http://schemas.microsoft.com/office/drawing/2014/main" id="{2F0E582D-3F8C-43D1-B341-67319C6E7D8B}"/>
+              </a:ext>
+            </a:extLst>
+          </p:cNvPr>
+          <p:cNvSpPr>
+            <a:spLocks noGrp="1"/>
+          </p:cNvSpPr>
+          <p:nvPr>
+            <p:ph type="title"/>
+          </p:nvPr>
+        </p:nvSpPr>
+        <p:spPr>
+          <a:xfrm>
+            <a:off x="838200" y="1641752"/>
+            <a:ext cx="4391025" cy="1323439"/>
+          </a:xfrm>
+        </p:spPr>
+        <p:txBody>
+          <a:bodyPr anchor="t">
+            <a:normAutofit/>
+          </a:bodyPr>
+          <a:lstStyle/>
+          <a:p>
+            <a:r>
+              <a:rPr lang="en-US" sz="4000" dirty="0">
+                <a:solidFill>
+                  <a:schemeClr val="bg1"/>
+                </a:solidFill>
+                <a:latin typeface="Bembo" panose="02020502050201020203" pitchFamily="18" charset="0"/>
+              </a:rPr>
+              <a:t>Analyzing the Components</a:t>
+            </a:r>
+          </a:p>
+        </p:txBody>
+      </p:sp>
+      <p:pic>
+        <p:nvPicPr>
+          <p:cNvPr id="13" name="Graphic 6" descr="Magnifying glass">
+            <a:extLst>
+              <a:ext uri="{FF2B5EF4-FFF2-40B4-BE49-F238E27FC236}">
+                <a16:creationId xmlns:a16="http://schemas.microsoft.com/office/drawing/2014/main" id="{D1599F41-FCCE-4B36-83C6-7269853364AA}"/>
+              </a:ext>
+            </a:extLst>
+          </p:cNvPr>
+          <p:cNvPicPr>
+            <a:picLocks noChangeAspect="1"/>
+          </p:cNvPicPr>
+          <p:nvPr/>
+        </p:nvPicPr>
+        <p:blipFill>
+          <a:blip r:embed="rId2">
+            <a:extLst>
+              <a:ext uri="{28A0092B-C50C-407E-A947-70E740481C1C}">
+                <a14:useLocalDpi xmlns:a14="http://schemas.microsoft.com/office/drawing/2010/main" val="0"/>
+              </a:ext>
+              <a:ext uri="{96DAC541-7B7A-43D3-8B79-37D633B846F1}">
+                <asvg:svgBlip xmlns:asvg="http://schemas.microsoft.com/office/drawing/2016/SVG/main" r:embed="rId3"/>
+              </a:ext>
+            </a:extLst>
+          </a:blip>
+          <a:stretch>
+            <a:fillRect/>
+          </a:stretch>
+        </p:blipFill>
+        <p:spPr>
+          <a:xfrm>
+            <a:off x="6746487" y="1429488"/>
+            <a:ext cx="3960000" cy="3960000"/>
+          </a:xfrm>
+          <a:prstGeom prst="rect">
+            <a:avLst/>
+          </a:prstGeom>
+        </p:spPr>
+      </p:pic>
+    </p:spTree>
+    <p:extLst>
+      <p:ext uri="{BB962C8B-B14F-4D97-AF65-F5344CB8AC3E}">
+        <p14:creationId xmlns:p14="http://schemas.microsoft.com/office/powerpoint/2010/main" val="709866520"/>
+      </p:ext>
+    </p:extLst>
+  </p:cSld>
+  <p:clrMapOvr>
+    <a:masterClrMapping/>
+  </p:clrMapOvr>
+  <mc:AlternateContent xmlns:mc="http://schemas.openxmlformats.org/markup-compatibility/2006" xmlns:p159="http://schemas.microsoft.com/office/powerpoint/2015/09/main">
+    <mc:Choice Requires="p159">
+      <p:transition xmlns:p14="http://schemas.microsoft.com/office/powerpoint/2010/main" spd="slow" p14:dur="2000">
+        <p159:morph option="byObject"/>
+      </p:transition>
+    </mc:Choice>
+    <mc:Fallback xmlns="">
       <p:transition spd="slow">
         <p:fade/>
       </p:transition>
@@ -29172,1295 +30048,6 @@
     </p:tnLst>
     <p:bldLst>
       <p:bldP spid="2" grpId="0"/>
-    </p:bldLst>
-  </p:timing>
-</p:sld>
-</file>
-
-<file path=ppt/slides/slide8.xml><?xml version="1.0" encoding="utf-8"?>
-<p:sld xmlns:a="http://schemas.openxmlformats.org/drawingml/2006/main" xmlns:r="http://schemas.openxmlformats.org/officeDocument/2006/relationships" xmlns:p="http://schemas.openxmlformats.org/presentationml/2006/main">
-  <p:cSld>
-    <p:bg>
-      <p:bgPr>
-        <a:solidFill>
-          <a:schemeClr val="bg1"/>
-        </a:solidFill>
-        <a:effectLst/>
-      </p:bgPr>
-    </p:bg>
-    <p:spTree>
-      <p:nvGrpSpPr>
-        <p:cNvPr id="1" name=""/>
-        <p:cNvGrpSpPr/>
-        <p:nvPr/>
-      </p:nvGrpSpPr>
-      <p:grpSpPr>
-        <a:xfrm>
-          <a:off x="0" y="0"/>
-          <a:ext cx="0" cy="0"/>
-          <a:chOff x="0" y="0"/>
-          <a:chExt cx="0" cy="0"/>
-        </a:xfrm>
-      </p:grpSpPr>
-      <p:sp useBgFill="1">
-        <p:nvSpPr>
-          <p:cNvPr id="12" name="Rectangle 9">
-            <a:extLst>
-              <a:ext uri="{FF2B5EF4-FFF2-40B4-BE49-F238E27FC236}">
-                <a16:creationId xmlns:a16="http://schemas.microsoft.com/office/drawing/2014/main" id="{B95B9BA8-1D69-4796-85F5-B6D0BD52354B}"/>
-              </a:ext>
-              <a:ext uri="{C183D7F6-B498-43B3-948B-1728B52AA6E4}">
-                <adec:decorative xmlns:adec="http://schemas.microsoft.com/office/drawing/2017/decorative" val="1"/>
-              </a:ext>
-            </a:extLst>
-          </p:cNvPr>
-          <p:cNvSpPr>
-            <a:spLocks noGrp="1" noRot="1" noChangeAspect="1" noMove="1" noResize="1" noEditPoints="1" noAdjustHandles="1" noChangeArrowheads="1" noChangeShapeType="1" noTextEdit="1"/>
-          </p:cNvSpPr>
-          <p:nvPr>
-            <p:extLst>
-              <p:ext uri="{386F3935-93C4-4BCD-93E2-E3B085C9AB24}">
-                <p16:designElem xmlns:p16="http://schemas.microsoft.com/office/powerpoint/2015/main" val="1"/>
-              </p:ext>
-            </p:extLst>
-          </p:nvPr>
-        </p:nvSpPr>
-        <p:spPr>
-          <a:xfrm>
-            <a:off x="0" y="0"/>
-            <a:ext cx="12192000" cy="6858000"/>
-          </a:xfrm>
-          <a:prstGeom prst="rect">
-            <a:avLst/>
-          </a:prstGeom>
-          <a:solidFill>
-            <a:schemeClr val="tx1"/>
-          </a:solidFill>
-          <a:ln w="12700" cap="flat" cmpd="sng" algn="ctr">
-            <a:noFill/>
-            <a:prstDash val="solid"/>
-            <a:miter lim="800000"/>
-          </a:ln>
-          <a:effectLst/>
-        </p:spPr>
-        <p:style>
-          <a:lnRef idx="2">
-            <a:schemeClr val="accent1">
-              <a:shade val="50000"/>
-            </a:schemeClr>
-          </a:lnRef>
-          <a:fillRef idx="1">
-            <a:schemeClr val="accent1"/>
-          </a:fillRef>
-          <a:effectRef idx="0">
-            <a:schemeClr val="accent1"/>
-          </a:effectRef>
-          <a:fontRef idx="minor">
-            <a:schemeClr val="lt1"/>
-          </a:fontRef>
-        </p:style>
-        <p:txBody>
-          <a:bodyPr rtlCol="0" anchor="ctr"/>
-          <a:lstStyle/>
-          <a:p>
-            <a:pPr algn="ctr"/>
-            <a:endParaRPr lang="en-US"/>
-          </a:p>
-        </p:txBody>
-      </p:sp>
-      <p:sp>
-        <p:nvSpPr>
-          <p:cNvPr id="2" name="Title 1">
-            <a:extLst>
-              <a:ext uri="{FF2B5EF4-FFF2-40B4-BE49-F238E27FC236}">
-                <a16:creationId xmlns:a16="http://schemas.microsoft.com/office/drawing/2014/main" id="{2F0E582D-3F8C-43D1-B341-67319C6E7D8B}"/>
-              </a:ext>
-            </a:extLst>
-          </p:cNvPr>
-          <p:cNvSpPr>
-            <a:spLocks noGrp="1"/>
-          </p:cNvSpPr>
-          <p:nvPr>
-            <p:ph type="title"/>
-          </p:nvPr>
-        </p:nvSpPr>
-        <p:spPr>
-          <a:xfrm>
-            <a:off x="838200" y="1641752"/>
-            <a:ext cx="4391025" cy="1323439"/>
-          </a:xfrm>
-        </p:spPr>
-        <p:txBody>
-          <a:bodyPr anchor="t">
-            <a:normAutofit/>
-          </a:bodyPr>
-          <a:lstStyle/>
-          <a:p>
-            <a:r>
-              <a:rPr lang="en-US" sz="4000" dirty="0">
-                <a:solidFill>
-                  <a:schemeClr val="bg1"/>
-                </a:solidFill>
-              </a:rPr>
-              <a:t>Analyzing the Components</a:t>
-            </a:r>
-          </a:p>
-        </p:txBody>
-      </p:sp>
-      <p:sp>
-        <p:nvSpPr>
-          <p:cNvPr id="3" name="Content Placeholder 2">
-            <a:extLst>
-              <a:ext uri="{FF2B5EF4-FFF2-40B4-BE49-F238E27FC236}">
-                <a16:creationId xmlns:a16="http://schemas.microsoft.com/office/drawing/2014/main" id="{FBDE8EF4-512D-482A-A635-9863886B06C8}"/>
-              </a:ext>
-            </a:extLst>
-          </p:cNvPr>
-          <p:cNvSpPr>
-            <a:spLocks noGrp="1"/>
-          </p:cNvSpPr>
-          <p:nvPr>
-            <p:ph idx="1"/>
-          </p:nvPr>
-        </p:nvSpPr>
-        <p:spPr>
-          <a:xfrm>
-            <a:off x="838200" y="3146400"/>
-            <a:ext cx="4391025" cy="2454300"/>
-          </a:xfrm>
-        </p:spPr>
-        <p:txBody>
-          <a:bodyPr>
-            <a:normAutofit/>
-          </a:bodyPr>
-          <a:lstStyle/>
-          <a:p>
-            <a:endParaRPr lang="en-US" sz="2400">
-              <a:solidFill>
-                <a:schemeClr val="bg1">
-                  <a:alpha val="80000"/>
-                </a:schemeClr>
-              </a:solidFill>
-            </a:endParaRPr>
-          </a:p>
-        </p:txBody>
-      </p:sp>
-      <p:pic>
-        <p:nvPicPr>
-          <p:cNvPr id="13" name="Graphic 6" descr="Magnifying glass">
-            <a:extLst>
-              <a:ext uri="{FF2B5EF4-FFF2-40B4-BE49-F238E27FC236}">
-                <a16:creationId xmlns:a16="http://schemas.microsoft.com/office/drawing/2014/main" id="{D1599F41-FCCE-4B36-83C6-7269853364AA}"/>
-              </a:ext>
-            </a:extLst>
-          </p:cNvPr>
-          <p:cNvPicPr>
-            <a:picLocks noChangeAspect="1"/>
-          </p:cNvPicPr>
-          <p:nvPr/>
-        </p:nvPicPr>
-        <p:blipFill>
-          <a:blip r:embed="rId2">
-            <a:extLst>
-              <a:ext uri="{28A0092B-C50C-407E-A947-70E740481C1C}">
-                <a14:useLocalDpi xmlns:a14="http://schemas.microsoft.com/office/drawing/2010/main" val="0"/>
-              </a:ext>
-              <a:ext uri="{96DAC541-7B7A-43D3-8B79-37D633B846F1}">
-                <asvg:svgBlip xmlns:asvg="http://schemas.microsoft.com/office/drawing/2016/SVG/main" r:embed="rId3"/>
-              </a:ext>
-            </a:extLst>
-          </a:blip>
-          <a:stretch>
-            <a:fillRect/>
-          </a:stretch>
-        </p:blipFill>
-        <p:spPr>
-          <a:xfrm>
-            <a:off x="6746487" y="1429488"/>
-            <a:ext cx="3960000" cy="3960000"/>
-          </a:xfrm>
-          <a:prstGeom prst="rect">
-            <a:avLst/>
-          </a:prstGeom>
-        </p:spPr>
-      </p:pic>
-    </p:spTree>
-    <p:extLst>
-      <p:ext uri="{BB962C8B-B14F-4D97-AF65-F5344CB8AC3E}">
-        <p14:creationId xmlns:p14="http://schemas.microsoft.com/office/powerpoint/2010/main" val="709866520"/>
-      </p:ext>
-    </p:extLst>
-  </p:cSld>
-  <p:clrMapOvr>
-    <a:masterClrMapping/>
-  </p:clrMapOvr>
-  <mc:AlternateContent xmlns:mc="http://schemas.openxmlformats.org/markup-compatibility/2006">
-    <mc:Choice xmlns:p159="http://schemas.microsoft.com/office/powerpoint/2015/09/main" Requires="p159">
-      <p:transition xmlns:p14="http://schemas.microsoft.com/office/powerpoint/2010/main" spd="slow" p14:dur="2000">
-        <p159:morph option="byObject"/>
-      </p:transition>
-    </mc:Choice>
-    <mc:Fallback>
-      <p:transition spd="slow">
-        <p:fade/>
-      </p:transition>
-    </mc:Fallback>
-  </mc:AlternateContent>
-  <p:timing>
-    <p:tnLst>
-      <p:par>
-        <p:cTn id="1" dur="indefinite" restart="never" nodeType="tmRoot">
-          <p:childTnLst>
-            <p:seq concurrent="1" nextAc="seek">
-              <p:cTn id="2" dur="indefinite" nodeType="mainSeq">
-                <p:childTnLst>
-                  <p:par>
-                    <p:cTn id="3" fill="hold">
-                      <p:stCondLst>
-                        <p:cond delay="indefinite"/>
-                      </p:stCondLst>
-                      <p:childTnLst>
-                        <p:par>
-                          <p:cTn id="4" fill="hold">
-                            <p:stCondLst>
-                              <p:cond delay="0"/>
-                            </p:stCondLst>
-                            <p:childTnLst>
-                              <p:par>
-                                <p:cTn id="5" presetID="42" presetClass="entr" presetSubtype="0" fill="hold" grpId="0" nodeType="clickEffect">
-                                  <p:stCondLst>
-                                    <p:cond delay="0"/>
-                                  </p:stCondLst>
-                                  <p:childTnLst>
-                                    <p:set>
-                                      <p:cBhvr>
-                                        <p:cTn id="6" dur="1" fill="hold">
-                                          <p:stCondLst>
-                                            <p:cond delay="0"/>
-                                          </p:stCondLst>
-                                        </p:cTn>
-                                        <p:tgtEl>
-                                          <p:spTgt spid="2"/>
-                                        </p:tgtEl>
-                                        <p:attrNameLst>
-                                          <p:attrName>style.visibility</p:attrName>
-                                        </p:attrNameLst>
-                                      </p:cBhvr>
-                                      <p:to>
-                                        <p:strVal val="visible"/>
-                                      </p:to>
-                                    </p:set>
-                                    <p:animEffect transition="in" filter="fade">
-                                      <p:cBhvr>
-                                        <p:cTn id="7" dur="1000"/>
-                                        <p:tgtEl>
-                                          <p:spTgt spid="2"/>
-                                        </p:tgtEl>
-                                      </p:cBhvr>
-                                    </p:animEffect>
-                                    <p:anim calcmode="lin" valueType="num">
-                                      <p:cBhvr>
-                                        <p:cTn id="8" dur="1000" fill="hold"/>
-                                        <p:tgtEl>
-                                          <p:spTgt spid="2"/>
-                                        </p:tgtEl>
-                                        <p:attrNameLst>
-                                          <p:attrName>ppt_x</p:attrName>
-                                        </p:attrNameLst>
-                                      </p:cBhvr>
-                                      <p:tavLst>
-                                        <p:tav tm="0">
-                                          <p:val>
-                                            <p:strVal val="#ppt_x"/>
-                                          </p:val>
-                                        </p:tav>
-                                        <p:tav tm="100000">
-                                          <p:val>
-                                            <p:strVal val="#ppt_x"/>
-                                          </p:val>
-                                        </p:tav>
-                                      </p:tavLst>
-                                    </p:anim>
-                                    <p:anim calcmode="lin" valueType="num">
-                                      <p:cBhvr>
-                                        <p:cTn id="9" dur="1000" fill="hold"/>
-                                        <p:tgtEl>
-                                          <p:spTgt spid="2"/>
-                                        </p:tgtEl>
-                                        <p:attrNameLst>
-                                          <p:attrName>ppt_y</p:attrName>
-                                        </p:attrNameLst>
-                                      </p:cBhvr>
-                                      <p:tavLst>
-                                        <p:tav tm="0">
-                                          <p:val>
-                                            <p:strVal val="#ppt_y+.1"/>
-                                          </p:val>
-                                        </p:tav>
-                                        <p:tav tm="100000">
-                                          <p:val>
-                                            <p:strVal val="#ppt_y"/>
-                                          </p:val>
-                                        </p:tav>
-                                      </p:tavLst>
-                                    </p:anim>
-                                  </p:childTnLst>
-                                </p:cTn>
-                              </p:par>
-                            </p:childTnLst>
-                          </p:cTn>
-                        </p:par>
-                      </p:childTnLst>
-                    </p:cTn>
-                  </p:par>
-                </p:childTnLst>
-              </p:cTn>
-              <p:prevCondLst>
-                <p:cond evt="onPrev" delay="0">
-                  <p:tgtEl>
-                    <p:sldTgt/>
-                  </p:tgtEl>
-                </p:cond>
-              </p:prevCondLst>
-              <p:nextCondLst>
-                <p:cond evt="onNext" delay="0">
-                  <p:tgtEl>
-                    <p:sldTgt/>
-                  </p:tgtEl>
-                </p:cond>
-              </p:nextCondLst>
-            </p:seq>
-          </p:childTnLst>
-        </p:cTn>
-      </p:par>
-    </p:tnLst>
-    <p:bldLst>
-      <p:bldP spid="2" grpId="0"/>
-    </p:bldLst>
-  </p:timing>
-</p:sld>
-</file>
-
-<file path=ppt/slides/slide9.xml><?xml version="1.0" encoding="utf-8"?>
-<p:sld xmlns:a="http://schemas.openxmlformats.org/drawingml/2006/main" xmlns:r="http://schemas.openxmlformats.org/officeDocument/2006/relationships" xmlns:p="http://schemas.openxmlformats.org/presentationml/2006/main">
-  <p:cSld>
-    <p:bg>
-      <p:bgPr>
-        <a:solidFill>
-          <a:schemeClr val="bg1"/>
-        </a:solidFill>
-        <a:effectLst/>
-      </p:bgPr>
-    </p:bg>
-    <p:spTree>
-      <p:nvGrpSpPr>
-        <p:cNvPr id="1" name=""/>
-        <p:cNvGrpSpPr/>
-        <p:nvPr/>
-      </p:nvGrpSpPr>
-      <p:grpSpPr>
-        <a:xfrm>
-          <a:off x="0" y="0"/>
-          <a:ext cx="0" cy="0"/>
-          <a:chOff x="0" y="0"/>
-          <a:chExt cx="0" cy="0"/>
-        </a:xfrm>
-      </p:grpSpPr>
-      <p:sp>
-        <p:nvSpPr>
-          <p:cNvPr id="16" name="Rectangle 7">
-            <a:extLst>
-              <a:ext uri="{FF2B5EF4-FFF2-40B4-BE49-F238E27FC236}">
-                <a16:creationId xmlns:a16="http://schemas.microsoft.com/office/drawing/2014/main" id="{E8A8EAB8-D2FF-444D-B34B-7D32F106AD0E}"/>
-              </a:ext>
-              <a:ext uri="{C183D7F6-B498-43B3-948B-1728B52AA6E4}">
-                <adec:decorative xmlns:adec="http://schemas.microsoft.com/office/drawing/2017/decorative" val="1"/>
-              </a:ext>
-            </a:extLst>
-          </p:cNvPr>
-          <p:cNvSpPr>
-            <a:spLocks noGrp="1" noRot="1" noChangeAspect="1" noMove="1" noResize="1" noEditPoints="1" noAdjustHandles="1" noChangeArrowheads="1" noChangeShapeType="1" noTextEdit="1"/>
-          </p:cNvSpPr>
-          <p:nvPr>
-            <p:extLst>
-              <p:ext uri="{386F3935-93C4-4BCD-93E2-E3B085C9AB24}">
-                <p16:designElem xmlns:p16="http://schemas.microsoft.com/office/powerpoint/2015/main" val="1"/>
-              </p:ext>
-            </p:extLst>
-          </p:nvPr>
-        </p:nvSpPr>
-        <p:spPr>
-          <a:xfrm>
-            <a:off x="0" y="0"/>
-            <a:ext cx="12192000" cy="6858000"/>
-          </a:xfrm>
-          <a:prstGeom prst="rect">
-            <a:avLst/>
-          </a:prstGeom>
-          <a:solidFill>
-            <a:schemeClr val="tx1">
-              <a:lumMod val="95000"/>
-              <a:lumOff val="5000"/>
-            </a:schemeClr>
-          </a:solidFill>
-          <a:ln>
-            <a:noFill/>
-          </a:ln>
-        </p:spPr>
-        <p:style>
-          <a:lnRef idx="2">
-            <a:schemeClr val="accent1">
-              <a:shade val="50000"/>
-            </a:schemeClr>
-          </a:lnRef>
-          <a:fillRef idx="1">
-            <a:schemeClr val="accent1"/>
-          </a:fillRef>
-          <a:effectRef idx="0">
-            <a:schemeClr val="accent1"/>
-          </a:effectRef>
-          <a:fontRef idx="minor">
-            <a:schemeClr val="lt1"/>
-          </a:fontRef>
-        </p:style>
-        <p:txBody>
-          <a:bodyPr rtlCol="0" anchor="ctr"/>
-          <a:lstStyle/>
-          <a:p>
-            <a:pPr algn="ctr"/>
-            <a:endParaRPr lang="en-US" dirty="0">
-              <a:solidFill>
-                <a:schemeClr val="bg1"/>
-              </a:solidFill>
-            </a:endParaRPr>
-          </a:p>
-        </p:txBody>
-      </p:sp>
-      <p:sp>
-        <p:nvSpPr>
-          <p:cNvPr id="2" name="Title 1">
-            <a:extLst>
-              <a:ext uri="{FF2B5EF4-FFF2-40B4-BE49-F238E27FC236}">
-                <a16:creationId xmlns:a16="http://schemas.microsoft.com/office/drawing/2014/main" id="{4743CF5C-DB45-48CC-818D-6F2A0A05369C}"/>
-              </a:ext>
-            </a:extLst>
-          </p:cNvPr>
-          <p:cNvSpPr>
-            <a:spLocks noGrp="1"/>
-          </p:cNvSpPr>
-          <p:nvPr>
-            <p:ph type="title"/>
-          </p:nvPr>
-        </p:nvSpPr>
-        <p:spPr>
-          <a:xfrm>
-            <a:off x="1014141" y="1450655"/>
-            <a:ext cx="3932030" cy="3956690"/>
-          </a:xfrm>
-        </p:spPr>
-        <p:txBody>
-          <a:bodyPr anchor="ctr">
-            <a:normAutofit/>
-          </a:bodyPr>
-          <a:lstStyle/>
-          <a:p>
-            <a:r>
-              <a:rPr lang="en-US" sz="8000" dirty="0">
-                <a:solidFill>
-                  <a:schemeClr val="bg1"/>
-                </a:solidFill>
-              </a:rPr>
-              <a:t>Unity</a:t>
-            </a:r>
-          </a:p>
-        </p:txBody>
-      </p:sp>
-      <p:cxnSp>
-        <p:nvCxnSpPr>
-          <p:cNvPr id="17" name="Straight Connector 9">
-            <a:extLst>
-              <a:ext uri="{FF2B5EF4-FFF2-40B4-BE49-F238E27FC236}">
-                <a16:creationId xmlns:a16="http://schemas.microsoft.com/office/drawing/2014/main" id="{067633D1-6EE6-4118-B9F0-B363477BEE7A}"/>
-              </a:ext>
-              <a:ext uri="{C183D7F6-B498-43B3-948B-1728B52AA6E4}">
-                <adec:decorative xmlns:adec="http://schemas.microsoft.com/office/drawing/2017/decorative" val="1"/>
-              </a:ext>
-            </a:extLst>
-          </p:cNvPr>
-          <p:cNvCxnSpPr>
-            <a:cxnSpLocks noGrp="1" noRot="1" noChangeAspect="1" noMove="1" noResize="1" noEditPoints="1" noAdjustHandles="1" noChangeArrowheads="1" noChangeShapeType="1"/>
-          </p:cNvCxnSpPr>
-          <p:nvPr>
-            <p:extLst>
-              <p:ext uri="{386F3935-93C4-4BCD-93E2-E3B085C9AB24}">
-                <p16:designElem xmlns:p16="http://schemas.microsoft.com/office/powerpoint/2015/main" val="1"/>
-              </p:ext>
-            </p:extLst>
-          </p:nvPr>
-        </p:nvCxnSpPr>
-        <p:spPr>
-          <a:xfrm flipH="1">
-            <a:off x="1014141" y="1450655"/>
-            <a:ext cx="3932030" cy="0"/>
-          </a:xfrm>
-          <a:prstGeom prst="line">
-            <a:avLst/>
-          </a:prstGeom>
-          <a:ln w="12700">
-            <a:solidFill>
-              <a:schemeClr val="accent2"/>
-            </a:solidFill>
-          </a:ln>
-        </p:spPr>
-        <p:style>
-          <a:lnRef idx="1">
-            <a:schemeClr val="accent1"/>
-          </a:lnRef>
-          <a:fillRef idx="0">
-            <a:schemeClr val="accent1"/>
-          </a:fillRef>
-          <a:effectRef idx="0">
-            <a:schemeClr val="accent1"/>
-          </a:effectRef>
-          <a:fontRef idx="minor">
-            <a:schemeClr val="tx1"/>
-          </a:fontRef>
-        </p:style>
-      </p:cxnSp>
-      <p:cxnSp>
-        <p:nvCxnSpPr>
-          <p:cNvPr id="12" name="Straight Connector 11">
-            <a:extLst>
-              <a:ext uri="{FF2B5EF4-FFF2-40B4-BE49-F238E27FC236}">
-                <a16:creationId xmlns:a16="http://schemas.microsoft.com/office/drawing/2014/main" id="{4AD7FFC6-42A9-49CB-B5E9-B3F6B038331B}"/>
-              </a:ext>
-              <a:ext uri="{C183D7F6-B498-43B3-948B-1728B52AA6E4}">
-                <adec:decorative xmlns:adec="http://schemas.microsoft.com/office/drawing/2017/decorative" val="1"/>
-              </a:ext>
-            </a:extLst>
-          </p:cNvPr>
-          <p:cNvCxnSpPr>
-            <a:cxnSpLocks noGrp="1" noRot="1" noChangeAspect="1" noMove="1" noResize="1" noEditPoints="1" noAdjustHandles="1" noChangeArrowheads="1" noChangeShapeType="1"/>
-          </p:cNvCxnSpPr>
-          <p:nvPr>
-            <p:extLst>
-              <p:ext uri="{386F3935-93C4-4BCD-93E2-E3B085C9AB24}">
-                <p16:designElem xmlns:p16="http://schemas.microsoft.com/office/powerpoint/2015/main" val="1"/>
-              </p:ext>
-            </p:extLst>
-          </p:nvPr>
-        </p:nvCxnSpPr>
-        <p:spPr>
-          <a:xfrm flipH="1">
-            <a:off x="1014141" y="5408571"/>
-            <a:ext cx="3932030" cy="0"/>
-          </a:xfrm>
-          <a:prstGeom prst="line">
-            <a:avLst/>
-          </a:prstGeom>
-          <a:ln w="12700">
-            <a:solidFill>
-              <a:schemeClr val="accent2"/>
-            </a:solidFill>
-          </a:ln>
-        </p:spPr>
-        <p:style>
-          <a:lnRef idx="1">
-            <a:schemeClr val="accent1"/>
-          </a:lnRef>
-          <a:fillRef idx="0">
-            <a:schemeClr val="accent1"/>
-          </a:fillRef>
-          <a:effectRef idx="0">
-            <a:schemeClr val="accent1"/>
-          </a:effectRef>
-          <a:fontRef idx="minor">
-            <a:schemeClr val="tx1"/>
-          </a:fontRef>
-        </p:style>
-      </p:cxnSp>
-      <p:sp>
-        <p:nvSpPr>
-          <p:cNvPr id="3" name="Content Placeholder 2">
-            <a:extLst>
-              <a:ext uri="{FF2B5EF4-FFF2-40B4-BE49-F238E27FC236}">
-                <a16:creationId xmlns:a16="http://schemas.microsoft.com/office/drawing/2014/main" id="{931A757B-5A5D-4C19-8CD8-BB5F92C8F132}"/>
-              </a:ext>
-            </a:extLst>
-          </p:cNvPr>
-          <p:cNvSpPr>
-            <a:spLocks noGrp="1"/>
-          </p:cNvSpPr>
-          <p:nvPr>
-            <p:ph idx="1"/>
-          </p:nvPr>
-        </p:nvSpPr>
-        <p:spPr>
-          <a:xfrm>
-            <a:off x="6096000" y="1108061"/>
-            <a:ext cx="5008901" cy="4571972"/>
-          </a:xfrm>
-        </p:spPr>
-        <p:txBody>
-          <a:bodyPr anchor="ctr">
-            <a:normAutofit/>
-          </a:bodyPr>
-          <a:lstStyle/>
-          <a:p>
-            <a:r>
-              <a:rPr lang="en-US" sz="2000" dirty="0">
-                <a:solidFill>
-                  <a:schemeClr val="bg1"/>
-                </a:solidFill>
-              </a:rPr>
-              <a:t>The game aspect of the project was created using the Unity Engine</a:t>
-            </a:r>
-          </a:p>
-          <a:p>
-            <a:r>
-              <a:rPr lang="en-US" sz="2000" dirty="0">
-                <a:solidFill>
-                  <a:schemeClr val="bg1"/>
-                </a:solidFill>
-              </a:rPr>
-              <a:t>It was developed using C#</a:t>
-            </a:r>
-          </a:p>
-          <a:p>
-            <a:r>
-              <a:rPr lang="en-US" sz="2000" dirty="0">
-                <a:solidFill>
-                  <a:schemeClr val="bg1"/>
-                </a:solidFill>
-              </a:rPr>
-              <a:t>The project is embedded in the android application</a:t>
-            </a:r>
-          </a:p>
-          <a:p>
-            <a:r>
-              <a:rPr lang="en-US" sz="2000" dirty="0">
-                <a:solidFill>
-                  <a:schemeClr val="bg1"/>
-                </a:solidFill>
-              </a:rPr>
-              <a:t>It communicates with the JS server using the Socket IO library</a:t>
-            </a:r>
-          </a:p>
-        </p:txBody>
-      </p:sp>
-    </p:spTree>
-    <p:extLst>
-      <p:ext uri="{BB962C8B-B14F-4D97-AF65-F5344CB8AC3E}">
-        <p14:creationId xmlns:p14="http://schemas.microsoft.com/office/powerpoint/2010/main" val="3138818677"/>
-      </p:ext>
-    </p:extLst>
-  </p:cSld>
-  <p:clrMapOvr>
-    <a:masterClrMapping/>
-  </p:clrMapOvr>
-  <mc:AlternateContent xmlns:mc="http://schemas.openxmlformats.org/markup-compatibility/2006">
-    <mc:Choice xmlns:p159="http://schemas.microsoft.com/office/powerpoint/2015/09/main" Requires="p159">
-      <p:transition xmlns:p14="http://schemas.microsoft.com/office/powerpoint/2010/main" spd="slow" p14:dur="2000">
-        <p159:morph option="byObject"/>
-      </p:transition>
-    </mc:Choice>
-    <mc:Fallback>
-      <p:transition spd="slow">
-        <p:fade/>
-      </p:transition>
-    </mc:Fallback>
-  </mc:AlternateContent>
-  <p:timing>
-    <p:tnLst>
-      <p:par>
-        <p:cTn id="1" dur="indefinite" restart="never" nodeType="tmRoot">
-          <p:childTnLst>
-            <p:seq concurrent="1" nextAc="seek">
-              <p:cTn id="2" dur="indefinite" nodeType="mainSeq">
-                <p:childTnLst>
-                  <p:par>
-                    <p:cTn id="3" fill="hold">
-                      <p:stCondLst>
-                        <p:cond delay="indefinite"/>
-                      </p:stCondLst>
-                      <p:childTnLst>
-                        <p:par>
-                          <p:cTn id="4" fill="hold">
-                            <p:stCondLst>
-                              <p:cond delay="0"/>
-                            </p:stCondLst>
-                            <p:childTnLst>
-                              <p:par>
-                                <p:cTn id="5" presetID="42" presetClass="entr" presetSubtype="0" fill="hold" grpId="0" nodeType="clickEffect">
-                                  <p:stCondLst>
-                                    <p:cond delay="0"/>
-                                  </p:stCondLst>
-                                  <p:childTnLst>
-                                    <p:set>
-                                      <p:cBhvr>
-                                        <p:cTn id="6" dur="1" fill="hold">
-                                          <p:stCondLst>
-                                            <p:cond delay="0"/>
-                                          </p:stCondLst>
-                                        </p:cTn>
-                                        <p:tgtEl>
-                                          <p:spTgt spid="2"/>
-                                        </p:tgtEl>
-                                        <p:attrNameLst>
-                                          <p:attrName>style.visibility</p:attrName>
-                                        </p:attrNameLst>
-                                      </p:cBhvr>
-                                      <p:to>
-                                        <p:strVal val="visible"/>
-                                      </p:to>
-                                    </p:set>
-                                    <p:animEffect transition="in" filter="fade">
-                                      <p:cBhvr>
-                                        <p:cTn id="7" dur="1000"/>
-                                        <p:tgtEl>
-                                          <p:spTgt spid="2"/>
-                                        </p:tgtEl>
-                                      </p:cBhvr>
-                                    </p:animEffect>
-                                    <p:anim calcmode="lin" valueType="num">
-                                      <p:cBhvr>
-                                        <p:cTn id="8" dur="1000" fill="hold"/>
-                                        <p:tgtEl>
-                                          <p:spTgt spid="2"/>
-                                        </p:tgtEl>
-                                        <p:attrNameLst>
-                                          <p:attrName>ppt_x</p:attrName>
-                                        </p:attrNameLst>
-                                      </p:cBhvr>
-                                      <p:tavLst>
-                                        <p:tav tm="0">
-                                          <p:val>
-                                            <p:strVal val="#ppt_x"/>
-                                          </p:val>
-                                        </p:tav>
-                                        <p:tav tm="100000">
-                                          <p:val>
-                                            <p:strVal val="#ppt_x"/>
-                                          </p:val>
-                                        </p:tav>
-                                      </p:tavLst>
-                                    </p:anim>
-                                    <p:anim calcmode="lin" valueType="num">
-                                      <p:cBhvr>
-                                        <p:cTn id="9" dur="1000" fill="hold"/>
-                                        <p:tgtEl>
-                                          <p:spTgt spid="2"/>
-                                        </p:tgtEl>
-                                        <p:attrNameLst>
-                                          <p:attrName>ppt_y</p:attrName>
-                                        </p:attrNameLst>
-                                      </p:cBhvr>
-                                      <p:tavLst>
-                                        <p:tav tm="0">
-                                          <p:val>
-                                            <p:strVal val="#ppt_y+.1"/>
-                                          </p:val>
-                                        </p:tav>
-                                        <p:tav tm="100000">
-                                          <p:val>
-                                            <p:strVal val="#ppt_y"/>
-                                          </p:val>
-                                        </p:tav>
-                                      </p:tavLst>
-                                    </p:anim>
-                                  </p:childTnLst>
-                                </p:cTn>
-                              </p:par>
-                            </p:childTnLst>
-                          </p:cTn>
-                        </p:par>
-                      </p:childTnLst>
-                    </p:cTn>
-                  </p:par>
-                  <p:par>
-                    <p:cTn id="10" fill="hold">
-                      <p:stCondLst>
-                        <p:cond delay="indefinite"/>
-                      </p:stCondLst>
-                      <p:childTnLst>
-                        <p:par>
-                          <p:cTn id="11" fill="hold">
-                            <p:stCondLst>
-                              <p:cond delay="0"/>
-                            </p:stCondLst>
-                            <p:childTnLst>
-                              <p:par>
-                                <p:cTn id="12" presetID="42" presetClass="entr" presetSubtype="0" fill="hold" grpId="0" nodeType="clickEffect">
-                                  <p:stCondLst>
-                                    <p:cond delay="0"/>
-                                  </p:stCondLst>
-                                  <p:childTnLst>
-                                    <p:set>
-                                      <p:cBhvr>
-                                        <p:cTn id="13" dur="1" fill="hold">
-                                          <p:stCondLst>
-                                            <p:cond delay="0"/>
-                                          </p:stCondLst>
-                                        </p:cTn>
-                                        <p:tgtEl>
-                                          <p:spTgt spid="3">
-                                            <p:txEl>
-                                              <p:pRg st="0" end="0"/>
-                                            </p:txEl>
-                                          </p:spTgt>
-                                        </p:tgtEl>
-                                        <p:attrNameLst>
-                                          <p:attrName>style.visibility</p:attrName>
-                                        </p:attrNameLst>
-                                      </p:cBhvr>
-                                      <p:to>
-                                        <p:strVal val="visible"/>
-                                      </p:to>
-                                    </p:set>
-                                    <p:animEffect transition="in" filter="fade">
-                                      <p:cBhvr>
-                                        <p:cTn id="14" dur="1000"/>
-                                        <p:tgtEl>
-                                          <p:spTgt spid="3">
-                                            <p:txEl>
-                                              <p:pRg st="0" end="0"/>
-                                            </p:txEl>
-                                          </p:spTgt>
-                                        </p:tgtEl>
-                                      </p:cBhvr>
-                                    </p:animEffect>
-                                    <p:anim calcmode="lin" valueType="num">
-                                      <p:cBhvr>
-                                        <p:cTn id="15" dur="1000" fill="hold"/>
-                                        <p:tgtEl>
-                                          <p:spTgt spid="3">
-                                            <p:txEl>
-                                              <p:pRg st="0" end="0"/>
-                                            </p:txEl>
-                                          </p:spTgt>
-                                        </p:tgtEl>
-                                        <p:attrNameLst>
-                                          <p:attrName>ppt_x</p:attrName>
-                                        </p:attrNameLst>
-                                      </p:cBhvr>
-                                      <p:tavLst>
-                                        <p:tav tm="0">
-                                          <p:val>
-                                            <p:strVal val="#ppt_x"/>
-                                          </p:val>
-                                        </p:tav>
-                                        <p:tav tm="100000">
-                                          <p:val>
-                                            <p:strVal val="#ppt_x"/>
-                                          </p:val>
-                                        </p:tav>
-                                      </p:tavLst>
-                                    </p:anim>
-                                    <p:anim calcmode="lin" valueType="num">
-                                      <p:cBhvr>
-                                        <p:cTn id="16" dur="1000" fill="hold"/>
-                                        <p:tgtEl>
-                                          <p:spTgt spid="3">
-                                            <p:txEl>
-                                              <p:pRg st="0" end="0"/>
-                                            </p:txEl>
-                                          </p:spTgt>
-                                        </p:tgtEl>
-                                        <p:attrNameLst>
-                                          <p:attrName>ppt_y</p:attrName>
-                                        </p:attrNameLst>
-                                      </p:cBhvr>
-                                      <p:tavLst>
-                                        <p:tav tm="0">
-                                          <p:val>
-                                            <p:strVal val="#ppt_y+.1"/>
-                                          </p:val>
-                                        </p:tav>
-                                        <p:tav tm="100000">
-                                          <p:val>
-                                            <p:strVal val="#ppt_y"/>
-                                          </p:val>
-                                        </p:tav>
-                                      </p:tavLst>
-                                    </p:anim>
-                                  </p:childTnLst>
-                                </p:cTn>
-                              </p:par>
-                            </p:childTnLst>
-                          </p:cTn>
-                        </p:par>
-                      </p:childTnLst>
-                    </p:cTn>
-                  </p:par>
-                  <p:par>
-                    <p:cTn id="17" fill="hold">
-                      <p:stCondLst>
-                        <p:cond delay="indefinite"/>
-                      </p:stCondLst>
-                      <p:childTnLst>
-                        <p:par>
-                          <p:cTn id="18" fill="hold">
-                            <p:stCondLst>
-                              <p:cond delay="0"/>
-                            </p:stCondLst>
-                            <p:childTnLst>
-                              <p:par>
-                                <p:cTn id="19" presetID="42" presetClass="entr" presetSubtype="0" fill="hold" grpId="0" nodeType="clickEffect">
-                                  <p:stCondLst>
-                                    <p:cond delay="0"/>
-                                  </p:stCondLst>
-                                  <p:childTnLst>
-                                    <p:set>
-                                      <p:cBhvr>
-                                        <p:cTn id="20" dur="1" fill="hold">
-                                          <p:stCondLst>
-                                            <p:cond delay="0"/>
-                                          </p:stCondLst>
-                                        </p:cTn>
-                                        <p:tgtEl>
-                                          <p:spTgt spid="3">
-                                            <p:txEl>
-                                              <p:pRg st="1" end="1"/>
-                                            </p:txEl>
-                                          </p:spTgt>
-                                        </p:tgtEl>
-                                        <p:attrNameLst>
-                                          <p:attrName>style.visibility</p:attrName>
-                                        </p:attrNameLst>
-                                      </p:cBhvr>
-                                      <p:to>
-                                        <p:strVal val="visible"/>
-                                      </p:to>
-                                    </p:set>
-                                    <p:animEffect transition="in" filter="fade">
-                                      <p:cBhvr>
-                                        <p:cTn id="21" dur="1000"/>
-                                        <p:tgtEl>
-                                          <p:spTgt spid="3">
-                                            <p:txEl>
-                                              <p:pRg st="1" end="1"/>
-                                            </p:txEl>
-                                          </p:spTgt>
-                                        </p:tgtEl>
-                                      </p:cBhvr>
-                                    </p:animEffect>
-                                    <p:anim calcmode="lin" valueType="num">
-                                      <p:cBhvr>
-                                        <p:cTn id="22" dur="1000" fill="hold"/>
-                                        <p:tgtEl>
-                                          <p:spTgt spid="3">
-                                            <p:txEl>
-                                              <p:pRg st="1" end="1"/>
-                                            </p:txEl>
-                                          </p:spTgt>
-                                        </p:tgtEl>
-                                        <p:attrNameLst>
-                                          <p:attrName>ppt_x</p:attrName>
-                                        </p:attrNameLst>
-                                      </p:cBhvr>
-                                      <p:tavLst>
-                                        <p:tav tm="0">
-                                          <p:val>
-                                            <p:strVal val="#ppt_x"/>
-                                          </p:val>
-                                        </p:tav>
-                                        <p:tav tm="100000">
-                                          <p:val>
-                                            <p:strVal val="#ppt_x"/>
-                                          </p:val>
-                                        </p:tav>
-                                      </p:tavLst>
-                                    </p:anim>
-                                    <p:anim calcmode="lin" valueType="num">
-                                      <p:cBhvr>
-                                        <p:cTn id="23" dur="1000" fill="hold"/>
-                                        <p:tgtEl>
-                                          <p:spTgt spid="3">
-                                            <p:txEl>
-                                              <p:pRg st="1" end="1"/>
-                                            </p:txEl>
-                                          </p:spTgt>
-                                        </p:tgtEl>
-                                        <p:attrNameLst>
-                                          <p:attrName>ppt_y</p:attrName>
-                                        </p:attrNameLst>
-                                      </p:cBhvr>
-                                      <p:tavLst>
-                                        <p:tav tm="0">
-                                          <p:val>
-                                            <p:strVal val="#ppt_y+.1"/>
-                                          </p:val>
-                                        </p:tav>
-                                        <p:tav tm="100000">
-                                          <p:val>
-                                            <p:strVal val="#ppt_y"/>
-                                          </p:val>
-                                        </p:tav>
-                                      </p:tavLst>
-                                    </p:anim>
-                                  </p:childTnLst>
-                                </p:cTn>
-                              </p:par>
-                            </p:childTnLst>
-                          </p:cTn>
-                        </p:par>
-                      </p:childTnLst>
-                    </p:cTn>
-                  </p:par>
-                  <p:par>
-                    <p:cTn id="24" fill="hold">
-                      <p:stCondLst>
-                        <p:cond delay="indefinite"/>
-                      </p:stCondLst>
-                      <p:childTnLst>
-                        <p:par>
-                          <p:cTn id="25" fill="hold">
-                            <p:stCondLst>
-                              <p:cond delay="0"/>
-                            </p:stCondLst>
-                            <p:childTnLst>
-                              <p:par>
-                                <p:cTn id="26" presetID="42" presetClass="entr" presetSubtype="0" fill="hold" grpId="0" nodeType="clickEffect">
-                                  <p:stCondLst>
-                                    <p:cond delay="0"/>
-                                  </p:stCondLst>
-                                  <p:childTnLst>
-                                    <p:set>
-                                      <p:cBhvr>
-                                        <p:cTn id="27" dur="1" fill="hold">
-                                          <p:stCondLst>
-                                            <p:cond delay="0"/>
-                                          </p:stCondLst>
-                                        </p:cTn>
-                                        <p:tgtEl>
-                                          <p:spTgt spid="3">
-                                            <p:txEl>
-                                              <p:pRg st="2" end="2"/>
-                                            </p:txEl>
-                                          </p:spTgt>
-                                        </p:tgtEl>
-                                        <p:attrNameLst>
-                                          <p:attrName>style.visibility</p:attrName>
-                                        </p:attrNameLst>
-                                      </p:cBhvr>
-                                      <p:to>
-                                        <p:strVal val="visible"/>
-                                      </p:to>
-                                    </p:set>
-                                    <p:animEffect transition="in" filter="fade">
-                                      <p:cBhvr>
-                                        <p:cTn id="28" dur="1000"/>
-                                        <p:tgtEl>
-                                          <p:spTgt spid="3">
-                                            <p:txEl>
-                                              <p:pRg st="2" end="2"/>
-                                            </p:txEl>
-                                          </p:spTgt>
-                                        </p:tgtEl>
-                                      </p:cBhvr>
-                                    </p:animEffect>
-                                    <p:anim calcmode="lin" valueType="num">
-                                      <p:cBhvr>
-                                        <p:cTn id="29" dur="1000" fill="hold"/>
-                                        <p:tgtEl>
-                                          <p:spTgt spid="3">
-                                            <p:txEl>
-                                              <p:pRg st="2" end="2"/>
-                                            </p:txEl>
-                                          </p:spTgt>
-                                        </p:tgtEl>
-                                        <p:attrNameLst>
-                                          <p:attrName>ppt_x</p:attrName>
-                                        </p:attrNameLst>
-                                      </p:cBhvr>
-                                      <p:tavLst>
-                                        <p:tav tm="0">
-                                          <p:val>
-                                            <p:strVal val="#ppt_x"/>
-                                          </p:val>
-                                        </p:tav>
-                                        <p:tav tm="100000">
-                                          <p:val>
-                                            <p:strVal val="#ppt_x"/>
-                                          </p:val>
-                                        </p:tav>
-                                      </p:tavLst>
-                                    </p:anim>
-                                    <p:anim calcmode="lin" valueType="num">
-                                      <p:cBhvr>
-                                        <p:cTn id="30" dur="1000" fill="hold"/>
-                                        <p:tgtEl>
-                                          <p:spTgt spid="3">
-                                            <p:txEl>
-                                              <p:pRg st="2" end="2"/>
-                                            </p:txEl>
-                                          </p:spTgt>
-                                        </p:tgtEl>
-                                        <p:attrNameLst>
-                                          <p:attrName>ppt_y</p:attrName>
-                                        </p:attrNameLst>
-                                      </p:cBhvr>
-                                      <p:tavLst>
-                                        <p:tav tm="0">
-                                          <p:val>
-                                            <p:strVal val="#ppt_y+.1"/>
-                                          </p:val>
-                                        </p:tav>
-                                        <p:tav tm="100000">
-                                          <p:val>
-                                            <p:strVal val="#ppt_y"/>
-                                          </p:val>
-                                        </p:tav>
-                                      </p:tavLst>
-                                    </p:anim>
-                                  </p:childTnLst>
-                                </p:cTn>
-                              </p:par>
-                            </p:childTnLst>
-                          </p:cTn>
-                        </p:par>
-                      </p:childTnLst>
-                    </p:cTn>
-                  </p:par>
-                  <p:par>
-                    <p:cTn id="31" fill="hold">
-                      <p:stCondLst>
-                        <p:cond delay="indefinite"/>
-                      </p:stCondLst>
-                      <p:childTnLst>
-                        <p:par>
-                          <p:cTn id="32" fill="hold">
-                            <p:stCondLst>
-                              <p:cond delay="0"/>
-                            </p:stCondLst>
-                            <p:childTnLst>
-                              <p:par>
-                                <p:cTn id="33" presetID="42" presetClass="entr" presetSubtype="0" fill="hold" grpId="0" nodeType="clickEffect">
-                                  <p:stCondLst>
-                                    <p:cond delay="0"/>
-                                  </p:stCondLst>
-                                  <p:childTnLst>
-                                    <p:set>
-                                      <p:cBhvr>
-                                        <p:cTn id="34" dur="1" fill="hold">
-                                          <p:stCondLst>
-                                            <p:cond delay="0"/>
-                                          </p:stCondLst>
-                                        </p:cTn>
-                                        <p:tgtEl>
-                                          <p:spTgt spid="3">
-                                            <p:txEl>
-                                              <p:pRg st="3" end="3"/>
-                                            </p:txEl>
-                                          </p:spTgt>
-                                        </p:tgtEl>
-                                        <p:attrNameLst>
-                                          <p:attrName>style.visibility</p:attrName>
-                                        </p:attrNameLst>
-                                      </p:cBhvr>
-                                      <p:to>
-                                        <p:strVal val="visible"/>
-                                      </p:to>
-                                    </p:set>
-                                    <p:animEffect transition="in" filter="fade">
-                                      <p:cBhvr>
-                                        <p:cTn id="35" dur="1000"/>
-                                        <p:tgtEl>
-                                          <p:spTgt spid="3">
-                                            <p:txEl>
-                                              <p:pRg st="3" end="3"/>
-                                            </p:txEl>
-                                          </p:spTgt>
-                                        </p:tgtEl>
-                                      </p:cBhvr>
-                                    </p:animEffect>
-                                    <p:anim calcmode="lin" valueType="num">
-                                      <p:cBhvr>
-                                        <p:cTn id="36" dur="1000" fill="hold"/>
-                                        <p:tgtEl>
-                                          <p:spTgt spid="3">
-                                            <p:txEl>
-                                              <p:pRg st="3" end="3"/>
-                                            </p:txEl>
-                                          </p:spTgt>
-                                        </p:tgtEl>
-                                        <p:attrNameLst>
-                                          <p:attrName>ppt_x</p:attrName>
-                                        </p:attrNameLst>
-                                      </p:cBhvr>
-                                      <p:tavLst>
-                                        <p:tav tm="0">
-                                          <p:val>
-                                            <p:strVal val="#ppt_x"/>
-                                          </p:val>
-                                        </p:tav>
-                                        <p:tav tm="100000">
-                                          <p:val>
-                                            <p:strVal val="#ppt_x"/>
-                                          </p:val>
-                                        </p:tav>
-                                      </p:tavLst>
-                                    </p:anim>
-                                    <p:anim calcmode="lin" valueType="num">
-                                      <p:cBhvr>
-                                        <p:cTn id="37" dur="1000" fill="hold"/>
-                                        <p:tgtEl>
-                                          <p:spTgt spid="3">
-                                            <p:txEl>
-                                              <p:pRg st="3" end="3"/>
-                                            </p:txEl>
-                                          </p:spTgt>
-                                        </p:tgtEl>
-                                        <p:attrNameLst>
-                                          <p:attrName>ppt_y</p:attrName>
-                                        </p:attrNameLst>
-                                      </p:cBhvr>
-                                      <p:tavLst>
-                                        <p:tav tm="0">
-                                          <p:val>
-                                            <p:strVal val="#ppt_y+.1"/>
-                                          </p:val>
-                                        </p:tav>
-                                        <p:tav tm="100000">
-                                          <p:val>
-                                            <p:strVal val="#ppt_y"/>
-                                          </p:val>
-                                        </p:tav>
-                                      </p:tavLst>
-                                    </p:anim>
-                                  </p:childTnLst>
-                                </p:cTn>
-                              </p:par>
-                            </p:childTnLst>
-                          </p:cTn>
-                        </p:par>
-                      </p:childTnLst>
-                    </p:cTn>
-                  </p:par>
-                </p:childTnLst>
-              </p:cTn>
-              <p:prevCondLst>
-                <p:cond evt="onPrev" delay="0">
-                  <p:tgtEl>
-                    <p:sldTgt/>
-                  </p:tgtEl>
-                </p:cond>
-              </p:prevCondLst>
-              <p:nextCondLst>
-                <p:cond evt="onNext" delay="0">
-                  <p:tgtEl>
-                    <p:sldTgt/>
-                  </p:tgtEl>
-                </p:cond>
-              </p:nextCondLst>
-            </p:seq>
-          </p:childTnLst>
-        </p:cTn>
-      </p:par>
-    </p:tnLst>
-    <p:bldLst>
-      <p:bldP spid="2" grpId="0"/>
-      <p:bldP spid="3" grpId="0" build="p"/>
     </p:bldLst>
   </p:timing>
 </p:sld>
